--- a/Quiz-Presentation.pptx
+++ b/Quiz-Presentation.pptx
@@ -1,27 +1,461 @@
 
 <file path=ppt/presentation.xml><?xml version="1.0" encoding="utf-8"?>
-<p:presentation xmlns:a="http://schemas.openxmlformats.org/drawingml/2006/main" xmlns:p="http://schemas.openxmlformats.org/presentationml/2006/main" xmlns:r="http://schemas.openxmlformats.org/officeDocument/2006/relationships" xmlns:p14="http://schemas.microsoft.com/office/powerpoint/2010/main" xmlns:p15="http://schemas.microsoft.com/office/powerpoint/2012/main" xmlns:mc="http://schemas.openxmlformats.org/markup-compatibility/2006">
+<p:presentation xmlns:a="http://schemas.openxmlformats.org/drawingml/2006/main" xmlns:r="http://schemas.openxmlformats.org/officeDocument/2006/relationships" xmlns:p="http://schemas.openxmlformats.org/presentationml/2006/main">
   <p:sldMasterIdLst>
-    <p:sldMasterId id="2147483648" r:id="rId2"/>
-    <p:sldMasterId id="2147483661" r:id="rId3"/>
-    <p:sldMasterId id="2147483674" r:id="rId4"/>
+    <p:sldMasterId id="2147483648" r:id="rId1"/>
+    <p:sldMasterId id="2147483661" r:id="rId2"/>
   </p:sldMasterIdLst>
   <p:notesMasterIdLst>
-    <p:notesMasterId r:id="rId5"/>
+    <p:notesMasterId r:id="rId9"/>
   </p:notesMasterIdLst>
   <p:sldIdLst>
-    <p:sldId id="256" r:id="rId6"/>
-    <p:sldId id="257" r:id="rId7"/>
-    <p:sldId id="258" r:id="rId8"/>
-    <p:sldId id="259" r:id="rId9"/>
+    <p:sldId id="256" r:id="rId3"/>
+    <p:sldId id="260" r:id="rId4"/>
+    <p:sldId id="257" r:id="rId5"/>
+    <p:sldId id="261" r:id="rId6"/>
+    <p:sldId id="258" r:id="rId7"/>
+    <p:sldId id="262" r:id="rId8"/>
   </p:sldIdLst>
-  <p:sldSz cx="11704637" cy="6583362"/>
-  <p:notesSz cx="6797675" cy="9926637"/>
+  <p:sldSz cx="11704638" cy="6583363"/>
+  <p:notesSz cx="6797675" cy="9926638"/>
+  <p:defaultTextStyle>
+    <a:defPPr>
+      <a:defRPr lang="en-US"/>
+    </a:defPPr>
+    <a:lvl1pPr marL="0" algn="l" defTabSz="914400" rtl="0" eaLnBrk="1" latinLnBrk="0" hangingPunct="1">
+      <a:defRPr sz="1800" kern="1200">
+        <a:solidFill>
+          <a:schemeClr val="tx1"/>
+        </a:solidFill>
+        <a:latin typeface="+mn-lt"/>
+        <a:ea typeface="+mn-ea"/>
+        <a:cs typeface="+mn-cs"/>
+      </a:defRPr>
+    </a:lvl1pPr>
+    <a:lvl2pPr marL="457200" algn="l" defTabSz="914400" rtl="0" eaLnBrk="1" latinLnBrk="0" hangingPunct="1">
+      <a:defRPr sz="1800" kern="1200">
+        <a:solidFill>
+          <a:schemeClr val="tx1"/>
+        </a:solidFill>
+        <a:latin typeface="+mn-lt"/>
+        <a:ea typeface="+mn-ea"/>
+        <a:cs typeface="+mn-cs"/>
+      </a:defRPr>
+    </a:lvl2pPr>
+    <a:lvl3pPr marL="914400" algn="l" defTabSz="914400" rtl="0" eaLnBrk="1" latinLnBrk="0" hangingPunct="1">
+      <a:defRPr sz="1800" kern="1200">
+        <a:solidFill>
+          <a:schemeClr val="tx1"/>
+        </a:solidFill>
+        <a:latin typeface="+mn-lt"/>
+        <a:ea typeface="+mn-ea"/>
+        <a:cs typeface="+mn-cs"/>
+      </a:defRPr>
+    </a:lvl3pPr>
+    <a:lvl4pPr marL="1371600" algn="l" defTabSz="914400" rtl="0" eaLnBrk="1" latinLnBrk="0" hangingPunct="1">
+      <a:defRPr sz="1800" kern="1200">
+        <a:solidFill>
+          <a:schemeClr val="tx1"/>
+        </a:solidFill>
+        <a:latin typeface="+mn-lt"/>
+        <a:ea typeface="+mn-ea"/>
+        <a:cs typeface="+mn-cs"/>
+      </a:defRPr>
+    </a:lvl4pPr>
+    <a:lvl5pPr marL="1828800" algn="l" defTabSz="914400" rtl="0" eaLnBrk="1" latinLnBrk="0" hangingPunct="1">
+      <a:defRPr sz="1800" kern="1200">
+        <a:solidFill>
+          <a:schemeClr val="tx1"/>
+        </a:solidFill>
+        <a:latin typeface="+mn-lt"/>
+        <a:ea typeface="+mn-ea"/>
+        <a:cs typeface="+mn-cs"/>
+      </a:defRPr>
+    </a:lvl5pPr>
+    <a:lvl6pPr marL="2286000" algn="l" defTabSz="914400" rtl="0" eaLnBrk="1" latinLnBrk="0" hangingPunct="1">
+      <a:defRPr sz="1800" kern="1200">
+        <a:solidFill>
+          <a:schemeClr val="tx1"/>
+        </a:solidFill>
+        <a:latin typeface="+mn-lt"/>
+        <a:ea typeface="+mn-ea"/>
+        <a:cs typeface="+mn-cs"/>
+      </a:defRPr>
+    </a:lvl6pPr>
+    <a:lvl7pPr marL="2743200" algn="l" defTabSz="914400" rtl="0" eaLnBrk="1" latinLnBrk="0" hangingPunct="1">
+      <a:defRPr sz="1800" kern="1200">
+        <a:solidFill>
+          <a:schemeClr val="tx1"/>
+        </a:solidFill>
+        <a:latin typeface="+mn-lt"/>
+        <a:ea typeface="+mn-ea"/>
+        <a:cs typeface="+mn-cs"/>
+      </a:defRPr>
+    </a:lvl7pPr>
+    <a:lvl8pPr marL="3200400" algn="l" defTabSz="914400" rtl="0" eaLnBrk="1" latinLnBrk="0" hangingPunct="1">
+      <a:defRPr sz="1800" kern="1200">
+        <a:solidFill>
+          <a:schemeClr val="tx1"/>
+        </a:solidFill>
+        <a:latin typeface="+mn-lt"/>
+        <a:ea typeface="+mn-ea"/>
+        <a:cs typeface="+mn-cs"/>
+      </a:defRPr>
+    </a:lvl8pPr>
+    <a:lvl9pPr marL="3657600" algn="l" defTabSz="914400" rtl="0" eaLnBrk="1" latinLnBrk="0" hangingPunct="1">
+      <a:defRPr sz="1800" kern="1200">
+        <a:solidFill>
+          <a:schemeClr val="tx1"/>
+        </a:solidFill>
+        <a:latin typeface="+mn-lt"/>
+        <a:ea typeface="+mn-ea"/>
+        <a:cs typeface="+mn-cs"/>
+      </a:defRPr>
+    </a:lvl9pPr>
+  </p:defaultTextStyle>
 </p:presentation>
 </file>
 
 <file path=ppt/notesMasters/notesMaster1.xml><?xml version="1.0" encoding="utf-8"?>
-<p:notesMaster xmlns:a="http://schemas.openxmlformats.org/drawingml/2006/main" xmlns:p="http://schemas.openxmlformats.org/presentationml/2006/main" xmlns:r="http://schemas.openxmlformats.org/officeDocument/2006/relationships" xmlns:p14="http://schemas.microsoft.com/office/powerpoint/2010/main" xmlns:p15="http://schemas.microsoft.com/office/powerpoint/2012/main" xmlns:mc="http://schemas.openxmlformats.org/markup-compatibility/2006">
+<p:notesMaster xmlns:a="http://schemas.openxmlformats.org/drawingml/2006/main" xmlns:r="http://schemas.openxmlformats.org/officeDocument/2006/relationships" xmlns:p="http://schemas.openxmlformats.org/presentationml/2006/main">
+  <p:cSld>
+    <p:bg>
+      <p:bgRef idx="1001">
+        <a:schemeClr val="bg1"/>
+      </p:bgRef>
+    </p:bg>
+    <p:spTree>
+      <p:nvGrpSpPr>
+        <p:cNvPr id="1" name=""/>
+        <p:cNvGrpSpPr/>
+        <p:nvPr/>
+      </p:nvGrpSpPr>
+      <p:grpSpPr>
+        <a:xfrm>
+          <a:off x="0" y="0"/>
+          <a:ext cx="0" cy="0"/>
+          <a:chOff x="0" y="0"/>
+          <a:chExt cx="0" cy="0"/>
+        </a:xfrm>
+      </p:grpSpPr>
+      <p:sp>
+        <p:nvSpPr>
+          <p:cNvPr id="112" name="PlaceHolder 1"/>
+          <p:cNvSpPr>
+            <a:spLocks noGrp="1"/>
+          </p:cNvSpPr>
+          <p:nvPr>
+            <p:ph type="body"/>
+          </p:nvPr>
+        </p:nvSpPr>
+        <p:spPr>
+          <a:xfrm>
+            <a:off x="756000" y="5078520"/>
+            <a:ext cx="6047640" cy="4811040"/>
+          </a:xfrm>
+          <a:prstGeom prst="rect">
+            <a:avLst/>
+          </a:prstGeom>
+        </p:spPr>
+        <p:txBody>
+          <a:bodyPr lIns="0" tIns="0" rIns="0" bIns="0"/>
+          <a:lstStyle/>
+          <a:p>
+            <a:r>
+              <a:rPr lang="pt-PT" sz="2000" b="0" strike="noStrike" spc="-1">
+                <a:solidFill>
+                  <a:srgbClr val="000000"/>
+                </a:solidFill>
+                <a:uFill>
+                  <a:solidFill>
+                    <a:srgbClr val="FFFFFF"/>
+                  </a:solidFill>
+                </a:uFill>
+                <a:latin typeface="Arial"/>
+              </a:rPr>
+              <a:t>Click to edit the notes format</a:t>
+            </a:r>
+          </a:p>
+        </p:txBody>
+      </p:sp>
+      <p:sp>
+        <p:nvSpPr>
+          <p:cNvPr id="113" name="PlaceHolder 2"/>
+          <p:cNvSpPr>
+            <a:spLocks noGrp="1"/>
+          </p:cNvSpPr>
+          <p:nvPr>
+            <p:ph type="hdr"/>
+          </p:nvPr>
+        </p:nvSpPr>
+        <p:spPr>
+          <a:xfrm>
+            <a:off x="0" y="0"/>
+            <a:ext cx="3280680" cy="534240"/>
+          </a:xfrm>
+          <a:prstGeom prst="rect">
+            <a:avLst/>
+          </a:prstGeom>
+        </p:spPr>
+        <p:txBody>
+          <a:bodyPr lIns="0" tIns="0" rIns="0" bIns="0"/>
+          <a:lstStyle/>
+          <a:p>
+            <a:r>
+              <a:rPr lang="pt-PT" sz="1400" b="0" strike="noStrike" spc="-1">
+                <a:solidFill>
+                  <a:srgbClr val="000000"/>
+                </a:solidFill>
+                <a:uFill>
+                  <a:solidFill>
+                    <a:srgbClr val="FFFFFF"/>
+                  </a:solidFill>
+                </a:uFill>
+                <a:latin typeface="Times New Roman"/>
+              </a:rPr>
+              <a:t>&lt;header&gt;</a:t>
+            </a:r>
+          </a:p>
+        </p:txBody>
+      </p:sp>
+      <p:sp>
+        <p:nvSpPr>
+          <p:cNvPr id="114" name="PlaceHolder 3"/>
+          <p:cNvSpPr>
+            <a:spLocks noGrp="1"/>
+          </p:cNvSpPr>
+          <p:nvPr>
+            <p:ph type="dt"/>
+          </p:nvPr>
+        </p:nvSpPr>
+        <p:spPr>
+          <a:xfrm>
+            <a:off x="4278960" y="0"/>
+            <a:ext cx="3280680" cy="534240"/>
+          </a:xfrm>
+          <a:prstGeom prst="rect">
+            <a:avLst/>
+          </a:prstGeom>
+        </p:spPr>
+        <p:txBody>
+          <a:bodyPr lIns="0" tIns="0" rIns="0" bIns="0"/>
+          <a:lstStyle/>
+          <a:p>
+            <a:pPr algn="r"/>
+            <a:r>
+              <a:rPr lang="pt-PT" sz="1400" b="0" strike="noStrike" spc="-1">
+                <a:solidFill>
+                  <a:srgbClr val="000000"/>
+                </a:solidFill>
+                <a:uFill>
+                  <a:solidFill>
+                    <a:srgbClr val="FFFFFF"/>
+                  </a:solidFill>
+                </a:uFill>
+                <a:latin typeface="Times New Roman"/>
+              </a:rPr>
+              <a:t>&lt;date/time&gt;</a:t>
+            </a:r>
+          </a:p>
+        </p:txBody>
+      </p:sp>
+      <p:sp>
+        <p:nvSpPr>
+          <p:cNvPr id="115" name="PlaceHolder 4"/>
+          <p:cNvSpPr>
+            <a:spLocks noGrp="1"/>
+          </p:cNvSpPr>
+          <p:nvPr>
+            <p:ph type="ftr"/>
+          </p:nvPr>
+        </p:nvSpPr>
+        <p:spPr>
+          <a:xfrm>
+            <a:off x="0" y="10157400"/>
+            <a:ext cx="3280680" cy="534240"/>
+          </a:xfrm>
+          <a:prstGeom prst="rect">
+            <a:avLst/>
+          </a:prstGeom>
+        </p:spPr>
+        <p:txBody>
+          <a:bodyPr lIns="0" tIns="0" rIns="0" bIns="0" anchor="b"/>
+          <a:lstStyle/>
+          <a:p>
+            <a:r>
+              <a:rPr lang="pt-PT" sz="1400" b="0" strike="noStrike" spc="-1">
+                <a:solidFill>
+                  <a:srgbClr val="000000"/>
+                </a:solidFill>
+                <a:uFill>
+                  <a:solidFill>
+                    <a:srgbClr val="FFFFFF"/>
+                  </a:solidFill>
+                </a:uFill>
+                <a:latin typeface="Times New Roman"/>
+              </a:rPr>
+              <a:t>&lt;footer&gt;</a:t>
+            </a:r>
+          </a:p>
+        </p:txBody>
+      </p:sp>
+      <p:sp>
+        <p:nvSpPr>
+          <p:cNvPr id="116" name="PlaceHolder 5"/>
+          <p:cNvSpPr>
+            <a:spLocks noGrp="1"/>
+          </p:cNvSpPr>
+          <p:nvPr>
+            <p:ph type="sldNum"/>
+          </p:nvPr>
+        </p:nvSpPr>
+        <p:spPr>
+          <a:xfrm>
+            <a:off x="4278960" y="10157400"/>
+            <a:ext cx="3280680" cy="534240"/>
+          </a:xfrm>
+          <a:prstGeom prst="rect">
+            <a:avLst/>
+          </a:prstGeom>
+        </p:spPr>
+        <p:txBody>
+          <a:bodyPr lIns="0" tIns="0" rIns="0" bIns="0" anchor="b"/>
+          <a:lstStyle/>
+          <a:p>
+            <a:pPr algn="r"/>
+            <a:fld id="{7B27DEB8-ED43-41BB-B561-F9992CBD7D42}" type="slidenum">
+              <a:rPr lang="pt-PT" sz="1400" b="0" strike="noStrike" spc="-1">
+                <a:solidFill>
+                  <a:srgbClr val="000000"/>
+                </a:solidFill>
+                <a:uFill>
+                  <a:solidFill>
+                    <a:srgbClr val="FFFFFF"/>
+                  </a:solidFill>
+                </a:uFill>
+                <a:latin typeface="Times New Roman"/>
+              </a:rPr>
+              <a:t>‹#›</a:t>
+            </a:fld>
+            <a:endParaRPr lang="pt-PT" sz="1400" b="0" strike="noStrike" spc="-1">
+              <a:solidFill>
+                <a:srgbClr val="000000"/>
+              </a:solidFill>
+              <a:uFill>
+                <a:solidFill>
+                  <a:srgbClr val="FFFFFF"/>
+                </a:solidFill>
+              </a:uFill>
+              <a:latin typeface="Times New Roman"/>
+            </a:endParaRPr>
+          </a:p>
+        </p:txBody>
+      </p:sp>
+    </p:spTree>
+    <p:extLst>
+      <p:ext uri="{BB962C8B-B14F-4D97-AF65-F5344CB8AC3E}">
+        <p14:creationId xmlns:p14="http://schemas.microsoft.com/office/powerpoint/2010/main" val="1883620679"/>
+      </p:ext>
+    </p:extLst>
+  </p:cSld>
+  <p:clrMap bg1="lt1" tx1="dk1" bg2="lt2" tx2="dk2" accent1="accent1" accent2="accent2" accent3="accent3" accent4="accent4" accent5="accent5" accent6="accent6" hlink="hlink" folHlink="folHlink"/>
+  <p:notesStyle>
+    <a:lvl1pPr marL="0" algn="l" defTabSz="914400" rtl="0" eaLnBrk="1" latinLnBrk="0" hangingPunct="1">
+      <a:defRPr sz="1200" kern="1200">
+        <a:solidFill>
+          <a:schemeClr val="tx1"/>
+        </a:solidFill>
+        <a:latin typeface="+mn-lt"/>
+        <a:ea typeface="+mn-ea"/>
+        <a:cs typeface="+mn-cs"/>
+      </a:defRPr>
+    </a:lvl1pPr>
+    <a:lvl2pPr marL="457200" algn="l" defTabSz="914400" rtl="0" eaLnBrk="1" latinLnBrk="0" hangingPunct="1">
+      <a:defRPr sz="1200" kern="1200">
+        <a:solidFill>
+          <a:schemeClr val="tx1"/>
+        </a:solidFill>
+        <a:latin typeface="+mn-lt"/>
+        <a:ea typeface="+mn-ea"/>
+        <a:cs typeface="+mn-cs"/>
+      </a:defRPr>
+    </a:lvl2pPr>
+    <a:lvl3pPr marL="914400" algn="l" defTabSz="914400" rtl="0" eaLnBrk="1" latinLnBrk="0" hangingPunct="1">
+      <a:defRPr sz="1200" kern="1200">
+        <a:solidFill>
+          <a:schemeClr val="tx1"/>
+        </a:solidFill>
+        <a:latin typeface="+mn-lt"/>
+        <a:ea typeface="+mn-ea"/>
+        <a:cs typeface="+mn-cs"/>
+      </a:defRPr>
+    </a:lvl3pPr>
+    <a:lvl4pPr marL="1371600" algn="l" defTabSz="914400" rtl="0" eaLnBrk="1" latinLnBrk="0" hangingPunct="1">
+      <a:defRPr sz="1200" kern="1200">
+        <a:solidFill>
+          <a:schemeClr val="tx1"/>
+        </a:solidFill>
+        <a:latin typeface="+mn-lt"/>
+        <a:ea typeface="+mn-ea"/>
+        <a:cs typeface="+mn-cs"/>
+      </a:defRPr>
+    </a:lvl4pPr>
+    <a:lvl5pPr marL="1828800" algn="l" defTabSz="914400" rtl="0" eaLnBrk="1" latinLnBrk="0" hangingPunct="1">
+      <a:defRPr sz="1200" kern="1200">
+        <a:solidFill>
+          <a:schemeClr val="tx1"/>
+        </a:solidFill>
+        <a:latin typeface="+mn-lt"/>
+        <a:ea typeface="+mn-ea"/>
+        <a:cs typeface="+mn-cs"/>
+      </a:defRPr>
+    </a:lvl5pPr>
+    <a:lvl6pPr marL="2286000" algn="l" defTabSz="914400" rtl="0" eaLnBrk="1" latinLnBrk="0" hangingPunct="1">
+      <a:defRPr sz="1200" kern="1200">
+        <a:solidFill>
+          <a:schemeClr val="tx1"/>
+        </a:solidFill>
+        <a:latin typeface="+mn-lt"/>
+        <a:ea typeface="+mn-ea"/>
+        <a:cs typeface="+mn-cs"/>
+      </a:defRPr>
+    </a:lvl6pPr>
+    <a:lvl7pPr marL="2743200" algn="l" defTabSz="914400" rtl="0" eaLnBrk="1" latinLnBrk="0" hangingPunct="1">
+      <a:defRPr sz="1200" kern="1200">
+        <a:solidFill>
+          <a:schemeClr val="tx1"/>
+        </a:solidFill>
+        <a:latin typeface="+mn-lt"/>
+        <a:ea typeface="+mn-ea"/>
+        <a:cs typeface="+mn-cs"/>
+      </a:defRPr>
+    </a:lvl7pPr>
+    <a:lvl8pPr marL="3200400" algn="l" defTabSz="914400" rtl="0" eaLnBrk="1" latinLnBrk="0" hangingPunct="1">
+      <a:defRPr sz="1200" kern="1200">
+        <a:solidFill>
+          <a:schemeClr val="tx1"/>
+        </a:solidFill>
+        <a:latin typeface="+mn-lt"/>
+        <a:ea typeface="+mn-ea"/>
+        <a:cs typeface="+mn-cs"/>
+      </a:defRPr>
+    </a:lvl8pPr>
+    <a:lvl9pPr marL="3657600" algn="l" defTabSz="914400" rtl="0" eaLnBrk="1" latinLnBrk="0" hangingPunct="1">
+      <a:defRPr sz="1200" kern="1200">
+        <a:solidFill>
+          <a:schemeClr val="tx1"/>
+        </a:solidFill>
+        <a:latin typeface="+mn-lt"/>
+        <a:ea typeface="+mn-ea"/>
+        <a:cs typeface="+mn-cs"/>
+      </a:defRPr>
+    </a:lvl9pPr>
+  </p:notesStyle>
+</p:notesMaster>
+</file>
+
+<file path=ppt/notesSlides/notesSlide1.xml><?xml version="1.0" encoding="utf-8"?>
+<p:notes xmlns:a="http://schemas.openxmlformats.org/drawingml/2006/main" xmlns:r="http://schemas.openxmlformats.org/officeDocument/2006/relationships" xmlns:p="http://schemas.openxmlformats.org/presentationml/2006/main">
   <p:cSld>
     <p:spTree>
       <p:nvGrpSpPr>
@@ -39,7 +473,7 @@
       </p:grpSpPr>
       <p:sp>
         <p:nvSpPr>
-          <p:cNvPr id="112" name="PlaceHolder 1"/>
+          <p:cNvPr id="126" name="PlaceHolder 1"/>
           <p:cNvSpPr>
             <a:spLocks noGrp="1"/>
           </p:cNvSpPr>
@@ -49,239 +483,81 @@
         </p:nvSpPr>
         <p:spPr>
           <a:xfrm>
-            <a:off x="756000" y="5078520"/>
-            <a:ext cx="6047640" cy="4811040"/>
-          </a:xfrm>
-          <a:prstGeom prst="rect">
-            <a:avLst/>
-          </a:prstGeom>
-        </p:spPr>
-        <p:txBody>
-          <a:bodyPr lIns="0" rIns="0" tIns="0" bIns="0"/>
-          <a:p>
-            <a:r>
-              <a:rPr b="0" lang="pt-PT" sz="2000" spc="-1" strike="noStrike">
+            <a:off x="679680" y="4715280"/>
+            <a:ext cx="5437800" cy="4466520"/>
+          </a:xfrm>
+          <a:prstGeom prst="rect">
+            <a:avLst/>
+          </a:prstGeom>
+        </p:spPr>
+        <p:txBody>
+          <a:bodyPr/>
+          <a:lstStyle/>
+          <a:p>
+            <a:endParaRPr lang="pt-PT" sz="2000" b="0" strike="noStrike" spc="-1">
+              <a:solidFill>
+                <a:srgbClr val="000000"/>
+              </a:solidFill>
+              <a:uFill>
+                <a:solidFill>
+                  <a:srgbClr val="FFFFFF"/>
+                </a:solidFill>
+              </a:uFill>
+              <a:latin typeface="Arial"/>
+            </a:endParaRPr>
+          </a:p>
+        </p:txBody>
+      </p:sp>
+      <p:sp>
+        <p:nvSpPr>
+          <p:cNvPr id="127" name="TextShape 2"/>
+          <p:cNvSpPr txBox="1"/>
+          <p:nvPr/>
+        </p:nvSpPr>
+        <p:spPr>
+          <a:xfrm>
+            <a:off x="3850560" y="9428760"/>
+            <a:ext cx="2945160" cy="496080"/>
+          </a:xfrm>
+          <a:prstGeom prst="rect">
+            <a:avLst/>
+          </a:prstGeom>
+          <a:noFill/>
+          <a:ln>
+            <a:noFill/>
+          </a:ln>
+        </p:spPr>
+        <p:txBody>
+          <a:bodyPr anchor="b"/>
+          <a:lstStyle/>
+          <a:p>
+            <a:pPr algn="r">
+              <a:lnSpc>
+                <a:spcPct val="100000"/>
+              </a:lnSpc>
+            </a:pPr>
+            <a:fld id="{BAE3D3F5-8A74-4475-8671-10234118E2DE}" type="slidenum">
+              <a:rPr lang="pt-PT" sz="1200" b="0" strike="noStrike" spc="-1">
                 <a:solidFill>
                   <a:srgbClr val="000000"/>
                 </a:solidFill>
                 <a:uFill>
                   <a:solidFill>
-                    <a:srgbClr val="ffffff"/>
+                    <a:srgbClr val="FFFFFF"/>
                   </a:solidFill>
                 </a:uFill>
-                <a:latin typeface="Arial"/>
+                <a:latin typeface="+mn-lt"/>
+                <a:ea typeface="+mn-ea"/>
               </a:rPr>
-              <a:t>Click to edit the notes format</a:t>
-            </a:r>
-            <a:endParaRPr b="0" lang="pt-PT" sz="2000" spc="-1" strike="noStrike">
+              <a:t>1</a:t>
+            </a:fld>
+            <a:endParaRPr lang="pt-PT" sz="1400" b="0" strike="noStrike" spc="-1">
               <a:solidFill>
                 <a:srgbClr val="000000"/>
               </a:solidFill>
               <a:uFill>
                 <a:solidFill>
-                  <a:srgbClr val="ffffff"/>
-                </a:solidFill>
-              </a:uFill>
-              <a:latin typeface="Arial"/>
-            </a:endParaRPr>
-          </a:p>
-        </p:txBody>
-      </p:sp>
-      <p:sp>
-        <p:nvSpPr>
-          <p:cNvPr id="113" name="PlaceHolder 2"/>
-          <p:cNvSpPr>
-            <a:spLocks noGrp="1"/>
-          </p:cNvSpPr>
-          <p:nvPr>
-            <p:ph type="hdr"/>
-          </p:nvPr>
-        </p:nvSpPr>
-        <p:spPr>
-          <a:xfrm>
-            <a:off x="0" y="0"/>
-            <a:ext cx="3280680" cy="534240"/>
-          </a:xfrm>
-          <a:prstGeom prst="rect">
-            <a:avLst/>
-          </a:prstGeom>
-        </p:spPr>
-        <p:txBody>
-          <a:bodyPr lIns="0" rIns="0" tIns="0" bIns="0"/>
-          <a:p>
-            <a:r>
-              <a:rPr b="0" lang="pt-PT" sz="1400" spc="-1" strike="noStrike">
-                <a:solidFill>
-                  <a:srgbClr val="000000"/>
-                </a:solidFill>
-                <a:uFill>
-                  <a:solidFill>
-                    <a:srgbClr val="ffffff"/>
-                  </a:solidFill>
-                </a:uFill>
-                <a:latin typeface="Times New Roman"/>
-              </a:rPr>
-              <a:t>&lt;header&gt;</a:t>
-            </a:r>
-            <a:endParaRPr b="0" lang="pt-PT" sz="1400" spc="-1" strike="noStrike">
-              <a:solidFill>
-                <a:srgbClr val="000000"/>
-              </a:solidFill>
-              <a:uFill>
-                <a:solidFill>
-                  <a:srgbClr val="ffffff"/>
-                </a:solidFill>
-              </a:uFill>
-              <a:latin typeface="Times New Roman"/>
-            </a:endParaRPr>
-          </a:p>
-        </p:txBody>
-      </p:sp>
-      <p:sp>
-        <p:nvSpPr>
-          <p:cNvPr id="114" name="PlaceHolder 3"/>
-          <p:cNvSpPr>
-            <a:spLocks noGrp="1"/>
-          </p:cNvSpPr>
-          <p:nvPr>
-            <p:ph type="dt"/>
-          </p:nvPr>
-        </p:nvSpPr>
-        <p:spPr>
-          <a:xfrm>
-            <a:off x="4278960" y="0"/>
-            <a:ext cx="3280680" cy="534240"/>
-          </a:xfrm>
-          <a:prstGeom prst="rect">
-            <a:avLst/>
-          </a:prstGeom>
-        </p:spPr>
-        <p:txBody>
-          <a:bodyPr lIns="0" rIns="0" tIns="0" bIns="0"/>
-          <a:p>
-            <a:pPr algn="r"/>
-            <a:r>
-              <a:rPr b="0" lang="pt-PT" sz="1400" spc="-1" strike="noStrike">
-                <a:solidFill>
-                  <a:srgbClr val="000000"/>
-                </a:solidFill>
-                <a:uFill>
-                  <a:solidFill>
-                    <a:srgbClr val="ffffff"/>
-                  </a:solidFill>
-                </a:uFill>
-                <a:latin typeface="Times New Roman"/>
-              </a:rPr>
-              <a:t>&lt;date/time&gt;</a:t>
-            </a:r>
-            <a:endParaRPr b="0" lang="pt-PT" sz="1400" spc="-1" strike="noStrike">
-              <a:solidFill>
-                <a:srgbClr val="000000"/>
-              </a:solidFill>
-              <a:uFill>
-                <a:solidFill>
-                  <a:srgbClr val="ffffff"/>
-                </a:solidFill>
-              </a:uFill>
-              <a:latin typeface="Times New Roman"/>
-            </a:endParaRPr>
-          </a:p>
-        </p:txBody>
-      </p:sp>
-      <p:sp>
-        <p:nvSpPr>
-          <p:cNvPr id="115" name="PlaceHolder 4"/>
-          <p:cNvSpPr>
-            <a:spLocks noGrp="1"/>
-          </p:cNvSpPr>
-          <p:nvPr>
-            <p:ph type="ftr"/>
-          </p:nvPr>
-        </p:nvSpPr>
-        <p:spPr>
-          <a:xfrm>
-            <a:off x="0" y="10157400"/>
-            <a:ext cx="3280680" cy="534240"/>
-          </a:xfrm>
-          <a:prstGeom prst="rect">
-            <a:avLst/>
-          </a:prstGeom>
-        </p:spPr>
-        <p:txBody>
-          <a:bodyPr lIns="0" rIns="0" tIns="0" bIns="0" anchor="b"/>
-          <a:p>
-            <a:r>
-              <a:rPr b="0" lang="pt-PT" sz="1400" spc="-1" strike="noStrike">
-                <a:solidFill>
-                  <a:srgbClr val="000000"/>
-                </a:solidFill>
-                <a:uFill>
-                  <a:solidFill>
-                    <a:srgbClr val="ffffff"/>
-                  </a:solidFill>
-                </a:uFill>
-                <a:latin typeface="Times New Roman"/>
-              </a:rPr>
-              <a:t>&lt;footer&gt;</a:t>
-            </a:r>
-            <a:endParaRPr b="0" lang="pt-PT" sz="1400" spc="-1" strike="noStrike">
-              <a:solidFill>
-                <a:srgbClr val="000000"/>
-              </a:solidFill>
-              <a:uFill>
-                <a:solidFill>
-                  <a:srgbClr val="ffffff"/>
-                </a:solidFill>
-              </a:uFill>
-              <a:latin typeface="Times New Roman"/>
-            </a:endParaRPr>
-          </a:p>
-        </p:txBody>
-      </p:sp>
-      <p:sp>
-        <p:nvSpPr>
-          <p:cNvPr id="116" name="PlaceHolder 5"/>
-          <p:cNvSpPr>
-            <a:spLocks noGrp="1"/>
-          </p:cNvSpPr>
-          <p:nvPr>
-            <p:ph type="sldNum"/>
-          </p:nvPr>
-        </p:nvSpPr>
-        <p:spPr>
-          <a:xfrm>
-            <a:off x="4278960" y="10157400"/>
-            <a:ext cx="3280680" cy="534240"/>
-          </a:xfrm>
-          <a:prstGeom prst="rect">
-            <a:avLst/>
-          </a:prstGeom>
-        </p:spPr>
-        <p:txBody>
-          <a:bodyPr lIns="0" rIns="0" tIns="0" bIns="0" anchor="b"/>
-          <a:p>
-            <a:pPr algn="r"/>
-            <a:fld id="{7B27DEB8-ED43-41BB-B561-F9992CBD7D42}" type="slidenum">
-              <a:rPr b="0" lang="pt-PT" sz="1400" spc="-1" strike="noStrike">
-                <a:solidFill>
-                  <a:srgbClr val="000000"/>
-                </a:solidFill>
-                <a:uFill>
-                  <a:solidFill>
-                    <a:srgbClr val="ffffff"/>
-                  </a:solidFill>
-                </a:uFill>
-                <a:latin typeface="Times New Roman"/>
-              </a:rPr>
-              <a:t>&lt;number&gt;</a:t>
-            </a:fld>
-            <a:endParaRPr b="0" lang="pt-PT" sz="1400" spc="-1" strike="noStrike">
-              <a:solidFill>
-                <a:srgbClr val="000000"/>
-              </a:solidFill>
-              <a:uFill>
-                <a:solidFill>
-                  <a:srgbClr val="ffffff"/>
+                  <a:srgbClr val="FFFFFF"/>
                 </a:solidFill>
               </a:uFill>
               <a:latin typeface="Times New Roman"/>
@@ -291,12 +567,14 @@
       </p:sp>
     </p:spTree>
   </p:cSld>
-  <p:clrMap bg1="lt1" bg2="lt2" tx1="dk1" tx2="dk2" accent1="accent1" accent2="accent2" accent3="accent3" accent4="accent4" accent5="accent5" accent6="accent6" hlink="hlink" folHlink="folHlink"/>
-</p:notesMaster>
+  <p:clrMapOvr>
+    <a:masterClrMapping/>
+  </p:clrMapOvr>
+</p:notes>
 </file>
 
-<file path=ppt/notesSlides/notesSlide1.xml><?xml version="1.0" encoding="utf-8"?>
-<p:notes xmlns:a="http://schemas.openxmlformats.org/drawingml/2006/main" xmlns:p="http://schemas.openxmlformats.org/presentationml/2006/main" xmlns:r="http://schemas.openxmlformats.org/officeDocument/2006/relationships" xmlns:p14="http://schemas.microsoft.com/office/powerpoint/2010/main" xmlns:p15="http://schemas.microsoft.com/office/powerpoint/2012/main" xmlns:mc="http://schemas.openxmlformats.org/markup-compatibility/2006">
+<file path=ppt/notesSlides/notesSlide2.xml><?xml version="1.0" encoding="utf-8"?>
+<p:notes xmlns:a="http://schemas.openxmlformats.org/drawingml/2006/main" xmlns:r="http://schemas.openxmlformats.org/officeDocument/2006/relationships" xmlns:p="http://schemas.openxmlformats.org/presentationml/2006/main">
   <p:cSld>
     <p:spTree>
       <p:nvGrpSpPr>
@@ -333,14 +611,15 @@
         </p:spPr>
         <p:txBody>
           <a:bodyPr/>
-          <a:p>
-            <a:endParaRPr b="0" lang="pt-PT" sz="2000" spc="-1" strike="noStrike">
+          <a:lstStyle/>
+          <a:p>
+            <a:endParaRPr lang="pt-PT" sz="2000" b="0" strike="noStrike" spc="-1">
               <a:solidFill>
                 <a:srgbClr val="000000"/>
               </a:solidFill>
               <a:uFill>
                 <a:solidFill>
-                  <a:srgbClr val="ffffff"/>
+                  <a:srgbClr val="FFFFFF"/>
                 </a:solidFill>
               </a:uFill>
               <a:latin typeface="Arial"/>
@@ -369,6 +648,7 @@
         </p:spPr>
         <p:txBody>
           <a:bodyPr anchor="b"/>
+          <a:lstStyle/>
           <a:p>
             <a:pPr algn="r">
               <a:lnSpc>
@@ -376,27 +656,27 @@
               </a:lnSpc>
             </a:pPr>
             <a:fld id="{BAE3D3F5-8A74-4475-8671-10234118E2DE}" type="slidenum">
-              <a:rPr b="0" lang="pt-PT" sz="1200" spc="-1" strike="noStrike">
+              <a:rPr lang="pt-PT" sz="1200" b="0" strike="noStrike" spc="-1">
                 <a:solidFill>
                   <a:srgbClr val="000000"/>
                 </a:solidFill>
                 <a:uFill>
                   <a:solidFill>
-                    <a:srgbClr val="ffffff"/>
+                    <a:srgbClr val="FFFFFF"/>
                   </a:solidFill>
                 </a:uFill>
                 <a:latin typeface="+mn-lt"/>
                 <a:ea typeface="+mn-ea"/>
               </a:rPr>
-              <a:t>&lt;number&gt;</a:t>
+              <a:t>6</a:t>
             </a:fld>
-            <a:endParaRPr b="0" lang="pt-PT" sz="1400" spc="-1" strike="noStrike">
+            <a:endParaRPr lang="pt-PT" sz="1400" b="0" strike="noStrike" spc="-1">
               <a:solidFill>
                 <a:srgbClr val="000000"/>
               </a:solidFill>
               <a:uFill>
                 <a:solidFill>
-                  <a:srgbClr val="ffffff"/>
+                  <a:srgbClr val="FFFFFF"/>
                 </a:solidFill>
               </a:uFill>
               <a:latin typeface="Times New Roman"/>
@@ -406,11 +686,14 @@
       </p:sp>
     </p:spTree>
   </p:cSld>
+  <p:clrMapOvr>
+    <a:masterClrMapping/>
+  </p:clrMapOvr>
 </p:notes>
 </file>
 
 <file path=ppt/slideLayouts/slideLayout1.xml><?xml version="1.0" encoding="utf-8"?>
-<p:sldLayout xmlns:a="http://schemas.openxmlformats.org/drawingml/2006/main" xmlns:p="http://schemas.openxmlformats.org/presentationml/2006/main" xmlns:r="http://schemas.openxmlformats.org/officeDocument/2006/relationships" xmlns:p14="http://schemas.microsoft.com/office/powerpoint/2010/main" xmlns:p15="http://schemas.microsoft.com/office/powerpoint/2012/main" xmlns:mc="http://schemas.openxmlformats.org/markup-compatibility/2006" type="blank" preserve="1">
+<p:sldLayout xmlns:a="http://schemas.openxmlformats.org/drawingml/2006/main" xmlns:r="http://schemas.openxmlformats.org/officeDocument/2006/relationships" xmlns:p="http://schemas.openxmlformats.org/presentationml/2006/main" type="blank" preserve="1">
   <p:cSld name="Blank Slide">
     <p:spTree>
       <p:nvGrpSpPr>
@@ -428,11 +711,14 @@
       </p:grpSpPr>
     </p:spTree>
   </p:cSld>
+  <p:clrMapOvr>
+    <a:masterClrMapping/>
+  </p:clrMapOvr>
 </p:sldLayout>
 </file>
 
 <file path=ppt/slideLayouts/slideLayout10.xml><?xml version="1.0" encoding="utf-8"?>
-<p:sldLayout xmlns:a="http://schemas.openxmlformats.org/drawingml/2006/main" xmlns:p="http://schemas.openxmlformats.org/presentationml/2006/main" xmlns:r="http://schemas.openxmlformats.org/officeDocument/2006/relationships" xmlns:p14="http://schemas.microsoft.com/office/powerpoint/2010/main" xmlns:p15="http://schemas.microsoft.com/office/powerpoint/2012/main" xmlns:mc="http://schemas.openxmlformats.org/markup-compatibility/2006" type="objOverTx" preserve="1">
+<p:sldLayout xmlns:a="http://schemas.openxmlformats.org/drawingml/2006/main" xmlns:r="http://schemas.openxmlformats.org/officeDocument/2006/relationships" xmlns:p="http://schemas.openxmlformats.org/presentationml/2006/main" type="objOverTx" preserve="1">
   <p:cSld name="Title, Content over Content">
     <p:spTree>
       <p:nvGrpSpPr>
@@ -468,15 +754,16 @@
           </a:prstGeom>
         </p:spPr>
         <p:txBody>
-          <a:bodyPr lIns="0" rIns="0" tIns="0" bIns="0" anchor="ctr"/>
-          <a:p>
-            <a:endParaRPr b="0" lang="en-US" sz="2300" spc="-1" strike="noStrike">
+          <a:bodyPr lIns="0" tIns="0" rIns="0" bIns="0" anchor="ctr"/>
+          <a:lstStyle/>
+          <a:p>
+            <a:endParaRPr lang="en-US" sz="2300" b="0" strike="noStrike" spc="-1">
               <a:solidFill>
                 <a:srgbClr val="000000"/>
               </a:solidFill>
               <a:uFill>
                 <a:solidFill>
-                  <a:srgbClr val="ffffff"/>
+                  <a:srgbClr val="FFFFFF"/>
                 </a:solidFill>
               </a:uFill>
               <a:latin typeface="Sky Text"/>
@@ -504,15 +791,16 @@
           </a:prstGeom>
         </p:spPr>
         <p:txBody>
-          <a:bodyPr lIns="0" rIns="0" tIns="0" bIns="0"/>
-          <a:p>
-            <a:endParaRPr b="0" lang="en-US" sz="1800" spc="-1" strike="noStrike">
+          <a:bodyPr lIns="0" tIns="0" rIns="0" bIns="0"/>
+          <a:lstStyle/>
+          <a:p>
+            <a:endParaRPr lang="en-US" sz="1800" b="0" strike="noStrike" spc="-1">
               <a:solidFill>
                 <a:srgbClr val="323232"/>
               </a:solidFill>
               <a:uFill>
                 <a:solidFill>
-                  <a:srgbClr val="ffffff"/>
+                  <a:srgbClr val="FFFFFF"/>
                 </a:solidFill>
               </a:uFill>
               <a:latin typeface="Sky Text"/>
@@ -540,15 +828,16 @@
           </a:prstGeom>
         </p:spPr>
         <p:txBody>
-          <a:bodyPr lIns="0" rIns="0" tIns="0" bIns="0"/>
-          <a:p>
-            <a:endParaRPr b="0" lang="en-US" sz="1800" spc="-1" strike="noStrike">
+          <a:bodyPr lIns="0" tIns="0" rIns="0" bIns="0"/>
+          <a:lstStyle/>
+          <a:p>
+            <a:endParaRPr lang="en-US" sz="1800" b="0" strike="noStrike" spc="-1">
               <a:solidFill>
                 <a:srgbClr val="323232"/>
               </a:solidFill>
               <a:uFill>
                 <a:solidFill>
-                  <a:srgbClr val="ffffff"/>
+                  <a:srgbClr val="FFFFFF"/>
                 </a:solidFill>
               </a:uFill>
               <a:latin typeface="Sky Text"/>
@@ -558,11 +847,14 @@
       </p:sp>
     </p:spTree>
   </p:cSld>
+  <p:clrMapOvr>
+    <a:masterClrMapping/>
+  </p:clrMapOvr>
 </p:sldLayout>
 </file>
 
 <file path=ppt/slideLayouts/slideLayout11.xml><?xml version="1.0" encoding="utf-8"?>
-<p:sldLayout xmlns:a="http://schemas.openxmlformats.org/drawingml/2006/main" xmlns:p="http://schemas.openxmlformats.org/presentationml/2006/main" xmlns:r="http://schemas.openxmlformats.org/officeDocument/2006/relationships" xmlns:p14="http://schemas.microsoft.com/office/powerpoint/2010/main" xmlns:p15="http://schemas.microsoft.com/office/powerpoint/2012/main" xmlns:mc="http://schemas.openxmlformats.org/markup-compatibility/2006" type="fourObj" preserve="1">
+<p:sldLayout xmlns:a="http://schemas.openxmlformats.org/drawingml/2006/main" xmlns:r="http://schemas.openxmlformats.org/officeDocument/2006/relationships" xmlns:p="http://schemas.openxmlformats.org/presentationml/2006/main" type="fourObj" preserve="1">
   <p:cSld name="Title, 4 Content">
     <p:spTree>
       <p:nvGrpSpPr>
@@ -598,15 +890,16 @@
           </a:prstGeom>
         </p:spPr>
         <p:txBody>
-          <a:bodyPr lIns="0" rIns="0" tIns="0" bIns="0" anchor="ctr"/>
-          <a:p>
-            <a:endParaRPr b="0" lang="en-US" sz="2300" spc="-1" strike="noStrike">
+          <a:bodyPr lIns="0" tIns="0" rIns="0" bIns="0" anchor="ctr"/>
+          <a:lstStyle/>
+          <a:p>
+            <a:endParaRPr lang="en-US" sz="2300" b="0" strike="noStrike" spc="-1">
               <a:solidFill>
                 <a:srgbClr val="000000"/>
               </a:solidFill>
               <a:uFill>
                 <a:solidFill>
-                  <a:srgbClr val="ffffff"/>
+                  <a:srgbClr val="FFFFFF"/>
                 </a:solidFill>
               </a:uFill>
               <a:latin typeface="Sky Text"/>
@@ -634,15 +927,16 @@
           </a:prstGeom>
         </p:spPr>
         <p:txBody>
-          <a:bodyPr lIns="0" rIns="0" tIns="0" bIns="0"/>
-          <a:p>
-            <a:endParaRPr b="0" lang="en-US" sz="1800" spc="-1" strike="noStrike">
+          <a:bodyPr lIns="0" tIns="0" rIns="0" bIns="0"/>
+          <a:lstStyle/>
+          <a:p>
+            <a:endParaRPr lang="en-US" sz="1800" b="0" strike="noStrike" spc="-1">
               <a:solidFill>
                 <a:srgbClr val="323232"/>
               </a:solidFill>
               <a:uFill>
                 <a:solidFill>
-                  <a:srgbClr val="ffffff"/>
+                  <a:srgbClr val="FFFFFF"/>
                 </a:solidFill>
               </a:uFill>
               <a:latin typeface="Sky Text"/>
@@ -670,15 +964,16 @@
           </a:prstGeom>
         </p:spPr>
         <p:txBody>
-          <a:bodyPr lIns="0" rIns="0" tIns="0" bIns="0"/>
-          <a:p>
-            <a:endParaRPr b="0" lang="en-US" sz="1800" spc="-1" strike="noStrike">
+          <a:bodyPr lIns="0" tIns="0" rIns="0" bIns="0"/>
+          <a:lstStyle/>
+          <a:p>
+            <a:endParaRPr lang="en-US" sz="1800" b="0" strike="noStrike" spc="-1">
               <a:solidFill>
                 <a:srgbClr val="323232"/>
               </a:solidFill>
               <a:uFill>
                 <a:solidFill>
-                  <a:srgbClr val="ffffff"/>
+                  <a:srgbClr val="FFFFFF"/>
                 </a:solidFill>
               </a:uFill>
               <a:latin typeface="Sky Text"/>
@@ -706,15 +1001,16 @@
           </a:prstGeom>
         </p:spPr>
         <p:txBody>
-          <a:bodyPr lIns="0" rIns="0" tIns="0" bIns="0"/>
-          <a:p>
-            <a:endParaRPr b="0" lang="en-US" sz="1800" spc="-1" strike="noStrike">
+          <a:bodyPr lIns="0" tIns="0" rIns="0" bIns="0"/>
+          <a:lstStyle/>
+          <a:p>
+            <a:endParaRPr lang="en-US" sz="1800" b="0" strike="noStrike" spc="-1">
               <a:solidFill>
                 <a:srgbClr val="323232"/>
               </a:solidFill>
               <a:uFill>
                 <a:solidFill>
-                  <a:srgbClr val="ffffff"/>
+                  <a:srgbClr val="FFFFFF"/>
                 </a:solidFill>
               </a:uFill>
               <a:latin typeface="Sky Text"/>
@@ -742,15 +1038,16 @@
           </a:prstGeom>
         </p:spPr>
         <p:txBody>
-          <a:bodyPr lIns="0" rIns="0" tIns="0" bIns="0"/>
-          <a:p>
-            <a:endParaRPr b="0" lang="en-US" sz="1800" spc="-1" strike="noStrike">
+          <a:bodyPr lIns="0" tIns="0" rIns="0" bIns="0"/>
+          <a:lstStyle/>
+          <a:p>
+            <a:endParaRPr lang="en-US" sz="1800" b="0" strike="noStrike" spc="-1">
               <a:solidFill>
                 <a:srgbClr val="323232"/>
               </a:solidFill>
               <a:uFill>
                 <a:solidFill>
-                  <a:srgbClr val="ffffff"/>
+                  <a:srgbClr val="FFFFFF"/>
                 </a:solidFill>
               </a:uFill>
               <a:latin typeface="Sky Text"/>
@@ -760,11 +1057,14 @@
       </p:sp>
     </p:spTree>
   </p:cSld>
+  <p:clrMapOvr>
+    <a:masterClrMapping/>
+  </p:clrMapOvr>
 </p:sldLayout>
 </file>
 
 <file path=ppt/slideLayouts/slideLayout12.xml><?xml version="1.0" encoding="utf-8"?>
-<p:sldLayout xmlns:a="http://schemas.openxmlformats.org/drawingml/2006/main" xmlns:p="http://schemas.openxmlformats.org/presentationml/2006/main" xmlns:r="http://schemas.openxmlformats.org/officeDocument/2006/relationships" xmlns:p14="http://schemas.microsoft.com/office/powerpoint/2010/main" xmlns:p15="http://schemas.microsoft.com/office/powerpoint/2012/main" xmlns:mc="http://schemas.openxmlformats.org/markup-compatibility/2006" type="blank" preserve="1">
+<p:sldLayout xmlns:a="http://schemas.openxmlformats.org/drawingml/2006/main" xmlns:r="http://schemas.openxmlformats.org/officeDocument/2006/relationships" xmlns:p="http://schemas.openxmlformats.org/presentationml/2006/main" type="blank" preserve="1">
   <p:cSld name="Title, 6 Content">
     <p:spTree>
       <p:nvGrpSpPr>
@@ -800,15 +1100,16 @@
           </a:prstGeom>
         </p:spPr>
         <p:txBody>
-          <a:bodyPr lIns="0" rIns="0" tIns="0" bIns="0" anchor="ctr"/>
-          <a:p>
-            <a:endParaRPr b="0" lang="en-US" sz="2300" spc="-1" strike="noStrike">
+          <a:bodyPr lIns="0" tIns="0" rIns="0" bIns="0" anchor="ctr"/>
+          <a:lstStyle/>
+          <a:p>
+            <a:endParaRPr lang="en-US" sz="2300" b="0" strike="noStrike" spc="-1">
               <a:solidFill>
                 <a:srgbClr val="000000"/>
               </a:solidFill>
               <a:uFill>
                 <a:solidFill>
-                  <a:srgbClr val="ffffff"/>
+                  <a:srgbClr val="FFFFFF"/>
                 </a:solidFill>
               </a:uFill>
               <a:latin typeface="Sky Text"/>
@@ -836,15 +1137,16 @@
           </a:prstGeom>
         </p:spPr>
         <p:txBody>
-          <a:bodyPr lIns="0" rIns="0" tIns="0" bIns="0"/>
-          <a:p>
-            <a:endParaRPr b="0" lang="en-US" sz="1800" spc="-1" strike="noStrike">
+          <a:bodyPr lIns="0" tIns="0" rIns="0" bIns="0"/>
+          <a:lstStyle/>
+          <a:p>
+            <a:endParaRPr lang="en-US" sz="1800" b="0" strike="noStrike" spc="-1">
               <a:solidFill>
                 <a:srgbClr val="323232"/>
               </a:solidFill>
               <a:uFill>
                 <a:solidFill>
-                  <a:srgbClr val="ffffff"/>
+                  <a:srgbClr val="FFFFFF"/>
                 </a:solidFill>
               </a:uFill>
               <a:latin typeface="Sky Text"/>
@@ -872,15 +1174,16 @@
           </a:prstGeom>
         </p:spPr>
         <p:txBody>
-          <a:bodyPr lIns="0" rIns="0" tIns="0" bIns="0"/>
-          <a:p>
-            <a:endParaRPr b="0" lang="en-US" sz="1800" spc="-1" strike="noStrike">
+          <a:bodyPr lIns="0" tIns="0" rIns="0" bIns="0"/>
+          <a:lstStyle/>
+          <a:p>
+            <a:endParaRPr lang="en-US" sz="1800" b="0" strike="noStrike" spc="-1">
               <a:solidFill>
                 <a:srgbClr val="323232"/>
               </a:solidFill>
               <a:uFill>
                 <a:solidFill>
-                  <a:srgbClr val="ffffff"/>
+                  <a:srgbClr val="FFFFFF"/>
                 </a:solidFill>
               </a:uFill>
               <a:latin typeface="Sky Text"/>
@@ -890,7 +1193,7 @@
       </p:sp>
       <p:pic>
         <p:nvPicPr>
-          <p:cNvPr id="35" name="" descr=""/>
+          <p:cNvPr id="35" name="Picture 34"/>
           <p:cNvPicPr/>
           <p:nvPr/>
         </p:nvPicPr>
@@ -913,12 +1216,12 @@
       </p:pic>
       <p:pic>
         <p:nvPicPr>
-          <p:cNvPr id="36" name="" descr=""/>
+          <p:cNvPr id="36" name="Picture 35"/>
           <p:cNvPicPr/>
           <p:nvPr/>
         </p:nvPicPr>
         <p:blipFill>
-          <a:blip r:embed="rId3"/>
+          <a:blip r:embed="rId2"/>
           <a:stretch/>
         </p:blipFill>
         <p:spPr>
@@ -936,11 +1239,14 @@
       </p:pic>
     </p:spTree>
   </p:cSld>
+  <p:clrMapOvr>
+    <a:masterClrMapping/>
+  </p:clrMapOvr>
 </p:sldLayout>
 </file>
 
 <file path=ppt/slideLayouts/slideLayout13.xml><?xml version="1.0" encoding="utf-8"?>
-<p:sldLayout xmlns:a="http://schemas.openxmlformats.org/drawingml/2006/main" xmlns:p="http://schemas.openxmlformats.org/presentationml/2006/main" xmlns:r="http://schemas.openxmlformats.org/officeDocument/2006/relationships" xmlns:p14="http://schemas.microsoft.com/office/powerpoint/2010/main" xmlns:p15="http://schemas.microsoft.com/office/powerpoint/2012/main" xmlns:mc="http://schemas.openxmlformats.org/markup-compatibility/2006" type="blank" preserve="1">
+<p:sldLayout xmlns:a="http://schemas.openxmlformats.org/drawingml/2006/main" xmlns:r="http://schemas.openxmlformats.org/officeDocument/2006/relationships" xmlns:p="http://schemas.openxmlformats.org/presentationml/2006/main" type="blank" preserve="1">
   <p:cSld name="Blank Slide">
     <p:spTree>
       <p:nvGrpSpPr>
@@ -958,11 +1264,14 @@
       </p:grpSpPr>
     </p:spTree>
   </p:cSld>
+  <p:clrMapOvr>
+    <a:masterClrMapping/>
+  </p:clrMapOvr>
 </p:sldLayout>
 </file>
 
 <file path=ppt/slideLayouts/slideLayout14.xml><?xml version="1.0" encoding="utf-8"?>
-<p:sldLayout xmlns:a="http://schemas.openxmlformats.org/drawingml/2006/main" xmlns:p="http://schemas.openxmlformats.org/presentationml/2006/main" xmlns:r="http://schemas.openxmlformats.org/officeDocument/2006/relationships" xmlns:p14="http://schemas.microsoft.com/office/powerpoint/2010/main" xmlns:p15="http://schemas.microsoft.com/office/powerpoint/2012/main" xmlns:mc="http://schemas.openxmlformats.org/markup-compatibility/2006" type="tx" preserve="1">
+<p:sldLayout xmlns:a="http://schemas.openxmlformats.org/drawingml/2006/main" xmlns:r="http://schemas.openxmlformats.org/officeDocument/2006/relationships" xmlns:p="http://schemas.openxmlformats.org/presentationml/2006/main" type="tx" preserve="1">
   <p:cSld name="Title Slide">
     <p:spTree>
       <p:nvGrpSpPr>
@@ -998,15 +1307,16 @@
           </a:prstGeom>
         </p:spPr>
         <p:txBody>
-          <a:bodyPr lIns="0" rIns="0" tIns="0" bIns="0" anchor="ctr"/>
-          <a:p>
-            <a:endParaRPr b="0" lang="en-US" sz="2300" spc="-1" strike="noStrike">
+          <a:bodyPr lIns="0" tIns="0" rIns="0" bIns="0" anchor="ctr"/>
+          <a:lstStyle/>
+          <a:p>
+            <a:endParaRPr lang="en-US" sz="2300" b="0" strike="noStrike" spc="-1">
               <a:solidFill>
                 <a:srgbClr val="000000"/>
               </a:solidFill>
               <a:uFill>
                 <a:solidFill>
-                  <a:srgbClr val="ffffff"/>
+                  <a:srgbClr val="FFFFFF"/>
                 </a:solidFill>
               </a:uFill>
               <a:latin typeface="Sky Text"/>
@@ -1034,16 +1344,17 @@
           </a:prstGeom>
         </p:spPr>
         <p:txBody>
-          <a:bodyPr lIns="0" rIns="0" tIns="0" bIns="0" anchor="ctr"/>
+          <a:bodyPr lIns="0" tIns="0" rIns="0" bIns="0" anchor="ctr"/>
+          <a:lstStyle/>
           <a:p>
             <a:pPr algn="ctr"/>
-            <a:endParaRPr b="0" lang="pt-PT" sz="3200" spc="-1" strike="noStrike">
+            <a:endParaRPr lang="pt-PT" sz="3200" b="0" strike="noStrike" spc="-1">
               <a:solidFill>
                 <a:srgbClr val="000000"/>
               </a:solidFill>
               <a:uFill>
                 <a:solidFill>
-                  <a:srgbClr val="ffffff"/>
+                  <a:srgbClr val="FFFFFF"/>
                 </a:solidFill>
               </a:uFill>
               <a:latin typeface="Arial"/>
@@ -1053,11 +1364,14 @@
       </p:sp>
     </p:spTree>
   </p:cSld>
+  <p:clrMapOvr>
+    <a:masterClrMapping/>
+  </p:clrMapOvr>
 </p:sldLayout>
 </file>
 
 <file path=ppt/slideLayouts/slideLayout15.xml><?xml version="1.0" encoding="utf-8"?>
-<p:sldLayout xmlns:a="http://schemas.openxmlformats.org/drawingml/2006/main" xmlns:p="http://schemas.openxmlformats.org/presentationml/2006/main" xmlns:r="http://schemas.openxmlformats.org/officeDocument/2006/relationships" xmlns:p14="http://schemas.microsoft.com/office/powerpoint/2010/main" xmlns:p15="http://schemas.microsoft.com/office/powerpoint/2012/main" xmlns:mc="http://schemas.openxmlformats.org/markup-compatibility/2006" type="obj" preserve="1">
+<p:sldLayout xmlns:a="http://schemas.openxmlformats.org/drawingml/2006/main" xmlns:r="http://schemas.openxmlformats.org/officeDocument/2006/relationships" xmlns:p="http://schemas.openxmlformats.org/presentationml/2006/main" type="obj" preserve="1">
   <p:cSld name="Title, Content">
     <p:spTree>
       <p:nvGrpSpPr>
@@ -1093,15 +1407,16 @@
           </a:prstGeom>
         </p:spPr>
         <p:txBody>
-          <a:bodyPr lIns="0" rIns="0" tIns="0" bIns="0" anchor="ctr"/>
-          <a:p>
-            <a:endParaRPr b="0" lang="en-US" sz="2300" spc="-1" strike="noStrike">
+          <a:bodyPr lIns="0" tIns="0" rIns="0" bIns="0" anchor="ctr"/>
+          <a:lstStyle/>
+          <a:p>
+            <a:endParaRPr lang="en-US" sz="2300" b="0" strike="noStrike" spc="-1">
               <a:solidFill>
                 <a:srgbClr val="000000"/>
               </a:solidFill>
               <a:uFill>
                 <a:solidFill>
-                  <a:srgbClr val="ffffff"/>
+                  <a:srgbClr val="FFFFFF"/>
                 </a:solidFill>
               </a:uFill>
               <a:latin typeface="Sky Text"/>
@@ -1129,15 +1444,16 @@
           </a:prstGeom>
         </p:spPr>
         <p:txBody>
-          <a:bodyPr lIns="0" rIns="0" tIns="0" bIns="0"/>
-          <a:p>
-            <a:endParaRPr b="0" lang="en-US" sz="1800" spc="-1" strike="noStrike">
+          <a:bodyPr lIns="0" tIns="0" rIns="0" bIns="0"/>
+          <a:lstStyle/>
+          <a:p>
+            <a:endParaRPr lang="en-US" sz="1800" b="0" strike="noStrike" spc="-1">
               <a:solidFill>
                 <a:srgbClr val="323232"/>
               </a:solidFill>
               <a:uFill>
                 <a:solidFill>
-                  <a:srgbClr val="ffffff"/>
+                  <a:srgbClr val="FFFFFF"/>
                 </a:solidFill>
               </a:uFill>
               <a:latin typeface="Sky Text"/>
@@ -1147,11 +1463,14 @@
       </p:sp>
     </p:spTree>
   </p:cSld>
+  <p:clrMapOvr>
+    <a:masterClrMapping/>
+  </p:clrMapOvr>
 </p:sldLayout>
 </file>
 
 <file path=ppt/slideLayouts/slideLayout16.xml><?xml version="1.0" encoding="utf-8"?>
-<p:sldLayout xmlns:a="http://schemas.openxmlformats.org/drawingml/2006/main" xmlns:p="http://schemas.openxmlformats.org/presentationml/2006/main" xmlns:r="http://schemas.openxmlformats.org/officeDocument/2006/relationships" xmlns:p14="http://schemas.microsoft.com/office/powerpoint/2010/main" xmlns:p15="http://schemas.microsoft.com/office/powerpoint/2012/main" xmlns:mc="http://schemas.openxmlformats.org/markup-compatibility/2006" type="twoObj" preserve="1">
+<p:sldLayout xmlns:a="http://schemas.openxmlformats.org/drawingml/2006/main" xmlns:r="http://schemas.openxmlformats.org/officeDocument/2006/relationships" xmlns:p="http://schemas.openxmlformats.org/presentationml/2006/main" type="twoObj" preserve="1">
   <p:cSld name="Title, 2 Content">
     <p:spTree>
       <p:nvGrpSpPr>
@@ -1187,15 +1506,16 @@
           </a:prstGeom>
         </p:spPr>
         <p:txBody>
-          <a:bodyPr lIns="0" rIns="0" tIns="0" bIns="0" anchor="ctr"/>
-          <a:p>
-            <a:endParaRPr b="0" lang="en-US" sz="2300" spc="-1" strike="noStrike">
+          <a:bodyPr lIns="0" tIns="0" rIns="0" bIns="0" anchor="ctr"/>
+          <a:lstStyle/>
+          <a:p>
+            <a:endParaRPr lang="en-US" sz="2300" b="0" strike="noStrike" spc="-1">
               <a:solidFill>
                 <a:srgbClr val="000000"/>
               </a:solidFill>
               <a:uFill>
                 <a:solidFill>
-                  <a:srgbClr val="ffffff"/>
+                  <a:srgbClr val="FFFFFF"/>
                 </a:solidFill>
               </a:uFill>
               <a:latin typeface="Sky Text"/>
@@ -1223,15 +1543,16 @@
           </a:prstGeom>
         </p:spPr>
         <p:txBody>
-          <a:bodyPr lIns="0" rIns="0" tIns="0" bIns="0"/>
-          <a:p>
-            <a:endParaRPr b="0" lang="en-US" sz="1800" spc="-1" strike="noStrike">
+          <a:bodyPr lIns="0" tIns="0" rIns="0" bIns="0"/>
+          <a:lstStyle/>
+          <a:p>
+            <a:endParaRPr lang="en-US" sz="1800" b="0" strike="noStrike" spc="-1">
               <a:solidFill>
                 <a:srgbClr val="323232"/>
               </a:solidFill>
               <a:uFill>
                 <a:solidFill>
-                  <a:srgbClr val="ffffff"/>
+                  <a:srgbClr val="FFFFFF"/>
                 </a:solidFill>
               </a:uFill>
               <a:latin typeface="Sky Text"/>
@@ -1259,15 +1580,16 @@
           </a:prstGeom>
         </p:spPr>
         <p:txBody>
-          <a:bodyPr lIns="0" rIns="0" tIns="0" bIns="0"/>
-          <a:p>
-            <a:endParaRPr b="0" lang="en-US" sz="1800" spc="-1" strike="noStrike">
+          <a:bodyPr lIns="0" tIns="0" rIns="0" bIns="0"/>
+          <a:lstStyle/>
+          <a:p>
+            <a:endParaRPr lang="en-US" sz="1800" b="0" strike="noStrike" spc="-1">
               <a:solidFill>
                 <a:srgbClr val="323232"/>
               </a:solidFill>
               <a:uFill>
                 <a:solidFill>
-                  <a:srgbClr val="ffffff"/>
+                  <a:srgbClr val="FFFFFF"/>
                 </a:solidFill>
               </a:uFill>
               <a:latin typeface="Sky Text"/>
@@ -1277,11 +1599,14 @@
       </p:sp>
     </p:spTree>
   </p:cSld>
+  <p:clrMapOvr>
+    <a:masterClrMapping/>
+  </p:clrMapOvr>
 </p:sldLayout>
 </file>
 
 <file path=ppt/slideLayouts/slideLayout17.xml><?xml version="1.0" encoding="utf-8"?>
-<p:sldLayout xmlns:a="http://schemas.openxmlformats.org/drawingml/2006/main" xmlns:p="http://schemas.openxmlformats.org/presentationml/2006/main" xmlns:r="http://schemas.openxmlformats.org/officeDocument/2006/relationships" xmlns:p14="http://schemas.microsoft.com/office/powerpoint/2010/main" xmlns:p15="http://schemas.microsoft.com/office/powerpoint/2012/main" xmlns:mc="http://schemas.openxmlformats.org/markup-compatibility/2006" type="titleOnly" preserve="1">
+<p:sldLayout xmlns:a="http://schemas.openxmlformats.org/drawingml/2006/main" xmlns:r="http://schemas.openxmlformats.org/officeDocument/2006/relationships" xmlns:p="http://schemas.openxmlformats.org/presentationml/2006/main" type="titleOnly" preserve="1">
   <p:cSld name="Title Only">
     <p:spTree>
       <p:nvGrpSpPr>
@@ -1317,15 +1642,16 @@
           </a:prstGeom>
         </p:spPr>
         <p:txBody>
-          <a:bodyPr lIns="0" rIns="0" tIns="0" bIns="0" anchor="ctr"/>
-          <a:p>
-            <a:endParaRPr b="0" lang="en-US" sz="2300" spc="-1" strike="noStrike">
+          <a:bodyPr lIns="0" tIns="0" rIns="0" bIns="0" anchor="ctr"/>
+          <a:lstStyle/>
+          <a:p>
+            <a:endParaRPr lang="en-US" sz="2300" b="0" strike="noStrike" spc="-1">
               <a:solidFill>
                 <a:srgbClr val="000000"/>
               </a:solidFill>
               <a:uFill>
                 <a:solidFill>
-                  <a:srgbClr val="ffffff"/>
+                  <a:srgbClr val="FFFFFF"/>
                 </a:solidFill>
               </a:uFill>
               <a:latin typeface="Sky Text"/>
@@ -1335,11 +1661,14 @@
       </p:sp>
     </p:spTree>
   </p:cSld>
+  <p:clrMapOvr>
+    <a:masterClrMapping/>
+  </p:clrMapOvr>
 </p:sldLayout>
 </file>
 
 <file path=ppt/slideLayouts/slideLayout18.xml><?xml version="1.0" encoding="utf-8"?>
-<p:sldLayout xmlns:a="http://schemas.openxmlformats.org/drawingml/2006/main" xmlns:p="http://schemas.openxmlformats.org/presentationml/2006/main" xmlns:r="http://schemas.openxmlformats.org/officeDocument/2006/relationships" xmlns:p14="http://schemas.microsoft.com/office/powerpoint/2010/main" xmlns:p15="http://schemas.microsoft.com/office/powerpoint/2012/main" xmlns:mc="http://schemas.openxmlformats.org/markup-compatibility/2006" type="objOnly" preserve="1">
+<p:sldLayout xmlns:a="http://schemas.openxmlformats.org/drawingml/2006/main" xmlns:r="http://schemas.openxmlformats.org/officeDocument/2006/relationships" xmlns:p="http://schemas.openxmlformats.org/presentationml/2006/main" type="objOnly" preserve="1">
   <p:cSld name="Centered Text">
     <p:spTree>
       <p:nvGrpSpPr>
@@ -1375,16 +1704,17 @@
           </a:prstGeom>
         </p:spPr>
         <p:txBody>
-          <a:bodyPr lIns="0" rIns="0" tIns="0" bIns="0" anchor="ctr"/>
+          <a:bodyPr lIns="0" tIns="0" rIns="0" bIns="0" anchor="ctr"/>
+          <a:lstStyle/>
           <a:p>
             <a:pPr algn="ctr"/>
-            <a:endParaRPr b="0" lang="pt-PT" sz="3200" spc="-1" strike="noStrike">
+            <a:endParaRPr lang="pt-PT" sz="3200" b="0" strike="noStrike" spc="-1">
               <a:solidFill>
                 <a:srgbClr val="000000"/>
               </a:solidFill>
               <a:uFill>
                 <a:solidFill>
-                  <a:srgbClr val="ffffff"/>
+                  <a:srgbClr val="FFFFFF"/>
                 </a:solidFill>
               </a:uFill>
               <a:latin typeface="Arial"/>
@@ -1394,11 +1724,14 @@
       </p:sp>
     </p:spTree>
   </p:cSld>
+  <p:clrMapOvr>
+    <a:masterClrMapping/>
+  </p:clrMapOvr>
 </p:sldLayout>
 </file>
 
 <file path=ppt/slideLayouts/slideLayout19.xml><?xml version="1.0" encoding="utf-8"?>
-<p:sldLayout xmlns:a="http://schemas.openxmlformats.org/drawingml/2006/main" xmlns:p="http://schemas.openxmlformats.org/presentationml/2006/main" xmlns:r="http://schemas.openxmlformats.org/officeDocument/2006/relationships" xmlns:p14="http://schemas.microsoft.com/office/powerpoint/2010/main" xmlns:p15="http://schemas.microsoft.com/office/powerpoint/2012/main" xmlns:mc="http://schemas.openxmlformats.org/markup-compatibility/2006" type="twoObjAndObj" preserve="1">
+<p:sldLayout xmlns:a="http://schemas.openxmlformats.org/drawingml/2006/main" xmlns:r="http://schemas.openxmlformats.org/officeDocument/2006/relationships" xmlns:p="http://schemas.openxmlformats.org/presentationml/2006/main" type="twoObjAndObj" preserve="1">
   <p:cSld name="Title, 2 Content and Content">
     <p:spTree>
       <p:nvGrpSpPr>
@@ -1434,15 +1767,16 @@
           </a:prstGeom>
         </p:spPr>
         <p:txBody>
-          <a:bodyPr lIns="0" rIns="0" tIns="0" bIns="0" anchor="ctr"/>
-          <a:p>
-            <a:endParaRPr b="0" lang="en-US" sz="2300" spc="-1" strike="noStrike">
+          <a:bodyPr lIns="0" tIns="0" rIns="0" bIns="0" anchor="ctr"/>
+          <a:lstStyle/>
+          <a:p>
+            <a:endParaRPr lang="en-US" sz="2300" b="0" strike="noStrike" spc="-1">
               <a:solidFill>
                 <a:srgbClr val="000000"/>
               </a:solidFill>
               <a:uFill>
                 <a:solidFill>
-                  <a:srgbClr val="ffffff"/>
+                  <a:srgbClr val="FFFFFF"/>
                 </a:solidFill>
               </a:uFill>
               <a:latin typeface="Sky Text"/>
@@ -1470,15 +1804,16 @@
           </a:prstGeom>
         </p:spPr>
         <p:txBody>
-          <a:bodyPr lIns="0" rIns="0" tIns="0" bIns="0"/>
-          <a:p>
-            <a:endParaRPr b="0" lang="en-US" sz="1800" spc="-1" strike="noStrike">
+          <a:bodyPr lIns="0" tIns="0" rIns="0" bIns="0"/>
+          <a:lstStyle/>
+          <a:p>
+            <a:endParaRPr lang="en-US" sz="1800" b="0" strike="noStrike" spc="-1">
               <a:solidFill>
                 <a:srgbClr val="323232"/>
               </a:solidFill>
               <a:uFill>
                 <a:solidFill>
-                  <a:srgbClr val="ffffff"/>
+                  <a:srgbClr val="FFFFFF"/>
                 </a:solidFill>
               </a:uFill>
               <a:latin typeface="Sky Text"/>
@@ -1506,15 +1841,16 @@
           </a:prstGeom>
         </p:spPr>
         <p:txBody>
-          <a:bodyPr lIns="0" rIns="0" tIns="0" bIns="0"/>
-          <a:p>
-            <a:endParaRPr b="0" lang="en-US" sz="1800" spc="-1" strike="noStrike">
+          <a:bodyPr lIns="0" tIns="0" rIns="0" bIns="0"/>
+          <a:lstStyle/>
+          <a:p>
+            <a:endParaRPr lang="en-US" sz="1800" b="0" strike="noStrike" spc="-1">
               <a:solidFill>
                 <a:srgbClr val="323232"/>
               </a:solidFill>
               <a:uFill>
                 <a:solidFill>
-                  <a:srgbClr val="ffffff"/>
+                  <a:srgbClr val="FFFFFF"/>
                 </a:solidFill>
               </a:uFill>
               <a:latin typeface="Sky Text"/>
@@ -1542,15 +1878,16 @@
           </a:prstGeom>
         </p:spPr>
         <p:txBody>
-          <a:bodyPr lIns="0" rIns="0" tIns="0" bIns="0"/>
-          <a:p>
-            <a:endParaRPr b="0" lang="en-US" sz="1800" spc="-1" strike="noStrike">
+          <a:bodyPr lIns="0" tIns="0" rIns="0" bIns="0"/>
+          <a:lstStyle/>
+          <a:p>
+            <a:endParaRPr lang="en-US" sz="1800" b="0" strike="noStrike" spc="-1">
               <a:solidFill>
                 <a:srgbClr val="323232"/>
               </a:solidFill>
               <a:uFill>
                 <a:solidFill>
-                  <a:srgbClr val="ffffff"/>
+                  <a:srgbClr val="FFFFFF"/>
                 </a:solidFill>
               </a:uFill>
               <a:latin typeface="Sky Text"/>
@@ -1560,11 +1897,14 @@
       </p:sp>
     </p:spTree>
   </p:cSld>
+  <p:clrMapOvr>
+    <a:masterClrMapping/>
+  </p:clrMapOvr>
 </p:sldLayout>
 </file>
 
 <file path=ppt/slideLayouts/slideLayout2.xml><?xml version="1.0" encoding="utf-8"?>
-<p:sldLayout xmlns:a="http://schemas.openxmlformats.org/drawingml/2006/main" xmlns:p="http://schemas.openxmlformats.org/presentationml/2006/main" xmlns:r="http://schemas.openxmlformats.org/officeDocument/2006/relationships" xmlns:p14="http://schemas.microsoft.com/office/powerpoint/2010/main" xmlns:p15="http://schemas.microsoft.com/office/powerpoint/2012/main" xmlns:mc="http://schemas.openxmlformats.org/markup-compatibility/2006" type="tx" preserve="1">
+<p:sldLayout xmlns:a="http://schemas.openxmlformats.org/drawingml/2006/main" xmlns:r="http://schemas.openxmlformats.org/officeDocument/2006/relationships" xmlns:p="http://schemas.openxmlformats.org/presentationml/2006/main" type="tx" preserve="1">
   <p:cSld name="Title Slide">
     <p:spTree>
       <p:nvGrpSpPr>
@@ -1600,15 +1940,16 @@
           </a:prstGeom>
         </p:spPr>
         <p:txBody>
-          <a:bodyPr lIns="0" rIns="0" tIns="0" bIns="0" anchor="ctr"/>
-          <a:p>
-            <a:endParaRPr b="0" lang="en-US" sz="2300" spc="-1" strike="noStrike">
+          <a:bodyPr lIns="0" tIns="0" rIns="0" bIns="0" anchor="ctr"/>
+          <a:lstStyle/>
+          <a:p>
+            <a:endParaRPr lang="en-US" sz="2300" b="0" strike="noStrike" spc="-1">
               <a:solidFill>
                 <a:srgbClr val="000000"/>
               </a:solidFill>
               <a:uFill>
                 <a:solidFill>
-                  <a:srgbClr val="ffffff"/>
+                  <a:srgbClr val="FFFFFF"/>
                 </a:solidFill>
               </a:uFill>
               <a:latin typeface="Sky Text"/>
@@ -1636,16 +1977,17 @@
           </a:prstGeom>
         </p:spPr>
         <p:txBody>
-          <a:bodyPr lIns="0" rIns="0" tIns="0" bIns="0" anchor="ctr"/>
+          <a:bodyPr lIns="0" tIns="0" rIns="0" bIns="0" anchor="ctr"/>
+          <a:lstStyle/>
           <a:p>
             <a:pPr algn="ctr"/>
-            <a:endParaRPr b="0" lang="pt-PT" sz="3200" spc="-1" strike="noStrike">
+            <a:endParaRPr lang="pt-PT" sz="3200" b="0" strike="noStrike" spc="-1">
               <a:solidFill>
                 <a:srgbClr val="000000"/>
               </a:solidFill>
               <a:uFill>
                 <a:solidFill>
-                  <a:srgbClr val="ffffff"/>
+                  <a:srgbClr val="FFFFFF"/>
                 </a:solidFill>
               </a:uFill>
               <a:latin typeface="Arial"/>
@@ -1655,11 +1997,14 @@
       </p:sp>
     </p:spTree>
   </p:cSld>
+  <p:clrMapOvr>
+    <a:masterClrMapping/>
+  </p:clrMapOvr>
 </p:sldLayout>
 </file>
 
 <file path=ppt/slideLayouts/slideLayout20.xml><?xml version="1.0" encoding="utf-8"?>
-<p:sldLayout xmlns:a="http://schemas.openxmlformats.org/drawingml/2006/main" xmlns:p="http://schemas.openxmlformats.org/presentationml/2006/main" xmlns:r="http://schemas.openxmlformats.org/officeDocument/2006/relationships" xmlns:p14="http://schemas.microsoft.com/office/powerpoint/2010/main" xmlns:p15="http://schemas.microsoft.com/office/powerpoint/2012/main" xmlns:mc="http://schemas.openxmlformats.org/markup-compatibility/2006" type="objAndTwoObj" preserve="1">
+<p:sldLayout xmlns:a="http://schemas.openxmlformats.org/drawingml/2006/main" xmlns:r="http://schemas.openxmlformats.org/officeDocument/2006/relationships" xmlns:p="http://schemas.openxmlformats.org/presentationml/2006/main" type="objAndTwoObj" preserve="1">
   <p:cSld name="Title Content and 2 Content">
     <p:spTree>
       <p:nvGrpSpPr>
@@ -1695,15 +2040,16 @@
           </a:prstGeom>
         </p:spPr>
         <p:txBody>
-          <a:bodyPr lIns="0" rIns="0" tIns="0" bIns="0" anchor="ctr"/>
-          <a:p>
-            <a:endParaRPr b="0" lang="en-US" sz="2300" spc="-1" strike="noStrike">
+          <a:bodyPr lIns="0" tIns="0" rIns="0" bIns="0" anchor="ctr"/>
+          <a:lstStyle/>
+          <a:p>
+            <a:endParaRPr lang="en-US" sz="2300" b="0" strike="noStrike" spc="-1">
               <a:solidFill>
                 <a:srgbClr val="000000"/>
               </a:solidFill>
               <a:uFill>
                 <a:solidFill>
-                  <a:srgbClr val="ffffff"/>
+                  <a:srgbClr val="FFFFFF"/>
                 </a:solidFill>
               </a:uFill>
               <a:latin typeface="Sky Text"/>
@@ -1731,15 +2077,16 @@
           </a:prstGeom>
         </p:spPr>
         <p:txBody>
-          <a:bodyPr lIns="0" rIns="0" tIns="0" bIns="0"/>
-          <a:p>
-            <a:endParaRPr b="0" lang="en-US" sz="1800" spc="-1" strike="noStrike">
+          <a:bodyPr lIns="0" tIns="0" rIns="0" bIns="0"/>
+          <a:lstStyle/>
+          <a:p>
+            <a:endParaRPr lang="en-US" sz="1800" b="0" strike="noStrike" spc="-1">
               <a:solidFill>
                 <a:srgbClr val="323232"/>
               </a:solidFill>
               <a:uFill>
                 <a:solidFill>
-                  <a:srgbClr val="ffffff"/>
+                  <a:srgbClr val="FFFFFF"/>
                 </a:solidFill>
               </a:uFill>
               <a:latin typeface="Sky Text"/>
@@ -1767,15 +2114,16 @@
           </a:prstGeom>
         </p:spPr>
         <p:txBody>
-          <a:bodyPr lIns="0" rIns="0" tIns="0" bIns="0"/>
-          <a:p>
-            <a:endParaRPr b="0" lang="en-US" sz="1800" spc="-1" strike="noStrike">
+          <a:bodyPr lIns="0" tIns="0" rIns="0" bIns="0"/>
+          <a:lstStyle/>
+          <a:p>
+            <a:endParaRPr lang="en-US" sz="1800" b="0" strike="noStrike" spc="-1">
               <a:solidFill>
                 <a:srgbClr val="323232"/>
               </a:solidFill>
               <a:uFill>
                 <a:solidFill>
-                  <a:srgbClr val="ffffff"/>
+                  <a:srgbClr val="FFFFFF"/>
                 </a:solidFill>
               </a:uFill>
               <a:latin typeface="Sky Text"/>
@@ -1803,15 +2151,16 @@
           </a:prstGeom>
         </p:spPr>
         <p:txBody>
-          <a:bodyPr lIns="0" rIns="0" tIns="0" bIns="0"/>
-          <a:p>
-            <a:endParaRPr b="0" lang="en-US" sz="1800" spc="-1" strike="noStrike">
+          <a:bodyPr lIns="0" tIns="0" rIns="0" bIns="0"/>
+          <a:lstStyle/>
+          <a:p>
+            <a:endParaRPr lang="en-US" sz="1800" b="0" strike="noStrike" spc="-1">
               <a:solidFill>
                 <a:srgbClr val="323232"/>
               </a:solidFill>
               <a:uFill>
                 <a:solidFill>
-                  <a:srgbClr val="ffffff"/>
+                  <a:srgbClr val="FFFFFF"/>
                 </a:solidFill>
               </a:uFill>
               <a:latin typeface="Sky Text"/>
@@ -1821,11 +2170,14 @@
       </p:sp>
     </p:spTree>
   </p:cSld>
+  <p:clrMapOvr>
+    <a:masterClrMapping/>
+  </p:clrMapOvr>
 </p:sldLayout>
 </file>
 
 <file path=ppt/slideLayouts/slideLayout21.xml><?xml version="1.0" encoding="utf-8"?>
-<p:sldLayout xmlns:a="http://schemas.openxmlformats.org/drawingml/2006/main" xmlns:p="http://schemas.openxmlformats.org/presentationml/2006/main" xmlns:r="http://schemas.openxmlformats.org/officeDocument/2006/relationships" xmlns:p14="http://schemas.microsoft.com/office/powerpoint/2010/main" xmlns:p15="http://schemas.microsoft.com/office/powerpoint/2012/main" xmlns:mc="http://schemas.openxmlformats.org/markup-compatibility/2006" type="twoObjOverTx" preserve="1">
+<p:sldLayout xmlns:a="http://schemas.openxmlformats.org/drawingml/2006/main" xmlns:r="http://schemas.openxmlformats.org/officeDocument/2006/relationships" xmlns:p="http://schemas.openxmlformats.org/presentationml/2006/main" type="twoObjOverTx" preserve="1">
   <p:cSld name="Title, 2 Content over Content">
     <p:spTree>
       <p:nvGrpSpPr>
@@ -1861,15 +2213,16 @@
           </a:prstGeom>
         </p:spPr>
         <p:txBody>
-          <a:bodyPr lIns="0" rIns="0" tIns="0" bIns="0" anchor="ctr"/>
-          <a:p>
-            <a:endParaRPr b="0" lang="en-US" sz="2300" spc="-1" strike="noStrike">
+          <a:bodyPr lIns="0" tIns="0" rIns="0" bIns="0" anchor="ctr"/>
+          <a:lstStyle/>
+          <a:p>
+            <a:endParaRPr lang="en-US" sz="2300" b="0" strike="noStrike" spc="-1">
               <a:solidFill>
                 <a:srgbClr val="000000"/>
               </a:solidFill>
               <a:uFill>
                 <a:solidFill>
-                  <a:srgbClr val="ffffff"/>
+                  <a:srgbClr val="FFFFFF"/>
                 </a:solidFill>
               </a:uFill>
               <a:latin typeface="Sky Text"/>
@@ -1897,15 +2250,16 @@
           </a:prstGeom>
         </p:spPr>
         <p:txBody>
-          <a:bodyPr lIns="0" rIns="0" tIns="0" bIns="0"/>
-          <a:p>
-            <a:endParaRPr b="0" lang="en-US" sz="1800" spc="-1" strike="noStrike">
+          <a:bodyPr lIns="0" tIns="0" rIns="0" bIns="0"/>
+          <a:lstStyle/>
+          <a:p>
+            <a:endParaRPr lang="en-US" sz="1800" b="0" strike="noStrike" spc="-1">
               <a:solidFill>
                 <a:srgbClr val="323232"/>
               </a:solidFill>
               <a:uFill>
                 <a:solidFill>
-                  <a:srgbClr val="ffffff"/>
+                  <a:srgbClr val="FFFFFF"/>
                 </a:solidFill>
               </a:uFill>
               <a:latin typeface="Sky Text"/>
@@ -1933,15 +2287,16 @@
           </a:prstGeom>
         </p:spPr>
         <p:txBody>
-          <a:bodyPr lIns="0" rIns="0" tIns="0" bIns="0"/>
-          <a:p>
-            <a:endParaRPr b="0" lang="en-US" sz="1800" spc="-1" strike="noStrike">
+          <a:bodyPr lIns="0" tIns="0" rIns="0" bIns="0"/>
+          <a:lstStyle/>
+          <a:p>
+            <a:endParaRPr lang="en-US" sz="1800" b="0" strike="noStrike" spc="-1">
               <a:solidFill>
                 <a:srgbClr val="323232"/>
               </a:solidFill>
               <a:uFill>
                 <a:solidFill>
-                  <a:srgbClr val="ffffff"/>
+                  <a:srgbClr val="FFFFFF"/>
                 </a:solidFill>
               </a:uFill>
               <a:latin typeface="Sky Text"/>
@@ -1969,15 +2324,16 @@
           </a:prstGeom>
         </p:spPr>
         <p:txBody>
-          <a:bodyPr lIns="0" rIns="0" tIns="0" bIns="0"/>
-          <a:p>
-            <a:endParaRPr b="0" lang="en-US" sz="1800" spc="-1" strike="noStrike">
+          <a:bodyPr lIns="0" tIns="0" rIns="0" bIns="0"/>
+          <a:lstStyle/>
+          <a:p>
+            <a:endParaRPr lang="en-US" sz="1800" b="0" strike="noStrike" spc="-1">
               <a:solidFill>
                 <a:srgbClr val="323232"/>
               </a:solidFill>
               <a:uFill>
                 <a:solidFill>
-                  <a:srgbClr val="ffffff"/>
+                  <a:srgbClr val="FFFFFF"/>
                 </a:solidFill>
               </a:uFill>
               <a:latin typeface="Sky Text"/>
@@ -1987,11 +2343,14 @@
       </p:sp>
     </p:spTree>
   </p:cSld>
+  <p:clrMapOvr>
+    <a:masterClrMapping/>
+  </p:clrMapOvr>
 </p:sldLayout>
 </file>
 
 <file path=ppt/slideLayouts/slideLayout22.xml><?xml version="1.0" encoding="utf-8"?>
-<p:sldLayout xmlns:a="http://schemas.openxmlformats.org/drawingml/2006/main" xmlns:p="http://schemas.openxmlformats.org/presentationml/2006/main" xmlns:r="http://schemas.openxmlformats.org/officeDocument/2006/relationships" xmlns:p14="http://schemas.microsoft.com/office/powerpoint/2010/main" xmlns:p15="http://schemas.microsoft.com/office/powerpoint/2012/main" xmlns:mc="http://schemas.openxmlformats.org/markup-compatibility/2006" type="objOverTx" preserve="1">
+<p:sldLayout xmlns:a="http://schemas.openxmlformats.org/drawingml/2006/main" xmlns:r="http://schemas.openxmlformats.org/officeDocument/2006/relationships" xmlns:p="http://schemas.openxmlformats.org/presentationml/2006/main" type="objOverTx" preserve="1">
   <p:cSld name="Title, Content over Content">
     <p:spTree>
       <p:nvGrpSpPr>
@@ -2027,15 +2386,16 @@
           </a:prstGeom>
         </p:spPr>
         <p:txBody>
-          <a:bodyPr lIns="0" rIns="0" tIns="0" bIns="0" anchor="ctr"/>
-          <a:p>
-            <a:endParaRPr b="0" lang="en-US" sz="2300" spc="-1" strike="noStrike">
+          <a:bodyPr lIns="0" tIns="0" rIns="0" bIns="0" anchor="ctr"/>
+          <a:lstStyle/>
+          <a:p>
+            <a:endParaRPr lang="en-US" sz="2300" b="0" strike="noStrike" spc="-1">
               <a:solidFill>
                 <a:srgbClr val="000000"/>
               </a:solidFill>
               <a:uFill>
                 <a:solidFill>
-                  <a:srgbClr val="ffffff"/>
+                  <a:srgbClr val="FFFFFF"/>
                 </a:solidFill>
               </a:uFill>
               <a:latin typeface="Sky Text"/>
@@ -2063,15 +2423,16 @@
           </a:prstGeom>
         </p:spPr>
         <p:txBody>
-          <a:bodyPr lIns="0" rIns="0" tIns="0" bIns="0"/>
-          <a:p>
-            <a:endParaRPr b="0" lang="en-US" sz="1800" spc="-1" strike="noStrike">
+          <a:bodyPr lIns="0" tIns="0" rIns="0" bIns="0"/>
+          <a:lstStyle/>
+          <a:p>
+            <a:endParaRPr lang="en-US" sz="1800" b="0" strike="noStrike" spc="-1">
               <a:solidFill>
                 <a:srgbClr val="323232"/>
               </a:solidFill>
               <a:uFill>
                 <a:solidFill>
-                  <a:srgbClr val="ffffff"/>
+                  <a:srgbClr val="FFFFFF"/>
                 </a:solidFill>
               </a:uFill>
               <a:latin typeface="Sky Text"/>
@@ -2099,15 +2460,16 @@
           </a:prstGeom>
         </p:spPr>
         <p:txBody>
-          <a:bodyPr lIns="0" rIns="0" tIns="0" bIns="0"/>
-          <a:p>
-            <a:endParaRPr b="0" lang="en-US" sz="1800" spc="-1" strike="noStrike">
+          <a:bodyPr lIns="0" tIns="0" rIns="0" bIns="0"/>
+          <a:lstStyle/>
+          <a:p>
+            <a:endParaRPr lang="en-US" sz="1800" b="0" strike="noStrike" spc="-1">
               <a:solidFill>
                 <a:srgbClr val="323232"/>
               </a:solidFill>
               <a:uFill>
                 <a:solidFill>
-                  <a:srgbClr val="ffffff"/>
+                  <a:srgbClr val="FFFFFF"/>
                 </a:solidFill>
               </a:uFill>
               <a:latin typeface="Sky Text"/>
@@ -2117,11 +2479,14 @@
       </p:sp>
     </p:spTree>
   </p:cSld>
+  <p:clrMapOvr>
+    <a:masterClrMapping/>
+  </p:clrMapOvr>
 </p:sldLayout>
 </file>
 
 <file path=ppt/slideLayouts/slideLayout23.xml><?xml version="1.0" encoding="utf-8"?>
-<p:sldLayout xmlns:a="http://schemas.openxmlformats.org/drawingml/2006/main" xmlns:p="http://schemas.openxmlformats.org/presentationml/2006/main" xmlns:r="http://schemas.openxmlformats.org/officeDocument/2006/relationships" xmlns:p14="http://schemas.microsoft.com/office/powerpoint/2010/main" xmlns:p15="http://schemas.microsoft.com/office/powerpoint/2012/main" xmlns:mc="http://schemas.openxmlformats.org/markup-compatibility/2006" type="fourObj" preserve="1">
+<p:sldLayout xmlns:a="http://schemas.openxmlformats.org/drawingml/2006/main" xmlns:r="http://schemas.openxmlformats.org/officeDocument/2006/relationships" xmlns:p="http://schemas.openxmlformats.org/presentationml/2006/main" type="fourObj" preserve="1">
   <p:cSld name="Title, 4 Content">
     <p:spTree>
       <p:nvGrpSpPr>
@@ -2157,15 +2522,16 @@
           </a:prstGeom>
         </p:spPr>
         <p:txBody>
-          <a:bodyPr lIns="0" rIns="0" tIns="0" bIns="0" anchor="ctr"/>
-          <a:p>
-            <a:endParaRPr b="0" lang="en-US" sz="2300" spc="-1" strike="noStrike">
+          <a:bodyPr lIns="0" tIns="0" rIns="0" bIns="0" anchor="ctr"/>
+          <a:lstStyle/>
+          <a:p>
+            <a:endParaRPr lang="en-US" sz="2300" b="0" strike="noStrike" spc="-1">
               <a:solidFill>
                 <a:srgbClr val="000000"/>
               </a:solidFill>
               <a:uFill>
                 <a:solidFill>
-                  <a:srgbClr val="ffffff"/>
+                  <a:srgbClr val="FFFFFF"/>
                 </a:solidFill>
               </a:uFill>
               <a:latin typeface="Sky Text"/>
@@ -2193,15 +2559,16 @@
           </a:prstGeom>
         </p:spPr>
         <p:txBody>
-          <a:bodyPr lIns="0" rIns="0" tIns="0" bIns="0"/>
-          <a:p>
-            <a:endParaRPr b="0" lang="en-US" sz="1800" spc="-1" strike="noStrike">
+          <a:bodyPr lIns="0" tIns="0" rIns="0" bIns="0"/>
+          <a:lstStyle/>
+          <a:p>
+            <a:endParaRPr lang="en-US" sz="1800" b="0" strike="noStrike" spc="-1">
               <a:solidFill>
                 <a:srgbClr val="323232"/>
               </a:solidFill>
               <a:uFill>
                 <a:solidFill>
-                  <a:srgbClr val="ffffff"/>
+                  <a:srgbClr val="FFFFFF"/>
                 </a:solidFill>
               </a:uFill>
               <a:latin typeface="Sky Text"/>
@@ -2229,15 +2596,16 @@
           </a:prstGeom>
         </p:spPr>
         <p:txBody>
-          <a:bodyPr lIns="0" rIns="0" tIns="0" bIns="0"/>
-          <a:p>
-            <a:endParaRPr b="0" lang="en-US" sz="1800" spc="-1" strike="noStrike">
+          <a:bodyPr lIns="0" tIns="0" rIns="0" bIns="0"/>
+          <a:lstStyle/>
+          <a:p>
+            <a:endParaRPr lang="en-US" sz="1800" b="0" strike="noStrike" spc="-1">
               <a:solidFill>
                 <a:srgbClr val="323232"/>
               </a:solidFill>
               <a:uFill>
                 <a:solidFill>
-                  <a:srgbClr val="ffffff"/>
+                  <a:srgbClr val="FFFFFF"/>
                 </a:solidFill>
               </a:uFill>
               <a:latin typeface="Sky Text"/>
@@ -2265,15 +2633,16 @@
           </a:prstGeom>
         </p:spPr>
         <p:txBody>
-          <a:bodyPr lIns="0" rIns="0" tIns="0" bIns="0"/>
-          <a:p>
-            <a:endParaRPr b="0" lang="en-US" sz="1800" spc="-1" strike="noStrike">
+          <a:bodyPr lIns="0" tIns="0" rIns="0" bIns="0"/>
+          <a:lstStyle/>
+          <a:p>
+            <a:endParaRPr lang="en-US" sz="1800" b="0" strike="noStrike" spc="-1">
               <a:solidFill>
                 <a:srgbClr val="323232"/>
               </a:solidFill>
               <a:uFill>
                 <a:solidFill>
-                  <a:srgbClr val="ffffff"/>
+                  <a:srgbClr val="FFFFFF"/>
                 </a:solidFill>
               </a:uFill>
               <a:latin typeface="Sky Text"/>
@@ -2301,15 +2670,16 @@
           </a:prstGeom>
         </p:spPr>
         <p:txBody>
-          <a:bodyPr lIns="0" rIns="0" tIns="0" bIns="0"/>
-          <a:p>
-            <a:endParaRPr b="0" lang="en-US" sz="1800" spc="-1" strike="noStrike">
+          <a:bodyPr lIns="0" tIns="0" rIns="0" bIns="0"/>
+          <a:lstStyle/>
+          <a:p>
+            <a:endParaRPr lang="en-US" sz="1800" b="0" strike="noStrike" spc="-1">
               <a:solidFill>
                 <a:srgbClr val="323232"/>
               </a:solidFill>
               <a:uFill>
                 <a:solidFill>
-                  <a:srgbClr val="ffffff"/>
+                  <a:srgbClr val="FFFFFF"/>
                 </a:solidFill>
               </a:uFill>
               <a:latin typeface="Sky Text"/>
@@ -2319,11 +2689,14 @@
       </p:sp>
     </p:spTree>
   </p:cSld>
+  <p:clrMapOvr>
+    <a:masterClrMapping/>
+  </p:clrMapOvr>
 </p:sldLayout>
 </file>
 
 <file path=ppt/slideLayouts/slideLayout24.xml><?xml version="1.0" encoding="utf-8"?>
-<p:sldLayout xmlns:a="http://schemas.openxmlformats.org/drawingml/2006/main" xmlns:p="http://schemas.openxmlformats.org/presentationml/2006/main" xmlns:r="http://schemas.openxmlformats.org/officeDocument/2006/relationships" xmlns:p14="http://schemas.microsoft.com/office/powerpoint/2010/main" xmlns:p15="http://schemas.microsoft.com/office/powerpoint/2012/main" xmlns:mc="http://schemas.openxmlformats.org/markup-compatibility/2006" type="blank" preserve="1">
+<p:sldLayout xmlns:a="http://schemas.openxmlformats.org/drawingml/2006/main" xmlns:r="http://schemas.openxmlformats.org/officeDocument/2006/relationships" xmlns:p="http://schemas.openxmlformats.org/presentationml/2006/main" type="blank" preserve="1">
   <p:cSld name="Title, 6 Content">
     <p:spTree>
       <p:nvGrpSpPr>
@@ -2359,15 +2732,16 @@
           </a:prstGeom>
         </p:spPr>
         <p:txBody>
-          <a:bodyPr lIns="0" rIns="0" tIns="0" bIns="0" anchor="ctr"/>
-          <a:p>
-            <a:endParaRPr b="0" lang="en-US" sz="2300" spc="-1" strike="noStrike">
+          <a:bodyPr lIns="0" tIns="0" rIns="0" bIns="0" anchor="ctr"/>
+          <a:lstStyle/>
+          <a:p>
+            <a:endParaRPr lang="en-US" sz="2300" b="0" strike="noStrike" spc="-1">
               <a:solidFill>
                 <a:srgbClr val="000000"/>
               </a:solidFill>
               <a:uFill>
                 <a:solidFill>
-                  <a:srgbClr val="ffffff"/>
+                  <a:srgbClr val="FFFFFF"/>
                 </a:solidFill>
               </a:uFill>
               <a:latin typeface="Sky Text"/>
@@ -2395,15 +2769,16 @@
           </a:prstGeom>
         </p:spPr>
         <p:txBody>
-          <a:bodyPr lIns="0" rIns="0" tIns="0" bIns="0"/>
-          <a:p>
-            <a:endParaRPr b="0" lang="en-US" sz="1800" spc="-1" strike="noStrike">
+          <a:bodyPr lIns="0" tIns="0" rIns="0" bIns="0"/>
+          <a:lstStyle/>
+          <a:p>
+            <a:endParaRPr lang="en-US" sz="1800" b="0" strike="noStrike" spc="-1">
               <a:solidFill>
                 <a:srgbClr val="323232"/>
               </a:solidFill>
               <a:uFill>
                 <a:solidFill>
-                  <a:srgbClr val="ffffff"/>
+                  <a:srgbClr val="FFFFFF"/>
                 </a:solidFill>
               </a:uFill>
               <a:latin typeface="Sky Text"/>
@@ -2431,15 +2806,16 @@
           </a:prstGeom>
         </p:spPr>
         <p:txBody>
-          <a:bodyPr lIns="0" rIns="0" tIns="0" bIns="0"/>
-          <a:p>
-            <a:endParaRPr b="0" lang="en-US" sz="1800" spc="-1" strike="noStrike">
+          <a:bodyPr lIns="0" tIns="0" rIns="0" bIns="0"/>
+          <a:lstStyle/>
+          <a:p>
+            <a:endParaRPr lang="en-US" sz="1800" b="0" strike="noStrike" spc="-1">
               <a:solidFill>
                 <a:srgbClr val="323232"/>
               </a:solidFill>
               <a:uFill>
                 <a:solidFill>
-                  <a:srgbClr val="ffffff"/>
+                  <a:srgbClr val="FFFFFF"/>
                 </a:solidFill>
               </a:uFill>
               <a:latin typeface="Sky Text"/>
@@ -2449,7 +2825,7 @@
       </p:sp>
       <p:pic>
         <p:nvPicPr>
-          <p:cNvPr id="74" name="" descr=""/>
+          <p:cNvPr id="74" name="Picture 73"/>
           <p:cNvPicPr/>
           <p:nvPr/>
         </p:nvPicPr>
@@ -2472,12 +2848,12 @@
       </p:pic>
       <p:pic>
         <p:nvPicPr>
-          <p:cNvPr id="75" name="" descr=""/>
+          <p:cNvPr id="75" name="Picture 74"/>
           <p:cNvPicPr/>
           <p:nvPr/>
         </p:nvPicPr>
         <p:blipFill>
-          <a:blip r:embed="rId3"/>
+          <a:blip r:embed="rId2"/>
           <a:stretch/>
         </p:blipFill>
         <p:spPr>
@@ -2495,128 +2871,14 @@
       </p:pic>
     </p:spTree>
   </p:cSld>
+  <p:clrMapOvr>
+    <a:masterClrMapping/>
+  </p:clrMapOvr>
 </p:sldLayout>
 </file>
 
-<file path=ppt/slideLayouts/slideLayout25.xml><?xml version="1.0" encoding="utf-8"?>
-<p:sldLayout xmlns:a="http://schemas.openxmlformats.org/drawingml/2006/main" xmlns:p="http://schemas.openxmlformats.org/presentationml/2006/main" xmlns:r="http://schemas.openxmlformats.org/officeDocument/2006/relationships" xmlns:p14="http://schemas.microsoft.com/office/powerpoint/2010/main" xmlns:p15="http://schemas.microsoft.com/office/powerpoint/2012/main" xmlns:mc="http://schemas.openxmlformats.org/markup-compatibility/2006" type="blank" preserve="1">
-  <p:cSld name="Blank Slide">
-    <p:spTree>
-      <p:nvGrpSpPr>
-        <p:cNvPr id="1" name=""/>
-        <p:cNvGrpSpPr/>
-        <p:nvPr/>
-      </p:nvGrpSpPr>
-      <p:grpSpPr>
-        <a:xfrm>
-          <a:off x="0" y="0"/>
-          <a:ext cx="0" cy="0"/>
-          <a:chOff x="0" y="0"/>
-          <a:chExt cx="0" cy="0"/>
-        </a:xfrm>
-      </p:grpSpPr>
-    </p:spTree>
-  </p:cSld>
-</p:sldLayout>
-</file>
-
-<file path=ppt/slideLayouts/slideLayout26.xml><?xml version="1.0" encoding="utf-8"?>
-<p:sldLayout xmlns:a="http://schemas.openxmlformats.org/drawingml/2006/main" xmlns:p="http://schemas.openxmlformats.org/presentationml/2006/main" xmlns:r="http://schemas.openxmlformats.org/officeDocument/2006/relationships" xmlns:p14="http://schemas.microsoft.com/office/powerpoint/2010/main" xmlns:p15="http://schemas.microsoft.com/office/powerpoint/2012/main" xmlns:mc="http://schemas.openxmlformats.org/markup-compatibility/2006" type="tx" preserve="1">
-  <p:cSld name="Title Slide">
-    <p:spTree>
-      <p:nvGrpSpPr>
-        <p:cNvPr id="1" name=""/>
-        <p:cNvGrpSpPr/>
-        <p:nvPr/>
-      </p:nvGrpSpPr>
-      <p:grpSpPr>
-        <a:xfrm>
-          <a:off x="0" y="0"/>
-          <a:ext cx="0" cy="0"/>
-          <a:chOff x="0" y="0"/>
-          <a:chExt cx="0" cy="0"/>
-        </a:xfrm>
-      </p:grpSpPr>
-      <p:sp>
-        <p:nvSpPr>
-          <p:cNvPr id="78" name="PlaceHolder 1"/>
-          <p:cNvSpPr>
-            <a:spLocks noGrp="1"/>
-          </p:cNvSpPr>
-          <p:nvPr>
-            <p:ph type="title"/>
-          </p:nvPr>
-        </p:nvSpPr>
-        <p:spPr>
-          <a:xfrm>
-            <a:off x="596880" y="2782800"/>
-            <a:ext cx="10510560" cy="1017360"/>
-          </a:xfrm>
-          <a:prstGeom prst="rect">
-            <a:avLst/>
-          </a:prstGeom>
-        </p:spPr>
-        <p:txBody>
-          <a:bodyPr lIns="0" rIns="0" tIns="0" bIns="0" anchor="ctr"/>
-          <a:p>
-            <a:endParaRPr b="0" lang="en-US" sz="2300" spc="-1" strike="noStrike">
-              <a:solidFill>
-                <a:srgbClr val="000000"/>
-              </a:solidFill>
-              <a:uFill>
-                <a:solidFill>
-                  <a:srgbClr val="ffffff"/>
-                </a:solidFill>
-              </a:uFill>
-              <a:latin typeface="Sky Text"/>
-            </a:endParaRPr>
-          </a:p>
-        </p:txBody>
-      </p:sp>
-      <p:sp>
-        <p:nvSpPr>
-          <p:cNvPr id="79" name="PlaceHolder 2"/>
-          <p:cNvSpPr>
-            <a:spLocks noGrp="1"/>
-          </p:cNvSpPr>
-          <p:nvPr>
-            <p:ph type="subTitle"/>
-          </p:nvPr>
-        </p:nvSpPr>
-        <p:spPr>
-          <a:xfrm>
-            <a:off x="585000" y="1540440"/>
-            <a:ext cx="10533600" cy="3817800"/>
-          </a:xfrm>
-          <a:prstGeom prst="rect">
-            <a:avLst/>
-          </a:prstGeom>
-        </p:spPr>
-        <p:txBody>
-          <a:bodyPr lIns="0" rIns="0" tIns="0" bIns="0" anchor="ctr"/>
-          <a:p>
-            <a:pPr algn="ctr"/>
-            <a:endParaRPr b="0" lang="pt-PT" sz="3200" spc="-1" strike="noStrike">
-              <a:solidFill>
-                <a:srgbClr val="000000"/>
-              </a:solidFill>
-              <a:uFill>
-                <a:solidFill>
-                  <a:srgbClr val="ffffff"/>
-                </a:solidFill>
-              </a:uFill>
-              <a:latin typeface="Arial"/>
-            </a:endParaRPr>
-          </a:p>
-        </p:txBody>
-      </p:sp>
-    </p:spTree>
-  </p:cSld>
-</p:sldLayout>
-</file>
-
-<file path=ppt/slideLayouts/slideLayout27.xml><?xml version="1.0" encoding="utf-8"?>
-<p:sldLayout xmlns:a="http://schemas.openxmlformats.org/drawingml/2006/main" xmlns:p="http://schemas.openxmlformats.org/presentationml/2006/main" xmlns:r="http://schemas.openxmlformats.org/officeDocument/2006/relationships" xmlns:p14="http://schemas.microsoft.com/office/powerpoint/2010/main" xmlns:p15="http://schemas.microsoft.com/office/powerpoint/2012/main" xmlns:mc="http://schemas.openxmlformats.org/markup-compatibility/2006" type="obj" preserve="1">
+<file path=ppt/slideLayouts/slideLayout3.xml><?xml version="1.0" encoding="utf-8"?>
+<p:sldLayout xmlns:a="http://schemas.openxmlformats.org/drawingml/2006/main" xmlns:r="http://schemas.openxmlformats.org/officeDocument/2006/relationships" xmlns:p="http://schemas.openxmlformats.org/presentationml/2006/main" type="obj" preserve="1">
   <p:cSld name="Title, Content">
     <p:spTree>
       <p:nvGrpSpPr>
@@ -2634,7 +2896,7 @@
       </p:grpSpPr>
       <p:sp>
         <p:nvSpPr>
-          <p:cNvPr id="80" name="PlaceHolder 1"/>
+          <p:cNvPr id="5" name="PlaceHolder 1"/>
           <p:cNvSpPr>
             <a:spLocks noGrp="1"/>
           </p:cNvSpPr>
@@ -2652,25 +2914,26 @@
           </a:prstGeom>
         </p:spPr>
         <p:txBody>
-          <a:bodyPr lIns="0" rIns="0" tIns="0" bIns="0" anchor="ctr"/>
-          <a:p>
-            <a:endParaRPr b="0" lang="en-US" sz="2300" spc="-1" strike="noStrike">
+          <a:bodyPr lIns="0" tIns="0" rIns="0" bIns="0" anchor="ctr"/>
+          <a:lstStyle/>
+          <a:p>
+            <a:endParaRPr lang="en-US" sz="2300" b="0" strike="noStrike" spc="-1">
               <a:solidFill>
                 <a:srgbClr val="000000"/>
               </a:solidFill>
               <a:uFill>
                 <a:solidFill>
-                  <a:srgbClr val="ffffff"/>
-                </a:solidFill>
-              </a:uFill>
-              <a:latin typeface="Sky Text"/>
-            </a:endParaRPr>
-          </a:p>
-        </p:txBody>
-      </p:sp>
-      <p:sp>
-        <p:nvSpPr>
-          <p:cNvPr id="81" name="PlaceHolder 2"/>
+                  <a:srgbClr val="FFFFFF"/>
+                </a:solidFill>
+              </a:uFill>
+              <a:latin typeface="Sky Text"/>
+            </a:endParaRPr>
+          </a:p>
+        </p:txBody>
+      </p:sp>
+      <p:sp>
+        <p:nvSpPr>
+          <p:cNvPr id="6" name="PlaceHolder 2"/>
           <p:cNvSpPr>
             <a:spLocks noGrp="1"/>
           </p:cNvSpPr>
@@ -2688,15 +2951,16 @@
           </a:prstGeom>
         </p:spPr>
         <p:txBody>
-          <a:bodyPr lIns="0" rIns="0" tIns="0" bIns="0"/>
-          <a:p>
-            <a:endParaRPr b="0" lang="en-US" sz="1800" spc="-1" strike="noStrike">
+          <a:bodyPr lIns="0" tIns="0" rIns="0" bIns="0"/>
+          <a:lstStyle/>
+          <a:p>
+            <a:endParaRPr lang="en-US" sz="1800" b="0" strike="noStrike" spc="-1">
               <a:solidFill>
                 <a:srgbClr val="323232"/>
               </a:solidFill>
               <a:uFill>
                 <a:solidFill>
-                  <a:srgbClr val="ffffff"/>
+                  <a:srgbClr val="FFFFFF"/>
                 </a:solidFill>
               </a:uFill>
               <a:latin typeface="Sky Text"/>
@@ -2706,11 +2970,14 @@
       </p:sp>
     </p:spTree>
   </p:cSld>
+  <p:clrMapOvr>
+    <a:masterClrMapping/>
+  </p:clrMapOvr>
 </p:sldLayout>
 </file>
 
-<file path=ppt/slideLayouts/slideLayout28.xml><?xml version="1.0" encoding="utf-8"?>
-<p:sldLayout xmlns:a="http://schemas.openxmlformats.org/drawingml/2006/main" xmlns:p="http://schemas.openxmlformats.org/presentationml/2006/main" xmlns:r="http://schemas.openxmlformats.org/officeDocument/2006/relationships" xmlns:p14="http://schemas.microsoft.com/office/powerpoint/2010/main" xmlns:p15="http://schemas.microsoft.com/office/powerpoint/2012/main" xmlns:mc="http://schemas.openxmlformats.org/markup-compatibility/2006" type="twoObj" preserve="1">
+<file path=ppt/slideLayouts/slideLayout4.xml><?xml version="1.0" encoding="utf-8"?>
+<p:sldLayout xmlns:a="http://schemas.openxmlformats.org/drawingml/2006/main" xmlns:r="http://schemas.openxmlformats.org/officeDocument/2006/relationships" xmlns:p="http://schemas.openxmlformats.org/presentationml/2006/main" type="twoObj" preserve="1">
   <p:cSld name="Title, 2 Content">
     <p:spTree>
       <p:nvGrpSpPr>
@@ -2728,7 +2995,7 @@
       </p:grpSpPr>
       <p:sp>
         <p:nvSpPr>
-          <p:cNvPr id="82" name="PlaceHolder 1"/>
+          <p:cNvPr id="7" name="PlaceHolder 1"/>
           <p:cNvSpPr>
             <a:spLocks noGrp="1"/>
           </p:cNvSpPr>
@@ -2746,25 +3013,26 @@
           </a:prstGeom>
         </p:spPr>
         <p:txBody>
-          <a:bodyPr lIns="0" rIns="0" tIns="0" bIns="0" anchor="ctr"/>
-          <a:p>
-            <a:endParaRPr b="0" lang="en-US" sz="2300" spc="-1" strike="noStrike">
+          <a:bodyPr lIns="0" tIns="0" rIns="0" bIns="0" anchor="ctr"/>
+          <a:lstStyle/>
+          <a:p>
+            <a:endParaRPr lang="en-US" sz="2300" b="0" strike="noStrike" spc="-1">
               <a:solidFill>
                 <a:srgbClr val="000000"/>
               </a:solidFill>
               <a:uFill>
                 <a:solidFill>
-                  <a:srgbClr val="ffffff"/>
-                </a:solidFill>
-              </a:uFill>
-              <a:latin typeface="Sky Text"/>
-            </a:endParaRPr>
-          </a:p>
-        </p:txBody>
-      </p:sp>
-      <p:sp>
-        <p:nvSpPr>
-          <p:cNvPr id="83" name="PlaceHolder 2"/>
+                  <a:srgbClr val="FFFFFF"/>
+                </a:solidFill>
+              </a:uFill>
+              <a:latin typeface="Sky Text"/>
+            </a:endParaRPr>
+          </a:p>
+        </p:txBody>
+      </p:sp>
+      <p:sp>
+        <p:nvSpPr>
+          <p:cNvPr id="8" name="PlaceHolder 2"/>
           <p:cNvSpPr>
             <a:spLocks noGrp="1"/>
           </p:cNvSpPr>
@@ -2782,25 +3050,26 @@
           </a:prstGeom>
         </p:spPr>
         <p:txBody>
-          <a:bodyPr lIns="0" rIns="0" tIns="0" bIns="0"/>
-          <a:p>
-            <a:endParaRPr b="0" lang="en-US" sz="1800" spc="-1" strike="noStrike">
+          <a:bodyPr lIns="0" tIns="0" rIns="0" bIns="0"/>
+          <a:lstStyle/>
+          <a:p>
+            <a:endParaRPr lang="en-US" sz="1800" b="0" strike="noStrike" spc="-1">
               <a:solidFill>
                 <a:srgbClr val="323232"/>
               </a:solidFill>
               <a:uFill>
                 <a:solidFill>
-                  <a:srgbClr val="ffffff"/>
-                </a:solidFill>
-              </a:uFill>
-              <a:latin typeface="Sky Text"/>
-            </a:endParaRPr>
-          </a:p>
-        </p:txBody>
-      </p:sp>
-      <p:sp>
-        <p:nvSpPr>
-          <p:cNvPr id="84" name="PlaceHolder 3"/>
+                  <a:srgbClr val="FFFFFF"/>
+                </a:solidFill>
+              </a:uFill>
+              <a:latin typeface="Sky Text"/>
+            </a:endParaRPr>
+          </a:p>
+        </p:txBody>
+      </p:sp>
+      <p:sp>
+        <p:nvSpPr>
+          <p:cNvPr id="9" name="PlaceHolder 3"/>
           <p:cNvSpPr>
             <a:spLocks noGrp="1"/>
           </p:cNvSpPr>
@@ -2818,15 +3087,16 @@
           </a:prstGeom>
         </p:spPr>
         <p:txBody>
-          <a:bodyPr lIns="0" rIns="0" tIns="0" bIns="0"/>
-          <a:p>
-            <a:endParaRPr b="0" lang="en-US" sz="1800" spc="-1" strike="noStrike">
+          <a:bodyPr lIns="0" tIns="0" rIns="0" bIns="0"/>
+          <a:lstStyle/>
+          <a:p>
+            <a:endParaRPr lang="en-US" sz="1800" b="0" strike="noStrike" spc="-1">
               <a:solidFill>
                 <a:srgbClr val="323232"/>
               </a:solidFill>
               <a:uFill>
                 <a:solidFill>
-                  <a:srgbClr val="ffffff"/>
+                  <a:srgbClr val="FFFFFF"/>
                 </a:solidFill>
               </a:uFill>
               <a:latin typeface="Sky Text"/>
@@ -2836,11 +3106,14 @@
       </p:sp>
     </p:spTree>
   </p:cSld>
+  <p:clrMapOvr>
+    <a:masterClrMapping/>
+  </p:clrMapOvr>
 </p:sldLayout>
 </file>
 
-<file path=ppt/slideLayouts/slideLayout29.xml><?xml version="1.0" encoding="utf-8"?>
-<p:sldLayout xmlns:a="http://schemas.openxmlformats.org/drawingml/2006/main" xmlns:p="http://schemas.openxmlformats.org/presentationml/2006/main" xmlns:r="http://schemas.openxmlformats.org/officeDocument/2006/relationships" xmlns:p14="http://schemas.microsoft.com/office/powerpoint/2010/main" xmlns:p15="http://schemas.microsoft.com/office/powerpoint/2012/main" xmlns:mc="http://schemas.openxmlformats.org/markup-compatibility/2006" type="titleOnly" preserve="1">
+<file path=ppt/slideLayouts/slideLayout5.xml><?xml version="1.0" encoding="utf-8"?>
+<p:sldLayout xmlns:a="http://schemas.openxmlformats.org/drawingml/2006/main" xmlns:r="http://schemas.openxmlformats.org/officeDocument/2006/relationships" xmlns:p="http://schemas.openxmlformats.org/presentationml/2006/main" type="titleOnly" preserve="1">
   <p:cSld name="Title Only">
     <p:spTree>
       <p:nvGrpSpPr>
@@ -2858,7 +3131,7 @@
       </p:grpSpPr>
       <p:sp>
         <p:nvSpPr>
-          <p:cNvPr id="85" name="PlaceHolder 1"/>
+          <p:cNvPr id="10" name="PlaceHolder 1"/>
           <p:cNvSpPr>
             <a:spLocks noGrp="1"/>
           </p:cNvSpPr>
@@ -2876,15 +3149,16 @@
           </a:prstGeom>
         </p:spPr>
         <p:txBody>
-          <a:bodyPr lIns="0" rIns="0" tIns="0" bIns="0" anchor="ctr"/>
-          <a:p>
-            <a:endParaRPr b="0" lang="en-US" sz="2300" spc="-1" strike="noStrike">
+          <a:bodyPr lIns="0" tIns="0" rIns="0" bIns="0" anchor="ctr"/>
+          <a:lstStyle/>
+          <a:p>
+            <a:endParaRPr lang="en-US" sz="2300" b="0" strike="noStrike" spc="-1">
               <a:solidFill>
                 <a:srgbClr val="000000"/>
               </a:solidFill>
               <a:uFill>
                 <a:solidFill>
-                  <a:srgbClr val="ffffff"/>
+                  <a:srgbClr val="FFFFFF"/>
                 </a:solidFill>
               </a:uFill>
               <a:latin typeface="Sky Text"/>
@@ -2894,105 +3168,14 @@
       </p:sp>
     </p:spTree>
   </p:cSld>
+  <p:clrMapOvr>
+    <a:masterClrMapping/>
+  </p:clrMapOvr>
 </p:sldLayout>
 </file>
 
-<file path=ppt/slideLayouts/slideLayout3.xml><?xml version="1.0" encoding="utf-8"?>
-<p:sldLayout xmlns:a="http://schemas.openxmlformats.org/drawingml/2006/main" xmlns:p="http://schemas.openxmlformats.org/presentationml/2006/main" xmlns:r="http://schemas.openxmlformats.org/officeDocument/2006/relationships" xmlns:p14="http://schemas.microsoft.com/office/powerpoint/2010/main" xmlns:p15="http://schemas.microsoft.com/office/powerpoint/2012/main" xmlns:mc="http://schemas.openxmlformats.org/markup-compatibility/2006" type="obj" preserve="1">
-  <p:cSld name="Title, Content">
-    <p:spTree>
-      <p:nvGrpSpPr>
-        <p:cNvPr id="1" name=""/>
-        <p:cNvGrpSpPr/>
-        <p:nvPr/>
-      </p:nvGrpSpPr>
-      <p:grpSpPr>
-        <a:xfrm>
-          <a:off x="0" y="0"/>
-          <a:ext cx="0" cy="0"/>
-          <a:chOff x="0" y="0"/>
-          <a:chExt cx="0" cy="0"/>
-        </a:xfrm>
-      </p:grpSpPr>
-      <p:sp>
-        <p:nvSpPr>
-          <p:cNvPr id="5" name="PlaceHolder 1"/>
-          <p:cNvSpPr>
-            <a:spLocks noGrp="1"/>
-          </p:cNvSpPr>
-          <p:nvPr>
-            <p:ph type="title"/>
-          </p:nvPr>
-        </p:nvSpPr>
-        <p:spPr>
-          <a:xfrm>
-            <a:off x="596880" y="2782800"/>
-            <a:ext cx="10510560" cy="1017360"/>
-          </a:xfrm>
-          <a:prstGeom prst="rect">
-            <a:avLst/>
-          </a:prstGeom>
-        </p:spPr>
-        <p:txBody>
-          <a:bodyPr lIns="0" rIns="0" tIns="0" bIns="0" anchor="ctr"/>
-          <a:p>
-            <a:endParaRPr b="0" lang="en-US" sz="2300" spc="-1" strike="noStrike">
-              <a:solidFill>
-                <a:srgbClr val="000000"/>
-              </a:solidFill>
-              <a:uFill>
-                <a:solidFill>
-                  <a:srgbClr val="ffffff"/>
-                </a:solidFill>
-              </a:uFill>
-              <a:latin typeface="Sky Text"/>
-            </a:endParaRPr>
-          </a:p>
-        </p:txBody>
-      </p:sp>
-      <p:sp>
-        <p:nvSpPr>
-          <p:cNvPr id="6" name="PlaceHolder 2"/>
-          <p:cNvSpPr>
-            <a:spLocks noGrp="1"/>
-          </p:cNvSpPr>
-          <p:nvPr>
-            <p:ph type="body"/>
-          </p:nvPr>
-        </p:nvSpPr>
-        <p:spPr>
-          <a:xfrm>
-            <a:off x="585000" y="1540440"/>
-            <a:ext cx="10533600" cy="3817800"/>
-          </a:xfrm>
-          <a:prstGeom prst="rect">
-            <a:avLst/>
-          </a:prstGeom>
-        </p:spPr>
-        <p:txBody>
-          <a:bodyPr lIns="0" rIns="0" tIns="0" bIns="0"/>
-          <a:p>
-            <a:endParaRPr b="0" lang="en-US" sz="1800" spc="-1" strike="noStrike">
-              <a:solidFill>
-                <a:srgbClr val="323232"/>
-              </a:solidFill>
-              <a:uFill>
-                <a:solidFill>
-                  <a:srgbClr val="ffffff"/>
-                </a:solidFill>
-              </a:uFill>
-              <a:latin typeface="Sky Text"/>
-            </a:endParaRPr>
-          </a:p>
-        </p:txBody>
-      </p:sp>
-    </p:spTree>
-  </p:cSld>
-</p:sldLayout>
-</file>
-
-<file path=ppt/slideLayouts/slideLayout30.xml><?xml version="1.0" encoding="utf-8"?>
-<p:sldLayout xmlns:a="http://schemas.openxmlformats.org/drawingml/2006/main" xmlns:p="http://schemas.openxmlformats.org/presentationml/2006/main" xmlns:r="http://schemas.openxmlformats.org/officeDocument/2006/relationships" xmlns:p14="http://schemas.microsoft.com/office/powerpoint/2010/main" xmlns:p15="http://schemas.microsoft.com/office/powerpoint/2012/main" xmlns:mc="http://schemas.openxmlformats.org/markup-compatibility/2006" type="objOnly" preserve="1">
+<file path=ppt/slideLayouts/slideLayout6.xml><?xml version="1.0" encoding="utf-8"?>
+<p:sldLayout xmlns:a="http://schemas.openxmlformats.org/drawingml/2006/main" xmlns:r="http://schemas.openxmlformats.org/officeDocument/2006/relationships" xmlns:p="http://schemas.openxmlformats.org/presentationml/2006/main" type="objOnly" preserve="1">
   <p:cSld name="Centered Text">
     <p:spTree>
       <p:nvGrpSpPr>
@@ -3010,7 +3193,7 @@
       </p:grpSpPr>
       <p:sp>
         <p:nvSpPr>
-          <p:cNvPr id="86" name="PlaceHolder 1"/>
+          <p:cNvPr id="11" name="PlaceHolder 1"/>
           <p:cNvSpPr>
             <a:spLocks noGrp="1"/>
           </p:cNvSpPr>
@@ -3028,16 +3211,17 @@
           </a:prstGeom>
         </p:spPr>
         <p:txBody>
-          <a:bodyPr lIns="0" rIns="0" tIns="0" bIns="0" anchor="ctr"/>
+          <a:bodyPr lIns="0" tIns="0" rIns="0" bIns="0" anchor="ctr"/>
+          <a:lstStyle/>
           <a:p>
             <a:pPr algn="ctr"/>
-            <a:endParaRPr b="0" lang="pt-PT" sz="3200" spc="-1" strike="noStrike">
+            <a:endParaRPr lang="pt-PT" sz="3200" b="0" strike="noStrike" spc="-1">
               <a:solidFill>
                 <a:srgbClr val="000000"/>
               </a:solidFill>
               <a:uFill>
                 <a:solidFill>
-                  <a:srgbClr val="ffffff"/>
+                  <a:srgbClr val="FFFFFF"/>
                 </a:solidFill>
               </a:uFill>
               <a:latin typeface="Arial"/>
@@ -3047,11 +3231,14 @@
       </p:sp>
     </p:spTree>
   </p:cSld>
+  <p:clrMapOvr>
+    <a:masterClrMapping/>
+  </p:clrMapOvr>
 </p:sldLayout>
 </file>
 
-<file path=ppt/slideLayouts/slideLayout31.xml><?xml version="1.0" encoding="utf-8"?>
-<p:sldLayout xmlns:a="http://schemas.openxmlformats.org/drawingml/2006/main" xmlns:p="http://schemas.openxmlformats.org/presentationml/2006/main" xmlns:r="http://schemas.openxmlformats.org/officeDocument/2006/relationships" xmlns:p14="http://schemas.microsoft.com/office/powerpoint/2010/main" xmlns:p15="http://schemas.microsoft.com/office/powerpoint/2012/main" xmlns:mc="http://schemas.openxmlformats.org/markup-compatibility/2006" type="twoObjAndObj" preserve="1">
+<file path=ppt/slideLayouts/slideLayout7.xml><?xml version="1.0" encoding="utf-8"?>
+<p:sldLayout xmlns:a="http://schemas.openxmlformats.org/drawingml/2006/main" xmlns:r="http://schemas.openxmlformats.org/officeDocument/2006/relationships" xmlns:p="http://schemas.openxmlformats.org/presentationml/2006/main" type="twoObjAndObj" preserve="1">
   <p:cSld name="Title, 2 Content and Content">
     <p:spTree>
       <p:nvGrpSpPr>
@@ -3069,7 +3256,7 @@
       </p:grpSpPr>
       <p:sp>
         <p:nvSpPr>
-          <p:cNvPr id="87" name="PlaceHolder 1"/>
+          <p:cNvPr id="12" name="PlaceHolder 1"/>
           <p:cNvSpPr>
             <a:spLocks noGrp="1"/>
           </p:cNvSpPr>
@@ -3087,25 +3274,26 @@
           </a:prstGeom>
         </p:spPr>
         <p:txBody>
-          <a:bodyPr lIns="0" rIns="0" tIns="0" bIns="0" anchor="ctr"/>
-          <a:p>
-            <a:endParaRPr b="0" lang="en-US" sz="2300" spc="-1" strike="noStrike">
+          <a:bodyPr lIns="0" tIns="0" rIns="0" bIns="0" anchor="ctr"/>
+          <a:lstStyle/>
+          <a:p>
+            <a:endParaRPr lang="en-US" sz="2300" b="0" strike="noStrike" spc="-1">
               <a:solidFill>
                 <a:srgbClr val="000000"/>
               </a:solidFill>
               <a:uFill>
                 <a:solidFill>
-                  <a:srgbClr val="ffffff"/>
-                </a:solidFill>
-              </a:uFill>
-              <a:latin typeface="Sky Text"/>
-            </a:endParaRPr>
-          </a:p>
-        </p:txBody>
-      </p:sp>
-      <p:sp>
-        <p:nvSpPr>
-          <p:cNvPr id="88" name="PlaceHolder 2"/>
+                  <a:srgbClr val="FFFFFF"/>
+                </a:solidFill>
+              </a:uFill>
+              <a:latin typeface="Sky Text"/>
+            </a:endParaRPr>
+          </a:p>
+        </p:txBody>
+      </p:sp>
+      <p:sp>
+        <p:nvSpPr>
+          <p:cNvPr id="13" name="PlaceHolder 2"/>
           <p:cNvSpPr>
             <a:spLocks noGrp="1"/>
           </p:cNvSpPr>
@@ -3123,25 +3311,26 @@
           </a:prstGeom>
         </p:spPr>
         <p:txBody>
-          <a:bodyPr lIns="0" rIns="0" tIns="0" bIns="0"/>
-          <a:p>
-            <a:endParaRPr b="0" lang="en-US" sz="1800" spc="-1" strike="noStrike">
+          <a:bodyPr lIns="0" tIns="0" rIns="0" bIns="0"/>
+          <a:lstStyle/>
+          <a:p>
+            <a:endParaRPr lang="en-US" sz="1800" b="0" strike="noStrike" spc="-1">
               <a:solidFill>
                 <a:srgbClr val="323232"/>
               </a:solidFill>
               <a:uFill>
                 <a:solidFill>
-                  <a:srgbClr val="ffffff"/>
-                </a:solidFill>
-              </a:uFill>
-              <a:latin typeface="Sky Text"/>
-            </a:endParaRPr>
-          </a:p>
-        </p:txBody>
-      </p:sp>
-      <p:sp>
-        <p:nvSpPr>
-          <p:cNvPr id="89" name="PlaceHolder 3"/>
+                  <a:srgbClr val="FFFFFF"/>
+                </a:solidFill>
+              </a:uFill>
+              <a:latin typeface="Sky Text"/>
+            </a:endParaRPr>
+          </a:p>
+        </p:txBody>
+      </p:sp>
+      <p:sp>
+        <p:nvSpPr>
+          <p:cNvPr id="14" name="PlaceHolder 3"/>
           <p:cNvSpPr>
             <a:spLocks noGrp="1"/>
           </p:cNvSpPr>
@@ -3159,25 +3348,26 @@
           </a:prstGeom>
         </p:spPr>
         <p:txBody>
-          <a:bodyPr lIns="0" rIns="0" tIns="0" bIns="0"/>
-          <a:p>
-            <a:endParaRPr b="0" lang="en-US" sz="1800" spc="-1" strike="noStrike">
+          <a:bodyPr lIns="0" tIns="0" rIns="0" bIns="0"/>
+          <a:lstStyle/>
+          <a:p>
+            <a:endParaRPr lang="en-US" sz="1800" b="0" strike="noStrike" spc="-1">
               <a:solidFill>
                 <a:srgbClr val="323232"/>
               </a:solidFill>
               <a:uFill>
                 <a:solidFill>
-                  <a:srgbClr val="ffffff"/>
-                </a:solidFill>
-              </a:uFill>
-              <a:latin typeface="Sky Text"/>
-            </a:endParaRPr>
-          </a:p>
-        </p:txBody>
-      </p:sp>
-      <p:sp>
-        <p:nvSpPr>
-          <p:cNvPr id="90" name="PlaceHolder 4"/>
+                  <a:srgbClr val="FFFFFF"/>
+                </a:solidFill>
+              </a:uFill>
+              <a:latin typeface="Sky Text"/>
+            </a:endParaRPr>
+          </a:p>
+        </p:txBody>
+      </p:sp>
+      <p:sp>
+        <p:nvSpPr>
+          <p:cNvPr id="15" name="PlaceHolder 4"/>
           <p:cNvSpPr>
             <a:spLocks noGrp="1"/>
           </p:cNvSpPr>
@@ -3195,15 +3385,16 @@
           </a:prstGeom>
         </p:spPr>
         <p:txBody>
-          <a:bodyPr lIns="0" rIns="0" tIns="0" bIns="0"/>
-          <a:p>
-            <a:endParaRPr b="0" lang="en-US" sz="1800" spc="-1" strike="noStrike">
+          <a:bodyPr lIns="0" tIns="0" rIns="0" bIns="0"/>
+          <a:lstStyle/>
+          <a:p>
+            <a:endParaRPr lang="en-US" sz="1800" b="0" strike="noStrike" spc="-1">
               <a:solidFill>
                 <a:srgbClr val="323232"/>
               </a:solidFill>
               <a:uFill>
                 <a:solidFill>
-                  <a:srgbClr val="ffffff"/>
+                  <a:srgbClr val="FFFFFF"/>
                 </a:solidFill>
               </a:uFill>
               <a:latin typeface="Sky Text"/>
@@ -3213,11 +3404,14 @@
       </p:sp>
     </p:spTree>
   </p:cSld>
+  <p:clrMapOvr>
+    <a:masterClrMapping/>
+  </p:clrMapOvr>
 </p:sldLayout>
 </file>
 
-<file path=ppt/slideLayouts/slideLayout32.xml><?xml version="1.0" encoding="utf-8"?>
-<p:sldLayout xmlns:a="http://schemas.openxmlformats.org/drawingml/2006/main" xmlns:p="http://schemas.openxmlformats.org/presentationml/2006/main" xmlns:r="http://schemas.openxmlformats.org/officeDocument/2006/relationships" xmlns:p14="http://schemas.microsoft.com/office/powerpoint/2010/main" xmlns:p15="http://schemas.microsoft.com/office/powerpoint/2012/main" xmlns:mc="http://schemas.openxmlformats.org/markup-compatibility/2006" type="objAndTwoObj" preserve="1">
+<file path=ppt/slideLayouts/slideLayout8.xml><?xml version="1.0" encoding="utf-8"?>
+<p:sldLayout xmlns:a="http://schemas.openxmlformats.org/drawingml/2006/main" xmlns:r="http://schemas.openxmlformats.org/officeDocument/2006/relationships" xmlns:p="http://schemas.openxmlformats.org/presentationml/2006/main" type="objAndTwoObj" preserve="1">
   <p:cSld name="Title Content and 2 Content">
     <p:spTree>
       <p:nvGrpSpPr>
@@ -3235,7 +3429,7 @@
       </p:grpSpPr>
       <p:sp>
         <p:nvSpPr>
-          <p:cNvPr id="91" name="PlaceHolder 1"/>
+          <p:cNvPr id="16" name="PlaceHolder 1"/>
           <p:cNvSpPr>
             <a:spLocks noGrp="1"/>
           </p:cNvSpPr>
@@ -3253,25 +3447,26 @@
           </a:prstGeom>
         </p:spPr>
         <p:txBody>
-          <a:bodyPr lIns="0" rIns="0" tIns="0" bIns="0" anchor="ctr"/>
-          <a:p>
-            <a:endParaRPr b="0" lang="en-US" sz="2300" spc="-1" strike="noStrike">
+          <a:bodyPr lIns="0" tIns="0" rIns="0" bIns="0" anchor="ctr"/>
+          <a:lstStyle/>
+          <a:p>
+            <a:endParaRPr lang="en-US" sz="2300" b="0" strike="noStrike" spc="-1">
               <a:solidFill>
                 <a:srgbClr val="000000"/>
               </a:solidFill>
               <a:uFill>
                 <a:solidFill>
-                  <a:srgbClr val="ffffff"/>
-                </a:solidFill>
-              </a:uFill>
-              <a:latin typeface="Sky Text"/>
-            </a:endParaRPr>
-          </a:p>
-        </p:txBody>
-      </p:sp>
-      <p:sp>
-        <p:nvSpPr>
-          <p:cNvPr id="92" name="PlaceHolder 2"/>
+                  <a:srgbClr val="FFFFFF"/>
+                </a:solidFill>
+              </a:uFill>
+              <a:latin typeface="Sky Text"/>
+            </a:endParaRPr>
+          </a:p>
+        </p:txBody>
+      </p:sp>
+      <p:sp>
+        <p:nvSpPr>
+          <p:cNvPr id="17" name="PlaceHolder 2"/>
           <p:cNvSpPr>
             <a:spLocks noGrp="1"/>
           </p:cNvSpPr>
@@ -3289,25 +3484,26 @@
           </a:prstGeom>
         </p:spPr>
         <p:txBody>
-          <a:bodyPr lIns="0" rIns="0" tIns="0" bIns="0"/>
-          <a:p>
-            <a:endParaRPr b="0" lang="en-US" sz="1800" spc="-1" strike="noStrike">
+          <a:bodyPr lIns="0" tIns="0" rIns="0" bIns="0"/>
+          <a:lstStyle/>
+          <a:p>
+            <a:endParaRPr lang="en-US" sz="1800" b="0" strike="noStrike" spc="-1">
               <a:solidFill>
                 <a:srgbClr val="323232"/>
               </a:solidFill>
               <a:uFill>
                 <a:solidFill>
-                  <a:srgbClr val="ffffff"/>
-                </a:solidFill>
-              </a:uFill>
-              <a:latin typeface="Sky Text"/>
-            </a:endParaRPr>
-          </a:p>
-        </p:txBody>
-      </p:sp>
-      <p:sp>
-        <p:nvSpPr>
-          <p:cNvPr id="93" name="PlaceHolder 3"/>
+                  <a:srgbClr val="FFFFFF"/>
+                </a:solidFill>
+              </a:uFill>
+              <a:latin typeface="Sky Text"/>
+            </a:endParaRPr>
+          </a:p>
+        </p:txBody>
+      </p:sp>
+      <p:sp>
+        <p:nvSpPr>
+          <p:cNvPr id="18" name="PlaceHolder 3"/>
           <p:cNvSpPr>
             <a:spLocks noGrp="1"/>
           </p:cNvSpPr>
@@ -3325,25 +3521,26 @@
           </a:prstGeom>
         </p:spPr>
         <p:txBody>
-          <a:bodyPr lIns="0" rIns="0" tIns="0" bIns="0"/>
-          <a:p>
-            <a:endParaRPr b="0" lang="en-US" sz="1800" spc="-1" strike="noStrike">
+          <a:bodyPr lIns="0" tIns="0" rIns="0" bIns="0"/>
+          <a:lstStyle/>
+          <a:p>
+            <a:endParaRPr lang="en-US" sz="1800" b="0" strike="noStrike" spc="-1">
               <a:solidFill>
                 <a:srgbClr val="323232"/>
               </a:solidFill>
               <a:uFill>
                 <a:solidFill>
-                  <a:srgbClr val="ffffff"/>
-                </a:solidFill>
-              </a:uFill>
-              <a:latin typeface="Sky Text"/>
-            </a:endParaRPr>
-          </a:p>
-        </p:txBody>
-      </p:sp>
-      <p:sp>
-        <p:nvSpPr>
-          <p:cNvPr id="94" name="PlaceHolder 4"/>
+                  <a:srgbClr val="FFFFFF"/>
+                </a:solidFill>
+              </a:uFill>
+              <a:latin typeface="Sky Text"/>
+            </a:endParaRPr>
+          </a:p>
+        </p:txBody>
+      </p:sp>
+      <p:sp>
+        <p:nvSpPr>
+          <p:cNvPr id="19" name="PlaceHolder 4"/>
           <p:cNvSpPr>
             <a:spLocks noGrp="1"/>
           </p:cNvSpPr>
@@ -3361,15 +3558,16 @@
           </a:prstGeom>
         </p:spPr>
         <p:txBody>
-          <a:bodyPr lIns="0" rIns="0" tIns="0" bIns="0"/>
-          <a:p>
-            <a:endParaRPr b="0" lang="en-US" sz="1800" spc="-1" strike="noStrike">
+          <a:bodyPr lIns="0" tIns="0" rIns="0" bIns="0"/>
+          <a:lstStyle/>
+          <a:p>
+            <a:endParaRPr lang="en-US" sz="1800" b="0" strike="noStrike" spc="-1">
               <a:solidFill>
                 <a:srgbClr val="323232"/>
               </a:solidFill>
               <a:uFill>
                 <a:solidFill>
-                  <a:srgbClr val="ffffff"/>
+                  <a:srgbClr val="FFFFFF"/>
                 </a:solidFill>
               </a:uFill>
               <a:latin typeface="Sky Text"/>
@@ -3379,11 +3577,14 @@
       </p:sp>
     </p:spTree>
   </p:cSld>
+  <p:clrMapOvr>
+    <a:masterClrMapping/>
+  </p:clrMapOvr>
 </p:sldLayout>
 </file>
 
-<file path=ppt/slideLayouts/slideLayout33.xml><?xml version="1.0" encoding="utf-8"?>
-<p:sldLayout xmlns:a="http://schemas.openxmlformats.org/drawingml/2006/main" xmlns:p="http://schemas.openxmlformats.org/presentationml/2006/main" xmlns:r="http://schemas.openxmlformats.org/officeDocument/2006/relationships" xmlns:p14="http://schemas.microsoft.com/office/powerpoint/2010/main" xmlns:p15="http://schemas.microsoft.com/office/powerpoint/2012/main" xmlns:mc="http://schemas.openxmlformats.org/markup-compatibility/2006" type="twoObjOverTx" preserve="1">
+<file path=ppt/slideLayouts/slideLayout9.xml><?xml version="1.0" encoding="utf-8"?>
+<p:sldLayout xmlns:a="http://schemas.openxmlformats.org/drawingml/2006/main" xmlns:r="http://schemas.openxmlformats.org/officeDocument/2006/relationships" xmlns:p="http://schemas.openxmlformats.org/presentationml/2006/main" type="twoObjOverTx" preserve="1">
   <p:cSld name="Title, 2 Content over Content">
     <p:spTree>
       <p:nvGrpSpPr>
@@ -3401,1259 +3602,6 @@
       </p:grpSpPr>
       <p:sp>
         <p:nvSpPr>
-          <p:cNvPr id="95" name="PlaceHolder 1"/>
-          <p:cNvSpPr>
-            <a:spLocks noGrp="1"/>
-          </p:cNvSpPr>
-          <p:nvPr>
-            <p:ph type="title"/>
-          </p:nvPr>
-        </p:nvSpPr>
-        <p:spPr>
-          <a:xfrm>
-            <a:off x="596880" y="2782800"/>
-            <a:ext cx="10510560" cy="1017360"/>
-          </a:xfrm>
-          <a:prstGeom prst="rect">
-            <a:avLst/>
-          </a:prstGeom>
-        </p:spPr>
-        <p:txBody>
-          <a:bodyPr lIns="0" rIns="0" tIns="0" bIns="0" anchor="ctr"/>
-          <a:p>
-            <a:endParaRPr b="0" lang="en-US" sz="2300" spc="-1" strike="noStrike">
-              <a:solidFill>
-                <a:srgbClr val="000000"/>
-              </a:solidFill>
-              <a:uFill>
-                <a:solidFill>
-                  <a:srgbClr val="ffffff"/>
-                </a:solidFill>
-              </a:uFill>
-              <a:latin typeface="Sky Text"/>
-            </a:endParaRPr>
-          </a:p>
-        </p:txBody>
-      </p:sp>
-      <p:sp>
-        <p:nvSpPr>
-          <p:cNvPr id="96" name="PlaceHolder 2"/>
-          <p:cNvSpPr>
-            <a:spLocks noGrp="1"/>
-          </p:cNvSpPr>
-          <p:nvPr>
-            <p:ph type="body"/>
-          </p:nvPr>
-        </p:nvSpPr>
-        <p:spPr>
-          <a:xfrm>
-            <a:off x="585000" y="1540440"/>
-            <a:ext cx="5140080" cy="1820880"/>
-          </a:xfrm>
-          <a:prstGeom prst="rect">
-            <a:avLst/>
-          </a:prstGeom>
-        </p:spPr>
-        <p:txBody>
-          <a:bodyPr lIns="0" rIns="0" tIns="0" bIns="0"/>
-          <a:p>
-            <a:endParaRPr b="0" lang="en-US" sz="1800" spc="-1" strike="noStrike">
-              <a:solidFill>
-                <a:srgbClr val="323232"/>
-              </a:solidFill>
-              <a:uFill>
-                <a:solidFill>
-                  <a:srgbClr val="ffffff"/>
-                </a:solidFill>
-              </a:uFill>
-              <a:latin typeface="Sky Text"/>
-            </a:endParaRPr>
-          </a:p>
-        </p:txBody>
-      </p:sp>
-      <p:sp>
-        <p:nvSpPr>
-          <p:cNvPr id="97" name="PlaceHolder 3"/>
-          <p:cNvSpPr>
-            <a:spLocks noGrp="1"/>
-          </p:cNvSpPr>
-          <p:nvPr>
-            <p:ph type="body"/>
-          </p:nvPr>
-        </p:nvSpPr>
-        <p:spPr>
-          <a:xfrm>
-            <a:off x="5982480" y="1540440"/>
-            <a:ext cx="5140080" cy="1820880"/>
-          </a:xfrm>
-          <a:prstGeom prst="rect">
-            <a:avLst/>
-          </a:prstGeom>
-        </p:spPr>
-        <p:txBody>
-          <a:bodyPr lIns="0" rIns="0" tIns="0" bIns="0"/>
-          <a:p>
-            <a:endParaRPr b="0" lang="en-US" sz="1800" spc="-1" strike="noStrike">
-              <a:solidFill>
-                <a:srgbClr val="323232"/>
-              </a:solidFill>
-              <a:uFill>
-                <a:solidFill>
-                  <a:srgbClr val="ffffff"/>
-                </a:solidFill>
-              </a:uFill>
-              <a:latin typeface="Sky Text"/>
-            </a:endParaRPr>
-          </a:p>
-        </p:txBody>
-      </p:sp>
-      <p:sp>
-        <p:nvSpPr>
-          <p:cNvPr id="98" name="PlaceHolder 4"/>
-          <p:cNvSpPr>
-            <a:spLocks noGrp="1"/>
-          </p:cNvSpPr>
-          <p:nvPr>
-            <p:ph type="body"/>
-          </p:nvPr>
-        </p:nvSpPr>
-        <p:spPr>
-          <a:xfrm>
-            <a:off x="585000" y="3534840"/>
-            <a:ext cx="10533600" cy="1820880"/>
-          </a:xfrm>
-          <a:prstGeom prst="rect">
-            <a:avLst/>
-          </a:prstGeom>
-        </p:spPr>
-        <p:txBody>
-          <a:bodyPr lIns="0" rIns="0" tIns="0" bIns="0"/>
-          <a:p>
-            <a:endParaRPr b="0" lang="en-US" sz="1800" spc="-1" strike="noStrike">
-              <a:solidFill>
-                <a:srgbClr val="323232"/>
-              </a:solidFill>
-              <a:uFill>
-                <a:solidFill>
-                  <a:srgbClr val="ffffff"/>
-                </a:solidFill>
-              </a:uFill>
-              <a:latin typeface="Sky Text"/>
-            </a:endParaRPr>
-          </a:p>
-        </p:txBody>
-      </p:sp>
-    </p:spTree>
-  </p:cSld>
-</p:sldLayout>
-</file>
-
-<file path=ppt/slideLayouts/slideLayout34.xml><?xml version="1.0" encoding="utf-8"?>
-<p:sldLayout xmlns:a="http://schemas.openxmlformats.org/drawingml/2006/main" xmlns:p="http://schemas.openxmlformats.org/presentationml/2006/main" xmlns:r="http://schemas.openxmlformats.org/officeDocument/2006/relationships" xmlns:p14="http://schemas.microsoft.com/office/powerpoint/2010/main" xmlns:p15="http://schemas.microsoft.com/office/powerpoint/2012/main" xmlns:mc="http://schemas.openxmlformats.org/markup-compatibility/2006" type="objOverTx" preserve="1">
-  <p:cSld name="Title, Content over Content">
-    <p:spTree>
-      <p:nvGrpSpPr>
-        <p:cNvPr id="1" name=""/>
-        <p:cNvGrpSpPr/>
-        <p:nvPr/>
-      </p:nvGrpSpPr>
-      <p:grpSpPr>
-        <a:xfrm>
-          <a:off x="0" y="0"/>
-          <a:ext cx="0" cy="0"/>
-          <a:chOff x="0" y="0"/>
-          <a:chExt cx="0" cy="0"/>
-        </a:xfrm>
-      </p:grpSpPr>
-      <p:sp>
-        <p:nvSpPr>
-          <p:cNvPr id="99" name="PlaceHolder 1"/>
-          <p:cNvSpPr>
-            <a:spLocks noGrp="1"/>
-          </p:cNvSpPr>
-          <p:nvPr>
-            <p:ph type="title"/>
-          </p:nvPr>
-        </p:nvSpPr>
-        <p:spPr>
-          <a:xfrm>
-            <a:off x="596880" y="2782800"/>
-            <a:ext cx="10510560" cy="1017360"/>
-          </a:xfrm>
-          <a:prstGeom prst="rect">
-            <a:avLst/>
-          </a:prstGeom>
-        </p:spPr>
-        <p:txBody>
-          <a:bodyPr lIns="0" rIns="0" tIns="0" bIns="0" anchor="ctr"/>
-          <a:p>
-            <a:endParaRPr b="0" lang="en-US" sz="2300" spc="-1" strike="noStrike">
-              <a:solidFill>
-                <a:srgbClr val="000000"/>
-              </a:solidFill>
-              <a:uFill>
-                <a:solidFill>
-                  <a:srgbClr val="ffffff"/>
-                </a:solidFill>
-              </a:uFill>
-              <a:latin typeface="Sky Text"/>
-            </a:endParaRPr>
-          </a:p>
-        </p:txBody>
-      </p:sp>
-      <p:sp>
-        <p:nvSpPr>
-          <p:cNvPr id="100" name="PlaceHolder 2"/>
-          <p:cNvSpPr>
-            <a:spLocks noGrp="1"/>
-          </p:cNvSpPr>
-          <p:nvPr>
-            <p:ph type="body"/>
-          </p:nvPr>
-        </p:nvSpPr>
-        <p:spPr>
-          <a:xfrm>
-            <a:off x="585000" y="1540440"/>
-            <a:ext cx="10533600" cy="1820880"/>
-          </a:xfrm>
-          <a:prstGeom prst="rect">
-            <a:avLst/>
-          </a:prstGeom>
-        </p:spPr>
-        <p:txBody>
-          <a:bodyPr lIns="0" rIns="0" tIns="0" bIns="0"/>
-          <a:p>
-            <a:endParaRPr b="0" lang="en-US" sz="1800" spc="-1" strike="noStrike">
-              <a:solidFill>
-                <a:srgbClr val="323232"/>
-              </a:solidFill>
-              <a:uFill>
-                <a:solidFill>
-                  <a:srgbClr val="ffffff"/>
-                </a:solidFill>
-              </a:uFill>
-              <a:latin typeface="Sky Text"/>
-            </a:endParaRPr>
-          </a:p>
-        </p:txBody>
-      </p:sp>
-      <p:sp>
-        <p:nvSpPr>
-          <p:cNvPr id="101" name="PlaceHolder 3"/>
-          <p:cNvSpPr>
-            <a:spLocks noGrp="1"/>
-          </p:cNvSpPr>
-          <p:nvPr>
-            <p:ph type="body"/>
-          </p:nvPr>
-        </p:nvSpPr>
-        <p:spPr>
-          <a:xfrm>
-            <a:off x="585000" y="3534840"/>
-            <a:ext cx="10533600" cy="1820880"/>
-          </a:xfrm>
-          <a:prstGeom prst="rect">
-            <a:avLst/>
-          </a:prstGeom>
-        </p:spPr>
-        <p:txBody>
-          <a:bodyPr lIns="0" rIns="0" tIns="0" bIns="0"/>
-          <a:p>
-            <a:endParaRPr b="0" lang="en-US" sz="1800" spc="-1" strike="noStrike">
-              <a:solidFill>
-                <a:srgbClr val="323232"/>
-              </a:solidFill>
-              <a:uFill>
-                <a:solidFill>
-                  <a:srgbClr val="ffffff"/>
-                </a:solidFill>
-              </a:uFill>
-              <a:latin typeface="Sky Text"/>
-            </a:endParaRPr>
-          </a:p>
-        </p:txBody>
-      </p:sp>
-    </p:spTree>
-  </p:cSld>
-</p:sldLayout>
-</file>
-
-<file path=ppt/slideLayouts/slideLayout35.xml><?xml version="1.0" encoding="utf-8"?>
-<p:sldLayout xmlns:a="http://schemas.openxmlformats.org/drawingml/2006/main" xmlns:p="http://schemas.openxmlformats.org/presentationml/2006/main" xmlns:r="http://schemas.openxmlformats.org/officeDocument/2006/relationships" xmlns:p14="http://schemas.microsoft.com/office/powerpoint/2010/main" xmlns:p15="http://schemas.microsoft.com/office/powerpoint/2012/main" xmlns:mc="http://schemas.openxmlformats.org/markup-compatibility/2006" type="fourObj" preserve="1">
-  <p:cSld name="Title, 4 Content">
-    <p:spTree>
-      <p:nvGrpSpPr>
-        <p:cNvPr id="1" name=""/>
-        <p:cNvGrpSpPr/>
-        <p:nvPr/>
-      </p:nvGrpSpPr>
-      <p:grpSpPr>
-        <a:xfrm>
-          <a:off x="0" y="0"/>
-          <a:ext cx="0" cy="0"/>
-          <a:chOff x="0" y="0"/>
-          <a:chExt cx="0" cy="0"/>
-        </a:xfrm>
-      </p:grpSpPr>
-      <p:sp>
-        <p:nvSpPr>
-          <p:cNvPr id="102" name="PlaceHolder 1"/>
-          <p:cNvSpPr>
-            <a:spLocks noGrp="1"/>
-          </p:cNvSpPr>
-          <p:nvPr>
-            <p:ph type="title"/>
-          </p:nvPr>
-        </p:nvSpPr>
-        <p:spPr>
-          <a:xfrm>
-            <a:off x="596880" y="2782800"/>
-            <a:ext cx="10510560" cy="1017360"/>
-          </a:xfrm>
-          <a:prstGeom prst="rect">
-            <a:avLst/>
-          </a:prstGeom>
-        </p:spPr>
-        <p:txBody>
-          <a:bodyPr lIns="0" rIns="0" tIns="0" bIns="0" anchor="ctr"/>
-          <a:p>
-            <a:endParaRPr b="0" lang="en-US" sz="2300" spc="-1" strike="noStrike">
-              <a:solidFill>
-                <a:srgbClr val="000000"/>
-              </a:solidFill>
-              <a:uFill>
-                <a:solidFill>
-                  <a:srgbClr val="ffffff"/>
-                </a:solidFill>
-              </a:uFill>
-              <a:latin typeface="Sky Text"/>
-            </a:endParaRPr>
-          </a:p>
-        </p:txBody>
-      </p:sp>
-      <p:sp>
-        <p:nvSpPr>
-          <p:cNvPr id="103" name="PlaceHolder 2"/>
-          <p:cNvSpPr>
-            <a:spLocks noGrp="1"/>
-          </p:cNvSpPr>
-          <p:nvPr>
-            <p:ph type="body"/>
-          </p:nvPr>
-        </p:nvSpPr>
-        <p:spPr>
-          <a:xfrm>
-            <a:off x="585000" y="1540440"/>
-            <a:ext cx="5140080" cy="1820880"/>
-          </a:xfrm>
-          <a:prstGeom prst="rect">
-            <a:avLst/>
-          </a:prstGeom>
-        </p:spPr>
-        <p:txBody>
-          <a:bodyPr lIns="0" rIns="0" tIns="0" bIns="0"/>
-          <a:p>
-            <a:endParaRPr b="0" lang="en-US" sz="1800" spc="-1" strike="noStrike">
-              <a:solidFill>
-                <a:srgbClr val="323232"/>
-              </a:solidFill>
-              <a:uFill>
-                <a:solidFill>
-                  <a:srgbClr val="ffffff"/>
-                </a:solidFill>
-              </a:uFill>
-              <a:latin typeface="Sky Text"/>
-            </a:endParaRPr>
-          </a:p>
-        </p:txBody>
-      </p:sp>
-      <p:sp>
-        <p:nvSpPr>
-          <p:cNvPr id="104" name="PlaceHolder 3"/>
-          <p:cNvSpPr>
-            <a:spLocks noGrp="1"/>
-          </p:cNvSpPr>
-          <p:nvPr>
-            <p:ph type="body"/>
-          </p:nvPr>
-        </p:nvSpPr>
-        <p:spPr>
-          <a:xfrm>
-            <a:off x="5982480" y="1540440"/>
-            <a:ext cx="5140080" cy="1820880"/>
-          </a:xfrm>
-          <a:prstGeom prst="rect">
-            <a:avLst/>
-          </a:prstGeom>
-        </p:spPr>
-        <p:txBody>
-          <a:bodyPr lIns="0" rIns="0" tIns="0" bIns="0"/>
-          <a:p>
-            <a:endParaRPr b="0" lang="en-US" sz="1800" spc="-1" strike="noStrike">
-              <a:solidFill>
-                <a:srgbClr val="323232"/>
-              </a:solidFill>
-              <a:uFill>
-                <a:solidFill>
-                  <a:srgbClr val="ffffff"/>
-                </a:solidFill>
-              </a:uFill>
-              <a:latin typeface="Sky Text"/>
-            </a:endParaRPr>
-          </a:p>
-        </p:txBody>
-      </p:sp>
-      <p:sp>
-        <p:nvSpPr>
-          <p:cNvPr id="105" name="PlaceHolder 4"/>
-          <p:cNvSpPr>
-            <a:spLocks noGrp="1"/>
-          </p:cNvSpPr>
-          <p:nvPr>
-            <p:ph type="body"/>
-          </p:nvPr>
-        </p:nvSpPr>
-        <p:spPr>
-          <a:xfrm>
-            <a:off x="5982480" y="3534840"/>
-            <a:ext cx="5140080" cy="1820880"/>
-          </a:xfrm>
-          <a:prstGeom prst="rect">
-            <a:avLst/>
-          </a:prstGeom>
-        </p:spPr>
-        <p:txBody>
-          <a:bodyPr lIns="0" rIns="0" tIns="0" bIns="0"/>
-          <a:p>
-            <a:endParaRPr b="0" lang="en-US" sz="1800" spc="-1" strike="noStrike">
-              <a:solidFill>
-                <a:srgbClr val="323232"/>
-              </a:solidFill>
-              <a:uFill>
-                <a:solidFill>
-                  <a:srgbClr val="ffffff"/>
-                </a:solidFill>
-              </a:uFill>
-              <a:latin typeface="Sky Text"/>
-            </a:endParaRPr>
-          </a:p>
-        </p:txBody>
-      </p:sp>
-      <p:sp>
-        <p:nvSpPr>
-          <p:cNvPr id="106" name="PlaceHolder 5"/>
-          <p:cNvSpPr>
-            <a:spLocks noGrp="1"/>
-          </p:cNvSpPr>
-          <p:nvPr>
-            <p:ph type="body"/>
-          </p:nvPr>
-        </p:nvSpPr>
-        <p:spPr>
-          <a:xfrm>
-            <a:off x="585000" y="3534840"/>
-            <a:ext cx="5140080" cy="1820880"/>
-          </a:xfrm>
-          <a:prstGeom prst="rect">
-            <a:avLst/>
-          </a:prstGeom>
-        </p:spPr>
-        <p:txBody>
-          <a:bodyPr lIns="0" rIns="0" tIns="0" bIns="0"/>
-          <a:p>
-            <a:endParaRPr b="0" lang="en-US" sz="1800" spc="-1" strike="noStrike">
-              <a:solidFill>
-                <a:srgbClr val="323232"/>
-              </a:solidFill>
-              <a:uFill>
-                <a:solidFill>
-                  <a:srgbClr val="ffffff"/>
-                </a:solidFill>
-              </a:uFill>
-              <a:latin typeface="Sky Text"/>
-            </a:endParaRPr>
-          </a:p>
-        </p:txBody>
-      </p:sp>
-    </p:spTree>
-  </p:cSld>
-</p:sldLayout>
-</file>
-
-<file path=ppt/slideLayouts/slideLayout36.xml><?xml version="1.0" encoding="utf-8"?>
-<p:sldLayout xmlns:a="http://schemas.openxmlformats.org/drawingml/2006/main" xmlns:p="http://schemas.openxmlformats.org/presentationml/2006/main" xmlns:r="http://schemas.openxmlformats.org/officeDocument/2006/relationships" xmlns:p14="http://schemas.microsoft.com/office/powerpoint/2010/main" xmlns:p15="http://schemas.microsoft.com/office/powerpoint/2012/main" xmlns:mc="http://schemas.openxmlformats.org/markup-compatibility/2006" type="blank" preserve="1">
-  <p:cSld name="Title, 6 Content">
-    <p:spTree>
-      <p:nvGrpSpPr>
-        <p:cNvPr id="1" name=""/>
-        <p:cNvGrpSpPr/>
-        <p:nvPr/>
-      </p:nvGrpSpPr>
-      <p:grpSpPr>
-        <a:xfrm>
-          <a:off x="0" y="0"/>
-          <a:ext cx="0" cy="0"/>
-          <a:chOff x="0" y="0"/>
-          <a:chExt cx="0" cy="0"/>
-        </a:xfrm>
-      </p:grpSpPr>
-      <p:sp>
-        <p:nvSpPr>
-          <p:cNvPr id="107" name="PlaceHolder 1"/>
-          <p:cNvSpPr>
-            <a:spLocks noGrp="1"/>
-          </p:cNvSpPr>
-          <p:nvPr>
-            <p:ph type="title"/>
-          </p:nvPr>
-        </p:nvSpPr>
-        <p:spPr>
-          <a:xfrm>
-            <a:off x="596880" y="2782800"/>
-            <a:ext cx="10510560" cy="1017360"/>
-          </a:xfrm>
-          <a:prstGeom prst="rect">
-            <a:avLst/>
-          </a:prstGeom>
-        </p:spPr>
-        <p:txBody>
-          <a:bodyPr lIns="0" rIns="0" tIns="0" bIns="0" anchor="ctr"/>
-          <a:p>
-            <a:endParaRPr b="0" lang="en-US" sz="2300" spc="-1" strike="noStrike">
-              <a:solidFill>
-                <a:srgbClr val="000000"/>
-              </a:solidFill>
-              <a:uFill>
-                <a:solidFill>
-                  <a:srgbClr val="ffffff"/>
-                </a:solidFill>
-              </a:uFill>
-              <a:latin typeface="Sky Text"/>
-            </a:endParaRPr>
-          </a:p>
-        </p:txBody>
-      </p:sp>
-      <p:sp>
-        <p:nvSpPr>
-          <p:cNvPr id="108" name="PlaceHolder 2"/>
-          <p:cNvSpPr>
-            <a:spLocks noGrp="1"/>
-          </p:cNvSpPr>
-          <p:nvPr>
-            <p:ph type="body"/>
-          </p:nvPr>
-        </p:nvSpPr>
-        <p:spPr>
-          <a:xfrm>
-            <a:off x="585000" y="1540440"/>
-            <a:ext cx="10533600" cy="3817800"/>
-          </a:xfrm>
-          <a:prstGeom prst="rect">
-            <a:avLst/>
-          </a:prstGeom>
-        </p:spPr>
-        <p:txBody>
-          <a:bodyPr lIns="0" rIns="0" tIns="0" bIns="0"/>
-          <a:p>
-            <a:endParaRPr b="0" lang="en-US" sz="1800" spc="-1" strike="noStrike">
-              <a:solidFill>
-                <a:srgbClr val="323232"/>
-              </a:solidFill>
-              <a:uFill>
-                <a:solidFill>
-                  <a:srgbClr val="ffffff"/>
-                </a:solidFill>
-              </a:uFill>
-              <a:latin typeface="Sky Text"/>
-            </a:endParaRPr>
-          </a:p>
-        </p:txBody>
-      </p:sp>
-      <p:sp>
-        <p:nvSpPr>
-          <p:cNvPr id="109" name="PlaceHolder 3"/>
-          <p:cNvSpPr>
-            <a:spLocks noGrp="1"/>
-          </p:cNvSpPr>
-          <p:nvPr>
-            <p:ph type="body"/>
-          </p:nvPr>
-        </p:nvSpPr>
-        <p:spPr>
-          <a:xfrm>
-            <a:off x="585000" y="1540440"/>
-            <a:ext cx="10533600" cy="3817800"/>
-          </a:xfrm>
-          <a:prstGeom prst="rect">
-            <a:avLst/>
-          </a:prstGeom>
-        </p:spPr>
-        <p:txBody>
-          <a:bodyPr lIns="0" rIns="0" tIns="0" bIns="0"/>
-          <a:p>
-            <a:endParaRPr b="0" lang="en-US" sz="1800" spc="-1" strike="noStrike">
-              <a:solidFill>
-                <a:srgbClr val="323232"/>
-              </a:solidFill>
-              <a:uFill>
-                <a:solidFill>
-                  <a:srgbClr val="ffffff"/>
-                </a:solidFill>
-              </a:uFill>
-              <a:latin typeface="Sky Text"/>
-            </a:endParaRPr>
-          </a:p>
-        </p:txBody>
-      </p:sp>
-      <p:pic>
-        <p:nvPicPr>
-          <p:cNvPr id="110" name="" descr=""/>
-          <p:cNvPicPr/>
-          <p:nvPr/>
-        </p:nvPicPr>
-        <p:blipFill>
-          <a:blip r:embed="rId2"/>
-          <a:stretch/>
-        </p:blipFill>
-        <p:spPr>
-          <a:xfrm>
-            <a:off x="3459240" y="1540080"/>
-            <a:ext cx="4784760" cy="3817800"/>
-          </a:xfrm>
-          <a:prstGeom prst="rect">
-            <a:avLst/>
-          </a:prstGeom>
-          <a:ln>
-            <a:noFill/>
-          </a:ln>
-        </p:spPr>
-      </p:pic>
-      <p:pic>
-        <p:nvPicPr>
-          <p:cNvPr id="111" name="" descr=""/>
-          <p:cNvPicPr/>
-          <p:nvPr/>
-        </p:nvPicPr>
-        <p:blipFill>
-          <a:blip r:embed="rId3"/>
-          <a:stretch/>
-        </p:blipFill>
-        <p:spPr>
-          <a:xfrm>
-            <a:off x="3459240" y="1540080"/>
-            <a:ext cx="4784760" cy="3817800"/>
-          </a:xfrm>
-          <a:prstGeom prst="rect">
-            <a:avLst/>
-          </a:prstGeom>
-          <a:ln>
-            <a:noFill/>
-          </a:ln>
-        </p:spPr>
-      </p:pic>
-    </p:spTree>
-  </p:cSld>
-</p:sldLayout>
-</file>
-
-<file path=ppt/slideLayouts/slideLayout4.xml><?xml version="1.0" encoding="utf-8"?>
-<p:sldLayout xmlns:a="http://schemas.openxmlformats.org/drawingml/2006/main" xmlns:p="http://schemas.openxmlformats.org/presentationml/2006/main" xmlns:r="http://schemas.openxmlformats.org/officeDocument/2006/relationships" xmlns:p14="http://schemas.microsoft.com/office/powerpoint/2010/main" xmlns:p15="http://schemas.microsoft.com/office/powerpoint/2012/main" xmlns:mc="http://schemas.openxmlformats.org/markup-compatibility/2006" type="twoObj" preserve="1">
-  <p:cSld name="Title, 2 Content">
-    <p:spTree>
-      <p:nvGrpSpPr>
-        <p:cNvPr id="1" name=""/>
-        <p:cNvGrpSpPr/>
-        <p:nvPr/>
-      </p:nvGrpSpPr>
-      <p:grpSpPr>
-        <a:xfrm>
-          <a:off x="0" y="0"/>
-          <a:ext cx="0" cy="0"/>
-          <a:chOff x="0" y="0"/>
-          <a:chExt cx="0" cy="0"/>
-        </a:xfrm>
-      </p:grpSpPr>
-      <p:sp>
-        <p:nvSpPr>
-          <p:cNvPr id="7" name="PlaceHolder 1"/>
-          <p:cNvSpPr>
-            <a:spLocks noGrp="1"/>
-          </p:cNvSpPr>
-          <p:nvPr>
-            <p:ph type="title"/>
-          </p:nvPr>
-        </p:nvSpPr>
-        <p:spPr>
-          <a:xfrm>
-            <a:off x="596880" y="2782800"/>
-            <a:ext cx="10510560" cy="1017360"/>
-          </a:xfrm>
-          <a:prstGeom prst="rect">
-            <a:avLst/>
-          </a:prstGeom>
-        </p:spPr>
-        <p:txBody>
-          <a:bodyPr lIns="0" rIns="0" tIns="0" bIns="0" anchor="ctr"/>
-          <a:p>
-            <a:endParaRPr b="0" lang="en-US" sz="2300" spc="-1" strike="noStrike">
-              <a:solidFill>
-                <a:srgbClr val="000000"/>
-              </a:solidFill>
-              <a:uFill>
-                <a:solidFill>
-                  <a:srgbClr val="ffffff"/>
-                </a:solidFill>
-              </a:uFill>
-              <a:latin typeface="Sky Text"/>
-            </a:endParaRPr>
-          </a:p>
-        </p:txBody>
-      </p:sp>
-      <p:sp>
-        <p:nvSpPr>
-          <p:cNvPr id="8" name="PlaceHolder 2"/>
-          <p:cNvSpPr>
-            <a:spLocks noGrp="1"/>
-          </p:cNvSpPr>
-          <p:nvPr>
-            <p:ph type="body"/>
-          </p:nvPr>
-        </p:nvSpPr>
-        <p:spPr>
-          <a:xfrm>
-            <a:off x="585000" y="1540440"/>
-            <a:ext cx="5140080" cy="3817800"/>
-          </a:xfrm>
-          <a:prstGeom prst="rect">
-            <a:avLst/>
-          </a:prstGeom>
-        </p:spPr>
-        <p:txBody>
-          <a:bodyPr lIns="0" rIns="0" tIns="0" bIns="0"/>
-          <a:p>
-            <a:endParaRPr b="0" lang="en-US" sz="1800" spc="-1" strike="noStrike">
-              <a:solidFill>
-                <a:srgbClr val="323232"/>
-              </a:solidFill>
-              <a:uFill>
-                <a:solidFill>
-                  <a:srgbClr val="ffffff"/>
-                </a:solidFill>
-              </a:uFill>
-              <a:latin typeface="Sky Text"/>
-            </a:endParaRPr>
-          </a:p>
-        </p:txBody>
-      </p:sp>
-      <p:sp>
-        <p:nvSpPr>
-          <p:cNvPr id="9" name="PlaceHolder 3"/>
-          <p:cNvSpPr>
-            <a:spLocks noGrp="1"/>
-          </p:cNvSpPr>
-          <p:nvPr>
-            <p:ph type="body"/>
-          </p:nvPr>
-        </p:nvSpPr>
-        <p:spPr>
-          <a:xfrm>
-            <a:off x="5982480" y="1540440"/>
-            <a:ext cx="5140080" cy="3817800"/>
-          </a:xfrm>
-          <a:prstGeom prst="rect">
-            <a:avLst/>
-          </a:prstGeom>
-        </p:spPr>
-        <p:txBody>
-          <a:bodyPr lIns="0" rIns="0" tIns="0" bIns="0"/>
-          <a:p>
-            <a:endParaRPr b="0" lang="en-US" sz="1800" spc="-1" strike="noStrike">
-              <a:solidFill>
-                <a:srgbClr val="323232"/>
-              </a:solidFill>
-              <a:uFill>
-                <a:solidFill>
-                  <a:srgbClr val="ffffff"/>
-                </a:solidFill>
-              </a:uFill>
-              <a:latin typeface="Sky Text"/>
-            </a:endParaRPr>
-          </a:p>
-        </p:txBody>
-      </p:sp>
-    </p:spTree>
-  </p:cSld>
-</p:sldLayout>
-</file>
-
-<file path=ppt/slideLayouts/slideLayout5.xml><?xml version="1.0" encoding="utf-8"?>
-<p:sldLayout xmlns:a="http://schemas.openxmlformats.org/drawingml/2006/main" xmlns:p="http://schemas.openxmlformats.org/presentationml/2006/main" xmlns:r="http://schemas.openxmlformats.org/officeDocument/2006/relationships" xmlns:p14="http://schemas.microsoft.com/office/powerpoint/2010/main" xmlns:p15="http://schemas.microsoft.com/office/powerpoint/2012/main" xmlns:mc="http://schemas.openxmlformats.org/markup-compatibility/2006" type="titleOnly" preserve="1">
-  <p:cSld name="Title Only">
-    <p:spTree>
-      <p:nvGrpSpPr>
-        <p:cNvPr id="1" name=""/>
-        <p:cNvGrpSpPr/>
-        <p:nvPr/>
-      </p:nvGrpSpPr>
-      <p:grpSpPr>
-        <a:xfrm>
-          <a:off x="0" y="0"/>
-          <a:ext cx="0" cy="0"/>
-          <a:chOff x="0" y="0"/>
-          <a:chExt cx="0" cy="0"/>
-        </a:xfrm>
-      </p:grpSpPr>
-      <p:sp>
-        <p:nvSpPr>
-          <p:cNvPr id="10" name="PlaceHolder 1"/>
-          <p:cNvSpPr>
-            <a:spLocks noGrp="1"/>
-          </p:cNvSpPr>
-          <p:nvPr>
-            <p:ph type="title"/>
-          </p:nvPr>
-        </p:nvSpPr>
-        <p:spPr>
-          <a:xfrm>
-            <a:off x="596880" y="2782800"/>
-            <a:ext cx="10510560" cy="1017360"/>
-          </a:xfrm>
-          <a:prstGeom prst="rect">
-            <a:avLst/>
-          </a:prstGeom>
-        </p:spPr>
-        <p:txBody>
-          <a:bodyPr lIns="0" rIns="0" tIns="0" bIns="0" anchor="ctr"/>
-          <a:p>
-            <a:endParaRPr b="0" lang="en-US" sz="2300" spc="-1" strike="noStrike">
-              <a:solidFill>
-                <a:srgbClr val="000000"/>
-              </a:solidFill>
-              <a:uFill>
-                <a:solidFill>
-                  <a:srgbClr val="ffffff"/>
-                </a:solidFill>
-              </a:uFill>
-              <a:latin typeface="Sky Text"/>
-            </a:endParaRPr>
-          </a:p>
-        </p:txBody>
-      </p:sp>
-    </p:spTree>
-  </p:cSld>
-</p:sldLayout>
-</file>
-
-<file path=ppt/slideLayouts/slideLayout6.xml><?xml version="1.0" encoding="utf-8"?>
-<p:sldLayout xmlns:a="http://schemas.openxmlformats.org/drawingml/2006/main" xmlns:p="http://schemas.openxmlformats.org/presentationml/2006/main" xmlns:r="http://schemas.openxmlformats.org/officeDocument/2006/relationships" xmlns:p14="http://schemas.microsoft.com/office/powerpoint/2010/main" xmlns:p15="http://schemas.microsoft.com/office/powerpoint/2012/main" xmlns:mc="http://schemas.openxmlformats.org/markup-compatibility/2006" type="objOnly" preserve="1">
-  <p:cSld name="Centered Text">
-    <p:spTree>
-      <p:nvGrpSpPr>
-        <p:cNvPr id="1" name=""/>
-        <p:cNvGrpSpPr/>
-        <p:nvPr/>
-      </p:nvGrpSpPr>
-      <p:grpSpPr>
-        <a:xfrm>
-          <a:off x="0" y="0"/>
-          <a:ext cx="0" cy="0"/>
-          <a:chOff x="0" y="0"/>
-          <a:chExt cx="0" cy="0"/>
-        </a:xfrm>
-      </p:grpSpPr>
-      <p:sp>
-        <p:nvSpPr>
-          <p:cNvPr id="11" name="PlaceHolder 1"/>
-          <p:cNvSpPr>
-            <a:spLocks noGrp="1"/>
-          </p:cNvSpPr>
-          <p:nvPr>
-            <p:ph type="subTitle"/>
-          </p:nvPr>
-        </p:nvSpPr>
-        <p:spPr>
-          <a:xfrm>
-            <a:off x="596880" y="2782800"/>
-            <a:ext cx="10510560" cy="4717080"/>
-          </a:xfrm>
-          <a:prstGeom prst="rect">
-            <a:avLst/>
-          </a:prstGeom>
-        </p:spPr>
-        <p:txBody>
-          <a:bodyPr lIns="0" rIns="0" tIns="0" bIns="0" anchor="ctr"/>
-          <a:p>
-            <a:pPr algn="ctr"/>
-            <a:endParaRPr b="0" lang="pt-PT" sz="3200" spc="-1" strike="noStrike">
-              <a:solidFill>
-                <a:srgbClr val="000000"/>
-              </a:solidFill>
-              <a:uFill>
-                <a:solidFill>
-                  <a:srgbClr val="ffffff"/>
-                </a:solidFill>
-              </a:uFill>
-              <a:latin typeface="Arial"/>
-            </a:endParaRPr>
-          </a:p>
-        </p:txBody>
-      </p:sp>
-    </p:spTree>
-  </p:cSld>
-</p:sldLayout>
-</file>
-
-<file path=ppt/slideLayouts/slideLayout7.xml><?xml version="1.0" encoding="utf-8"?>
-<p:sldLayout xmlns:a="http://schemas.openxmlformats.org/drawingml/2006/main" xmlns:p="http://schemas.openxmlformats.org/presentationml/2006/main" xmlns:r="http://schemas.openxmlformats.org/officeDocument/2006/relationships" xmlns:p14="http://schemas.microsoft.com/office/powerpoint/2010/main" xmlns:p15="http://schemas.microsoft.com/office/powerpoint/2012/main" xmlns:mc="http://schemas.openxmlformats.org/markup-compatibility/2006" type="twoObjAndObj" preserve="1">
-  <p:cSld name="Title, 2 Content and Content">
-    <p:spTree>
-      <p:nvGrpSpPr>
-        <p:cNvPr id="1" name=""/>
-        <p:cNvGrpSpPr/>
-        <p:nvPr/>
-      </p:nvGrpSpPr>
-      <p:grpSpPr>
-        <a:xfrm>
-          <a:off x="0" y="0"/>
-          <a:ext cx="0" cy="0"/>
-          <a:chOff x="0" y="0"/>
-          <a:chExt cx="0" cy="0"/>
-        </a:xfrm>
-      </p:grpSpPr>
-      <p:sp>
-        <p:nvSpPr>
-          <p:cNvPr id="12" name="PlaceHolder 1"/>
-          <p:cNvSpPr>
-            <a:spLocks noGrp="1"/>
-          </p:cNvSpPr>
-          <p:nvPr>
-            <p:ph type="title"/>
-          </p:nvPr>
-        </p:nvSpPr>
-        <p:spPr>
-          <a:xfrm>
-            <a:off x="596880" y="2782800"/>
-            <a:ext cx="10510560" cy="1017360"/>
-          </a:xfrm>
-          <a:prstGeom prst="rect">
-            <a:avLst/>
-          </a:prstGeom>
-        </p:spPr>
-        <p:txBody>
-          <a:bodyPr lIns="0" rIns="0" tIns="0" bIns="0" anchor="ctr"/>
-          <a:p>
-            <a:endParaRPr b="0" lang="en-US" sz="2300" spc="-1" strike="noStrike">
-              <a:solidFill>
-                <a:srgbClr val="000000"/>
-              </a:solidFill>
-              <a:uFill>
-                <a:solidFill>
-                  <a:srgbClr val="ffffff"/>
-                </a:solidFill>
-              </a:uFill>
-              <a:latin typeface="Sky Text"/>
-            </a:endParaRPr>
-          </a:p>
-        </p:txBody>
-      </p:sp>
-      <p:sp>
-        <p:nvSpPr>
-          <p:cNvPr id="13" name="PlaceHolder 2"/>
-          <p:cNvSpPr>
-            <a:spLocks noGrp="1"/>
-          </p:cNvSpPr>
-          <p:nvPr>
-            <p:ph type="body"/>
-          </p:nvPr>
-        </p:nvSpPr>
-        <p:spPr>
-          <a:xfrm>
-            <a:off x="585000" y="1540440"/>
-            <a:ext cx="5140080" cy="1820880"/>
-          </a:xfrm>
-          <a:prstGeom prst="rect">
-            <a:avLst/>
-          </a:prstGeom>
-        </p:spPr>
-        <p:txBody>
-          <a:bodyPr lIns="0" rIns="0" tIns="0" bIns="0"/>
-          <a:p>
-            <a:endParaRPr b="0" lang="en-US" sz="1800" spc="-1" strike="noStrike">
-              <a:solidFill>
-                <a:srgbClr val="323232"/>
-              </a:solidFill>
-              <a:uFill>
-                <a:solidFill>
-                  <a:srgbClr val="ffffff"/>
-                </a:solidFill>
-              </a:uFill>
-              <a:latin typeface="Sky Text"/>
-            </a:endParaRPr>
-          </a:p>
-        </p:txBody>
-      </p:sp>
-      <p:sp>
-        <p:nvSpPr>
-          <p:cNvPr id="14" name="PlaceHolder 3"/>
-          <p:cNvSpPr>
-            <a:spLocks noGrp="1"/>
-          </p:cNvSpPr>
-          <p:nvPr>
-            <p:ph type="body"/>
-          </p:nvPr>
-        </p:nvSpPr>
-        <p:spPr>
-          <a:xfrm>
-            <a:off x="585000" y="3534840"/>
-            <a:ext cx="5140080" cy="1820880"/>
-          </a:xfrm>
-          <a:prstGeom prst="rect">
-            <a:avLst/>
-          </a:prstGeom>
-        </p:spPr>
-        <p:txBody>
-          <a:bodyPr lIns="0" rIns="0" tIns="0" bIns="0"/>
-          <a:p>
-            <a:endParaRPr b="0" lang="en-US" sz="1800" spc="-1" strike="noStrike">
-              <a:solidFill>
-                <a:srgbClr val="323232"/>
-              </a:solidFill>
-              <a:uFill>
-                <a:solidFill>
-                  <a:srgbClr val="ffffff"/>
-                </a:solidFill>
-              </a:uFill>
-              <a:latin typeface="Sky Text"/>
-            </a:endParaRPr>
-          </a:p>
-        </p:txBody>
-      </p:sp>
-      <p:sp>
-        <p:nvSpPr>
-          <p:cNvPr id="15" name="PlaceHolder 4"/>
-          <p:cNvSpPr>
-            <a:spLocks noGrp="1"/>
-          </p:cNvSpPr>
-          <p:nvPr>
-            <p:ph type="body"/>
-          </p:nvPr>
-        </p:nvSpPr>
-        <p:spPr>
-          <a:xfrm>
-            <a:off x="5982480" y="1540440"/>
-            <a:ext cx="5140080" cy="3817800"/>
-          </a:xfrm>
-          <a:prstGeom prst="rect">
-            <a:avLst/>
-          </a:prstGeom>
-        </p:spPr>
-        <p:txBody>
-          <a:bodyPr lIns="0" rIns="0" tIns="0" bIns="0"/>
-          <a:p>
-            <a:endParaRPr b="0" lang="en-US" sz="1800" spc="-1" strike="noStrike">
-              <a:solidFill>
-                <a:srgbClr val="323232"/>
-              </a:solidFill>
-              <a:uFill>
-                <a:solidFill>
-                  <a:srgbClr val="ffffff"/>
-                </a:solidFill>
-              </a:uFill>
-              <a:latin typeface="Sky Text"/>
-            </a:endParaRPr>
-          </a:p>
-        </p:txBody>
-      </p:sp>
-    </p:spTree>
-  </p:cSld>
-</p:sldLayout>
-</file>
-
-<file path=ppt/slideLayouts/slideLayout8.xml><?xml version="1.0" encoding="utf-8"?>
-<p:sldLayout xmlns:a="http://schemas.openxmlformats.org/drawingml/2006/main" xmlns:p="http://schemas.openxmlformats.org/presentationml/2006/main" xmlns:r="http://schemas.openxmlformats.org/officeDocument/2006/relationships" xmlns:p14="http://schemas.microsoft.com/office/powerpoint/2010/main" xmlns:p15="http://schemas.microsoft.com/office/powerpoint/2012/main" xmlns:mc="http://schemas.openxmlformats.org/markup-compatibility/2006" type="objAndTwoObj" preserve="1">
-  <p:cSld name="Title Content and 2 Content">
-    <p:spTree>
-      <p:nvGrpSpPr>
-        <p:cNvPr id="1" name=""/>
-        <p:cNvGrpSpPr/>
-        <p:nvPr/>
-      </p:nvGrpSpPr>
-      <p:grpSpPr>
-        <a:xfrm>
-          <a:off x="0" y="0"/>
-          <a:ext cx="0" cy="0"/>
-          <a:chOff x="0" y="0"/>
-          <a:chExt cx="0" cy="0"/>
-        </a:xfrm>
-      </p:grpSpPr>
-      <p:sp>
-        <p:nvSpPr>
-          <p:cNvPr id="16" name="PlaceHolder 1"/>
-          <p:cNvSpPr>
-            <a:spLocks noGrp="1"/>
-          </p:cNvSpPr>
-          <p:nvPr>
-            <p:ph type="title"/>
-          </p:nvPr>
-        </p:nvSpPr>
-        <p:spPr>
-          <a:xfrm>
-            <a:off x="596880" y="2782800"/>
-            <a:ext cx="10510560" cy="1017360"/>
-          </a:xfrm>
-          <a:prstGeom prst="rect">
-            <a:avLst/>
-          </a:prstGeom>
-        </p:spPr>
-        <p:txBody>
-          <a:bodyPr lIns="0" rIns="0" tIns="0" bIns="0" anchor="ctr"/>
-          <a:p>
-            <a:endParaRPr b="0" lang="en-US" sz="2300" spc="-1" strike="noStrike">
-              <a:solidFill>
-                <a:srgbClr val="000000"/>
-              </a:solidFill>
-              <a:uFill>
-                <a:solidFill>
-                  <a:srgbClr val="ffffff"/>
-                </a:solidFill>
-              </a:uFill>
-              <a:latin typeface="Sky Text"/>
-            </a:endParaRPr>
-          </a:p>
-        </p:txBody>
-      </p:sp>
-      <p:sp>
-        <p:nvSpPr>
-          <p:cNvPr id="17" name="PlaceHolder 2"/>
-          <p:cNvSpPr>
-            <a:spLocks noGrp="1"/>
-          </p:cNvSpPr>
-          <p:nvPr>
-            <p:ph type="body"/>
-          </p:nvPr>
-        </p:nvSpPr>
-        <p:spPr>
-          <a:xfrm>
-            <a:off x="585000" y="1540440"/>
-            <a:ext cx="5140080" cy="3817800"/>
-          </a:xfrm>
-          <a:prstGeom prst="rect">
-            <a:avLst/>
-          </a:prstGeom>
-        </p:spPr>
-        <p:txBody>
-          <a:bodyPr lIns="0" rIns="0" tIns="0" bIns="0"/>
-          <a:p>
-            <a:endParaRPr b="0" lang="en-US" sz="1800" spc="-1" strike="noStrike">
-              <a:solidFill>
-                <a:srgbClr val="323232"/>
-              </a:solidFill>
-              <a:uFill>
-                <a:solidFill>
-                  <a:srgbClr val="ffffff"/>
-                </a:solidFill>
-              </a:uFill>
-              <a:latin typeface="Sky Text"/>
-            </a:endParaRPr>
-          </a:p>
-        </p:txBody>
-      </p:sp>
-      <p:sp>
-        <p:nvSpPr>
-          <p:cNvPr id="18" name="PlaceHolder 3"/>
-          <p:cNvSpPr>
-            <a:spLocks noGrp="1"/>
-          </p:cNvSpPr>
-          <p:nvPr>
-            <p:ph type="body"/>
-          </p:nvPr>
-        </p:nvSpPr>
-        <p:spPr>
-          <a:xfrm>
-            <a:off x="5982480" y="1540440"/>
-            <a:ext cx="5140080" cy="1820880"/>
-          </a:xfrm>
-          <a:prstGeom prst="rect">
-            <a:avLst/>
-          </a:prstGeom>
-        </p:spPr>
-        <p:txBody>
-          <a:bodyPr lIns="0" rIns="0" tIns="0" bIns="0"/>
-          <a:p>
-            <a:endParaRPr b="0" lang="en-US" sz="1800" spc="-1" strike="noStrike">
-              <a:solidFill>
-                <a:srgbClr val="323232"/>
-              </a:solidFill>
-              <a:uFill>
-                <a:solidFill>
-                  <a:srgbClr val="ffffff"/>
-                </a:solidFill>
-              </a:uFill>
-              <a:latin typeface="Sky Text"/>
-            </a:endParaRPr>
-          </a:p>
-        </p:txBody>
-      </p:sp>
-      <p:sp>
-        <p:nvSpPr>
-          <p:cNvPr id="19" name="PlaceHolder 4"/>
-          <p:cNvSpPr>
-            <a:spLocks noGrp="1"/>
-          </p:cNvSpPr>
-          <p:nvPr>
-            <p:ph type="body"/>
-          </p:nvPr>
-        </p:nvSpPr>
-        <p:spPr>
-          <a:xfrm>
-            <a:off x="5982480" y="3534840"/>
-            <a:ext cx="5140080" cy="1820880"/>
-          </a:xfrm>
-          <a:prstGeom prst="rect">
-            <a:avLst/>
-          </a:prstGeom>
-        </p:spPr>
-        <p:txBody>
-          <a:bodyPr lIns="0" rIns="0" tIns="0" bIns="0"/>
-          <a:p>
-            <a:endParaRPr b="0" lang="en-US" sz="1800" spc="-1" strike="noStrike">
-              <a:solidFill>
-                <a:srgbClr val="323232"/>
-              </a:solidFill>
-              <a:uFill>
-                <a:solidFill>
-                  <a:srgbClr val="ffffff"/>
-                </a:solidFill>
-              </a:uFill>
-              <a:latin typeface="Sky Text"/>
-            </a:endParaRPr>
-          </a:p>
-        </p:txBody>
-      </p:sp>
-    </p:spTree>
-  </p:cSld>
-</p:sldLayout>
-</file>
-
-<file path=ppt/slideLayouts/slideLayout9.xml><?xml version="1.0" encoding="utf-8"?>
-<p:sldLayout xmlns:a="http://schemas.openxmlformats.org/drawingml/2006/main" xmlns:p="http://schemas.openxmlformats.org/presentationml/2006/main" xmlns:r="http://schemas.openxmlformats.org/officeDocument/2006/relationships" xmlns:p14="http://schemas.microsoft.com/office/powerpoint/2010/main" xmlns:p15="http://schemas.microsoft.com/office/powerpoint/2012/main" xmlns:mc="http://schemas.openxmlformats.org/markup-compatibility/2006" type="twoObjOverTx" preserve="1">
-  <p:cSld name="Title, 2 Content over Content">
-    <p:spTree>
-      <p:nvGrpSpPr>
-        <p:cNvPr id="1" name=""/>
-        <p:cNvGrpSpPr/>
-        <p:nvPr/>
-      </p:nvGrpSpPr>
-      <p:grpSpPr>
-        <a:xfrm>
-          <a:off x="0" y="0"/>
-          <a:ext cx="0" cy="0"/>
-          <a:chOff x="0" y="0"/>
-          <a:chExt cx="0" cy="0"/>
-        </a:xfrm>
-      </p:grpSpPr>
-      <p:sp>
-        <p:nvSpPr>
           <p:cNvPr id="20" name="PlaceHolder 1"/>
           <p:cNvSpPr>
             <a:spLocks noGrp="1"/>
@@ -4672,15 +3620,16 @@
           </a:prstGeom>
         </p:spPr>
         <p:txBody>
-          <a:bodyPr lIns="0" rIns="0" tIns="0" bIns="0" anchor="ctr"/>
-          <a:p>
-            <a:endParaRPr b="0" lang="en-US" sz="2300" spc="-1" strike="noStrike">
+          <a:bodyPr lIns="0" tIns="0" rIns="0" bIns="0" anchor="ctr"/>
+          <a:lstStyle/>
+          <a:p>
+            <a:endParaRPr lang="en-US" sz="2300" b="0" strike="noStrike" spc="-1">
               <a:solidFill>
                 <a:srgbClr val="000000"/>
               </a:solidFill>
               <a:uFill>
                 <a:solidFill>
-                  <a:srgbClr val="ffffff"/>
+                  <a:srgbClr val="FFFFFF"/>
                 </a:solidFill>
               </a:uFill>
               <a:latin typeface="Sky Text"/>
@@ -4708,15 +3657,16 @@
           </a:prstGeom>
         </p:spPr>
         <p:txBody>
-          <a:bodyPr lIns="0" rIns="0" tIns="0" bIns="0"/>
-          <a:p>
-            <a:endParaRPr b="0" lang="en-US" sz="1800" spc="-1" strike="noStrike">
+          <a:bodyPr lIns="0" tIns="0" rIns="0" bIns="0"/>
+          <a:lstStyle/>
+          <a:p>
+            <a:endParaRPr lang="en-US" sz="1800" b="0" strike="noStrike" spc="-1">
               <a:solidFill>
                 <a:srgbClr val="323232"/>
               </a:solidFill>
               <a:uFill>
                 <a:solidFill>
-                  <a:srgbClr val="ffffff"/>
+                  <a:srgbClr val="FFFFFF"/>
                 </a:solidFill>
               </a:uFill>
               <a:latin typeface="Sky Text"/>
@@ -4744,15 +3694,16 @@
           </a:prstGeom>
         </p:spPr>
         <p:txBody>
-          <a:bodyPr lIns="0" rIns="0" tIns="0" bIns="0"/>
-          <a:p>
-            <a:endParaRPr b="0" lang="en-US" sz="1800" spc="-1" strike="noStrike">
+          <a:bodyPr lIns="0" tIns="0" rIns="0" bIns="0"/>
+          <a:lstStyle/>
+          <a:p>
+            <a:endParaRPr lang="en-US" sz="1800" b="0" strike="noStrike" spc="-1">
               <a:solidFill>
                 <a:srgbClr val="323232"/>
               </a:solidFill>
               <a:uFill>
                 <a:solidFill>
-                  <a:srgbClr val="ffffff"/>
+                  <a:srgbClr val="FFFFFF"/>
                 </a:solidFill>
               </a:uFill>
               <a:latin typeface="Sky Text"/>
@@ -4780,15 +3731,16 @@
           </a:prstGeom>
         </p:spPr>
         <p:txBody>
-          <a:bodyPr lIns="0" rIns="0" tIns="0" bIns="0"/>
-          <a:p>
-            <a:endParaRPr b="0" lang="en-US" sz="1800" spc="-1" strike="noStrike">
+          <a:bodyPr lIns="0" tIns="0" rIns="0" bIns="0"/>
+          <a:lstStyle/>
+          <a:p>
+            <a:endParaRPr lang="en-US" sz="1800" b="0" strike="noStrike" spc="-1">
               <a:solidFill>
                 <a:srgbClr val="323232"/>
               </a:solidFill>
               <a:uFill>
                 <a:solidFill>
-                  <a:srgbClr val="ffffff"/>
+                  <a:srgbClr val="FFFFFF"/>
                 </a:solidFill>
               </a:uFill>
               <a:latin typeface="Sky Text"/>
@@ -4798,17 +3750,21 @@
       </p:sp>
     </p:spTree>
   </p:cSld>
+  <p:clrMapOvr>
+    <a:masterClrMapping/>
+  </p:clrMapOvr>
 </p:sldLayout>
 </file>
 
 <file path=ppt/slideMasters/slideMaster1.xml><?xml version="1.0" encoding="utf-8"?>
-<p:sldMaster xmlns:a="http://schemas.openxmlformats.org/drawingml/2006/main" xmlns:p="http://schemas.openxmlformats.org/presentationml/2006/main" xmlns:r="http://schemas.openxmlformats.org/officeDocument/2006/relationships" xmlns:p14="http://schemas.microsoft.com/office/powerpoint/2010/main" xmlns:p15="http://schemas.microsoft.com/office/powerpoint/2012/main" xmlns:mc="http://schemas.openxmlformats.org/markup-compatibility/2006">
+<p:sldMaster xmlns:a="http://schemas.openxmlformats.org/drawingml/2006/main" xmlns:r="http://schemas.openxmlformats.org/officeDocument/2006/relationships" xmlns:p="http://schemas.openxmlformats.org/presentationml/2006/main">
   <p:cSld>
     <p:bg>
       <p:bgPr>
         <a:solidFill>
-          <a:srgbClr val="ffffff"/>
+          <a:srgbClr val="FFFFFF"/>
         </a:solidFill>
+        <a:effectLst/>
       </p:bgPr>
     </p:bg>
     <p:spTree>
@@ -4827,12 +3783,12 @@
       </p:grpSpPr>
       <p:pic>
         <p:nvPicPr>
-          <p:cNvPr id="0" name="Picture 8" descr=""/>
+          <p:cNvPr id="3" name="Picture 8"/>
           <p:cNvPicPr/>
           <p:nvPr/>
         </p:nvPicPr>
         <p:blipFill>
-          <a:blip r:embed="rId2"/>
+          <a:blip r:embed="rId14"/>
           <a:stretch/>
         </p:blipFill>
         <p:spPr>
@@ -4850,7 +3806,7 @@
       </p:pic>
       <p:sp>
         <p:nvSpPr>
-          <p:cNvPr id="1" name="PlaceHolder 1"/>
+          <p:cNvPr id="4" name="PlaceHolder 1"/>
           <p:cNvSpPr>
             <a:spLocks noGrp="1"/>
           </p:cNvSpPr>
@@ -4868,7 +3824,8 @@
           </a:prstGeom>
         </p:spPr>
         <p:txBody>
-          <a:bodyPr lIns="0" rIns="0" tIns="0" bIns="0" anchor="b" anchorCtr="1"/>
+          <a:bodyPr lIns="0" tIns="0" rIns="0" bIns="0" anchor="b" anchorCtr="1"/>
+          <a:lstStyle/>
           <a:p>
             <a:pPr algn="ctr">
               <a:lnSpc>
@@ -4876,26 +3833,26 @@
               </a:lnSpc>
             </a:pPr>
             <a:r>
-              <a:rPr b="0" lang="en-US" sz="2800" spc="-1" strike="noStrike">
-                <a:solidFill>
-                  <a:srgbClr val="009cdd"/>
+              <a:rPr lang="en-US" sz="2800" b="0" strike="noStrike" spc="-1">
+                <a:solidFill>
+                  <a:srgbClr val="009CDD"/>
                 </a:solidFill>
                 <a:uFill>
                   <a:solidFill>
-                    <a:srgbClr val="ffffff"/>
+                    <a:srgbClr val="FFFFFF"/>
                   </a:solidFill>
                 </a:uFill>
                 <a:latin typeface="Sky Text Medium"/>
               </a:rPr>
               <a:t>Click to edit Master title style</a:t>
             </a:r>
-            <a:endParaRPr b="0" lang="en-US" sz="2300" spc="-1" strike="noStrike">
+            <a:endParaRPr lang="en-US" sz="2300" b="0" strike="noStrike" spc="-1">
               <a:solidFill>
                 <a:srgbClr val="000000"/>
               </a:solidFill>
               <a:uFill>
                 <a:solidFill>
-                  <a:srgbClr val="ffffff"/>
+                  <a:srgbClr val="FFFFFF"/>
                 </a:solidFill>
               </a:uFill>
               <a:latin typeface="Sky Text"/>
@@ -4923,7 +3880,8 @@
           </a:prstGeom>
         </p:spPr>
         <p:txBody>
-          <a:bodyPr lIns="0" rIns="0" tIns="0" bIns="0"/>
+          <a:bodyPr lIns="0" tIns="0" rIns="0" bIns="0"/>
+          <a:lstStyle/>
           <a:p>
             <a:pPr marL="432000" indent="-324000">
               <a:buClr>
@@ -4934,33 +3892,22 @@
               <a:buChar char=""/>
             </a:pPr>
             <a:r>
-              <a:rPr b="0" lang="en-US" sz="1800" spc="-1" strike="noStrike">
+              <a:rPr lang="en-US" sz="1800" b="0" strike="noStrike" spc="-1">
                 <a:solidFill>
                   <a:srgbClr val="323232"/>
                 </a:solidFill>
                 <a:uFill>
                   <a:solidFill>
-                    <a:srgbClr val="ffffff"/>
+                    <a:srgbClr val="FFFFFF"/>
                   </a:solidFill>
                 </a:uFill>
                 <a:latin typeface="Sky Text"/>
               </a:rPr>
               <a:t>Click to edit the outline text format</a:t>
             </a:r>
-            <a:endParaRPr b="0" lang="en-US" sz="1800" spc="-1" strike="noStrike">
-              <a:solidFill>
-                <a:srgbClr val="323232"/>
-              </a:solidFill>
-              <a:uFill>
-                <a:solidFill>
-                  <a:srgbClr val="ffffff"/>
-                </a:solidFill>
-              </a:uFill>
-              <a:latin typeface="Sky Text"/>
-            </a:endParaRPr>
-          </a:p>
-          <a:p>
-            <a:pPr lvl="1" marL="864000" indent="-324000">
+          </a:p>
+          <a:p>
+            <a:pPr marL="864000" lvl="1" indent="-324000">
               <a:buClr>
                 <a:srgbClr val="000000"/>
               </a:buClr>
@@ -4969,33 +3916,22 @@
               <a:buChar char=""/>
             </a:pPr>
             <a:r>
-              <a:rPr b="0" lang="en-US" sz="1400" spc="-1" strike="noStrike">
+              <a:rPr lang="en-US" sz="1400" b="0" strike="noStrike" spc="-1">
                 <a:solidFill>
                   <a:srgbClr val="323232"/>
                 </a:solidFill>
                 <a:uFill>
                   <a:solidFill>
-                    <a:srgbClr val="ffffff"/>
+                    <a:srgbClr val="FFFFFF"/>
                   </a:solidFill>
                 </a:uFill>
                 <a:latin typeface="Sky Text"/>
               </a:rPr>
               <a:t>Second Outline Level</a:t>
             </a:r>
-            <a:endParaRPr b="0" lang="en-US" sz="1400" spc="-1" strike="noStrike">
-              <a:solidFill>
-                <a:srgbClr val="323232"/>
-              </a:solidFill>
-              <a:uFill>
-                <a:solidFill>
-                  <a:srgbClr val="ffffff"/>
-                </a:solidFill>
-              </a:uFill>
-              <a:latin typeface="Sky Text"/>
-            </a:endParaRPr>
-          </a:p>
-          <a:p>
-            <a:pPr lvl="2" marL="1296000" indent="-288000">
+          </a:p>
+          <a:p>
+            <a:pPr marL="1296000" lvl="2" indent="-288000">
               <a:buClr>
                 <a:srgbClr val="000000"/>
               </a:buClr>
@@ -5004,33 +3940,22 @@
               <a:buChar char=""/>
             </a:pPr>
             <a:r>
-              <a:rPr b="0" lang="en-US" sz="1200" spc="-1" strike="noStrike">
+              <a:rPr lang="en-US" sz="1200" b="0" strike="noStrike" spc="-1">
                 <a:solidFill>
                   <a:srgbClr val="323232"/>
                 </a:solidFill>
                 <a:uFill>
                   <a:solidFill>
-                    <a:srgbClr val="ffffff"/>
+                    <a:srgbClr val="FFFFFF"/>
                   </a:solidFill>
                 </a:uFill>
                 <a:latin typeface="Sky Text"/>
               </a:rPr>
               <a:t>Third Outline Level</a:t>
             </a:r>
-            <a:endParaRPr b="0" lang="en-US" sz="1200" spc="-1" strike="noStrike">
-              <a:solidFill>
-                <a:srgbClr val="323232"/>
-              </a:solidFill>
-              <a:uFill>
-                <a:solidFill>
-                  <a:srgbClr val="ffffff"/>
-                </a:solidFill>
-              </a:uFill>
-              <a:latin typeface="Sky Text"/>
-            </a:endParaRPr>
-          </a:p>
-          <a:p>
-            <a:pPr lvl="3" marL="1728000" indent="-216000">
+          </a:p>
+          <a:p>
+            <a:pPr marL="1728000" lvl="3" indent="-216000">
               <a:buClr>
                 <a:srgbClr val="000000"/>
               </a:buClr>
@@ -5039,33 +3964,22 @@
               <a:buChar char=""/>
             </a:pPr>
             <a:r>
-              <a:rPr b="0" lang="en-US" sz="2000" spc="-1" strike="noStrike">
+              <a:rPr lang="en-US" sz="2000" b="0" strike="noStrike" spc="-1">
                 <a:solidFill>
                   <a:srgbClr val="000000"/>
                 </a:solidFill>
                 <a:uFill>
                   <a:solidFill>
-                    <a:srgbClr val="ffffff"/>
+                    <a:srgbClr val="FFFFFF"/>
                   </a:solidFill>
                 </a:uFill>
                 <a:latin typeface="Sky Text Medium"/>
               </a:rPr>
               <a:t>Fourth Outline Level</a:t>
             </a:r>
-            <a:endParaRPr b="0" lang="en-US" sz="2000" spc="-1" strike="noStrike">
-              <a:solidFill>
-                <a:srgbClr val="000000"/>
-              </a:solidFill>
-              <a:uFill>
-                <a:solidFill>
-                  <a:srgbClr val="ffffff"/>
-                </a:solidFill>
-              </a:uFill>
-              <a:latin typeface="Sky Text Medium"/>
-            </a:endParaRPr>
-          </a:p>
-          <a:p>
-            <a:pPr lvl="4" marL="2160000" indent="-216000">
+          </a:p>
+          <a:p>
+            <a:pPr marL="2160000" lvl="4" indent="-216000">
               <a:buClr>
                 <a:srgbClr val="000000"/>
               </a:buClr>
@@ -5074,33 +3988,22 @@
               <a:buChar char=""/>
             </a:pPr>
             <a:r>
-              <a:rPr b="0" lang="en-US" sz="2000" spc="-1" strike="noStrike">
+              <a:rPr lang="en-US" sz="2000" b="0" strike="noStrike" spc="-1">
                 <a:solidFill>
                   <a:srgbClr val="000000"/>
                 </a:solidFill>
                 <a:uFill>
                   <a:solidFill>
-                    <a:srgbClr val="ffffff"/>
+                    <a:srgbClr val="FFFFFF"/>
                   </a:solidFill>
                 </a:uFill>
                 <a:latin typeface="Sky Text Medium"/>
               </a:rPr>
               <a:t>Fifth Outline Level</a:t>
             </a:r>
-            <a:endParaRPr b="0" lang="en-US" sz="2000" spc="-1" strike="noStrike">
-              <a:solidFill>
-                <a:srgbClr val="000000"/>
-              </a:solidFill>
-              <a:uFill>
-                <a:solidFill>
-                  <a:srgbClr val="ffffff"/>
-                </a:solidFill>
-              </a:uFill>
-              <a:latin typeface="Sky Text Medium"/>
-            </a:endParaRPr>
-          </a:p>
-          <a:p>
-            <a:pPr lvl="5" marL="2592000" indent="-216000">
+          </a:p>
+          <a:p>
+            <a:pPr marL="2592000" lvl="5" indent="-216000">
               <a:buClr>
                 <a:srgbClr val="000000"/>
               </a:buClr>
@@ -5109,33 +4012,22 @@
               <a:buChar char=""/>
             </a:pPr>
             <a:r>
-              <a:rPr b="0" lang="en-US" sz="2000" spc="-1" strike="noStrike">
+              <a:rPr lang="en-US" sz="2000" b="0" strike="noStrike" spc="-1">
                 <a:solidFill>
                   <a:srgbClr val="000000"/>
                 </a:solidFill>
                 <a:uFill>
                   <a:solidFill>
-                    <a:srgbClr val="ffffff"/>
+                    <a:srgbClr val="FFFFFF"/>
                   </a:solidFill>
                 </a:uFill>
                 <a:latin typeface="Sky Text Medium"/>
               </a:rPr>
               <a:t>Sixth Outline Level</a:t>
             </a:r>
-            <a:endParaRPr b="0" lang="en-US" sz="2000" spc="-1" strike="noStrike">
-              <a:solidFill>
-                <a:srgbClr val="000000"/>
-              </a:solidFill>
-              <a:uFill>
-                <a:solidFill>
-                  <a:srgbClr val="ffffff"/>
-                </a:solidFill>
-              </a:uFill>
-              <a:latin typeface="Sky Text Medium"/>
-            </a:endParaRPr>
-          </a:p>
-          <a:p>
-            <a:pPr lvl="6" marL="3024000" indent="-216000">
+          </a:p>
+          <a:p>
+            <a:pPr marL="3024000" lvl="6" indent="-216000">
               <a:buClr>
                 <a:srgbClr val="000000"/>
               </a:buClr>
@@ -5144,61 +4036,56 @@
               <a:buChar char=""/>
             </a:pPr>
             <a:r>
-              <a:rPr b="0" lang="en-US" sz="2000" spc="-1" strike="noStrike">
+              <a:rPr lang="en-US" sz="2000" b="0" strike="noStrike" spc="-1">
                 <a:solidFill>
                   <a:srgbClr val="000000"/>
                 </a:solidFill>
                 <a:uFill>
                   <a:solidFill>
-                    <a:srgbClr val="ffffff"/>
+                    <a:srgbClr val="FFFFFF"/>
                   </a:solidFill>
                 </a:uFill>
                 <a:latin typeface="Sky Text Medium"/>
               </a:rPr>
               <a:t>Seventh Outline Level</a:t>
             </a:r>
-            <a:endParaRPr b="0" lang="en-US" sz="2000" spc="-1" strike="noStrike">
-              <a:solidFill>
-                <a:srgbClr val="000000"/>
-              </a:solidFill>
-              <a:uFill>
-                <a:solidFill>
-                  <a:srgbClr val="ffffff"/>
-                </a:solidFill>
-              </a:uFill>
-              <a:latin typeface="Sky Text Medium"/>
-            </a:endParaRPr>
           </a:p>
         </p:txBody>
       </p:sp>
     </p:spTree>
   </p:cSld>
-  <p:clrMap bg1="lt1" bg2="lt2" tx1="dk1" tx2="dk2" accent1="accent1" accent2="accent2" accent3="accent3" accent4="accent4" accent5="accent5" accent6="accent6" hlink="hlink" folHlink="folHlink"/>
+  <p:clrMap bg1="lt1" tx1="dk1" bg2="lt2" tx2="dk2" accent1="accent1" accent2="accent2" accent3="accent3" accent4="accent4" accent5="accent5" accent6="accent6" hlink="hlink" folHlink="folHlink"/>
   <p:sldLayoutIdLst>
-    <p:sldLayoutId id="2147483649" r:id="rId3"/>
-    <p:sldLayoutId id="2147483650" r:id="rId4"/>
-    <p:sldLayoutId id="2147483651" r:id="rId5"/>
-    <p:sldLayoutId id="2147483652" r:id="rId6"/>
-    <p:sldLayoutId id="2147483653" r:id="rId7"/>
-    <p:sldLayoutId id="2147483654" r:id="rId8"/>
-    <p:sldLayoutId id="2147483655" r:id="rId9"/>
-    <p:sldLayoutId id="2147483656" r:id="rId10"/>
-    <p:sldLayoutId id="2147483657" r:id="rId11"/>
-    <p:sldLayoutId id="2147483658" r:id="rId12"/>
-    <p:sldLayoutId id="2147483659" r:id="rId13"/>
-    <p:sldLayoutId id="2147483660" r:id="rId14"/>
+    <p:sldLayoutId id="2147483649" r:id="rId1"/>
+    <p:sldLayoutId id="2147483650" r:id="rId2"/>
+    <p:sldLayoutId id="2147483651" r:id="rId3"/>
+    <p:sldLayoutId id="2147483652" r:id="rId4"/>
+    <p:sldLayoutId id="2147483653" r:id="rId5"/>
+    <p:sldLayoutId id="2147483654" r:id="rId6"/>
+    <p:sldLayoutId id="2147483655" r:id="rId7"/>
+    <p:sldLayoutId id="2147483656" r:id="rId8"/>
+    <p:sldLayoutId id="2147483657" r:id="rId9"/>
+    <p:sldLayoutId id="2147483658" r:id="rId10"/>
+    <p:sldLayoutId id="2147483659" r:id="rId11"/>
+    <p:sldLayoutId id="2147483660" r:id="rId12"/>
   </p:sldLayoutIdLst>
+  <p:txStyles>
+    <p:titleStyle/>
+    <p:bodyStyle/>
+    <p:otherStyle/>
+  </p:txStyles>
 </p:sldMaster>
 </file>
 
 <file path=ppt/slideMasters/slideMaster2.xml><?xml version="1.0" encoding="utf-8"?>
-<p:sldMaster xmlns:a="http://schemas.openxmlformats.org/drawingml/2006/main" xmlns:p="http://schemas.openxmlformats.org/presentationml/2006/main" xmlns:r="http://schemas.openxmlformats.org/officeDocument/2006/relationships" xmlns:p14="http://schemas.microsoft.com/office/powerpoint/2010/main" xmlns:p15="http://schemas.microsoft.com/office/powerpoint/2012/main" xmlns:mc="http://schemas.openxmlformats.org/markup-compatibility/2006">
+<p:sldMaster xmlns:a="http://schemas.openxmlformats.org/drawingml/2006/main" xmlns:r="http://schemas.openxmlformats.org/officeDocument/2006/relationships" xmlns:p="http://schemas.openxmlformats.org/presentationml/2006/main">
   <p:cSld>
     <p:bg>
       <p:bgPr>
         <a:solidFill>
-          <a:srgbClr val="ffffff"/>
+          <a:srgbClr val="FFFFFF"/>
         </a:solidFill>
+        <a:effectLst/>
       </p:bgPr>
     </p:bg>
     <p:spTree>
@@ -5235,13 +4122,20 @@
           </a:ln>
         </p:spPr>
         <p:style>
-          <a:lnRef idx="0"/>
-          <a:fillRef idx="0"/>
-          <a:effectRef idx="0"/>
+          <a:lnRef idx="0">
+            <a:scrgbClr r="0" g="0" b="0"/>
+          </a:lnRef>
+          <a:fillRef idx="0">
+            <a:scrgbClr r="0" g="0" b="0"/>
+          </a:fillRef>
+          <a:effectRef idx="0">
+            <a:scrgbClr r="0" g="0" b="0"/>
+          </a:effectRef>
           <a:fontRef idx="minor"/>
         </p:style>
         <p:txBody>
-          <a:bodyPr lIns="117000" rIns="117000" tIns="58680" bIns="58680" anchor="b"/>
+          <a:bodyPr lIns="117000" tIns="58680" rIns="117000" bIns="58680" anchor="b"/>
+          <a:lstStyle/>
           <a:p>
             <a:pPr algn="ctr">
               <a:lnSpc>
@@ -5249,27 +4143,27 @@
               </a:lnSpc>
             </a:pPr>
             <a:fld id="{F65233F4-94C3-4B62-BA8D-E6DA826EDA84}" type="slidenum">
-              <a:rPr b="0" lang="pt-PT" sz="900" spc="-1" strike="noStrike">
+              <a:rPr lang="pt-PT" sz="900" b="0" strike="noStrike" spc="-1">
                 <a:solidFill>
                   <a:srgbClr val="323232"/>
                 </a:solidFill>
                 <a:uFill>
                   <a:solidFill>
-                    <a:srgbClr val="ffffff"/>
+                    <a:srgbClr val="FFFFFF"/>
                   </a:solidFill>
                 </a:uFill>
                 <a:latin typeface="Calibri"/>
                 <a:ea typeface="ＭＳ Ｐゴシック"/>
               </a:rPr>
-              <a:t>&lt;number&gt;</a:t>
+              <a:t>‹#›</a:t>
             </a:fld>
-            <a:endParaRPr b="0" lang="pt-PT" sz="1800" spc="-1" strike="noStrike">
+            <a:endParaRPr lang="pt-PT" sz="1800" b="0" strike="noStrike" spc="-1">
               <a:solidFill>
                 <a:srgbClr val="000000"/>
               </a:solidFill>
               <a:uFill>
                 <a:solidFill>
-                  <a:srgbClr val="ffffff"/>
+                  <a:srgbClr val="FFFFFF"/>
                 </a:solidFill>
               </a:uFill>
               <a:latin typeface="Arial"/>
@@ -5279,12 +4173,12 @@
       </p:sp>
       <p:pic>
         <p:nvPicPr>
-          <p:cNvPr id="38" name="Picture 6" descr=""/>
+          <p:cNvPr id="38" name="Picture 6"/>
           <p:cNvPicPr/>
           <p:nvPr/>
         </p:nvPicPr>
         <p:blipFill>
-          <a:blip r:embed="rId2"/>
+          <a:blip r:embed="rId14"/>
           <a:stretch/>
         </p:blipFill>
         <p:spPr>
@@ -5320,7 +4214,8 @@
           </a:prstGeom>
         </p:spPr>
         <p:txBody>
-          <a:bodyPr lIns="0" rIns="0" tIns="0" bIns="0"/>
+          <a:bodyPr lIns="0" tIns="0" rIns="0" bIns="0"/>
+          <a:lstStyle/>
           <a:p>
             <a:pPr>
               <a:lnSpc>
@@ -5328,26 +4223,26 @@
               </a:lnSpc>
             </a:pPr>
             <a:r>
-              <a:rPr b="0" lang="en-US" sz="2800" spc="-1" strike="noStrike">
-                <a:solidFill>
-                  <a:srgbClr val="009cdd"/>
+              <a:rPr lang="en-US" sz="2800" b="0" strike="noStrike" spc="-1">
+                <a:solidFill>
+                  <a:srgbClr val="009CDD"/>
                 </a:solidFill>
                 <a:uFill>
                   <a:solidFill>
-                    <a:srgbClr val="ffffff"/>
+                    <a:srgbClr val="FFFFFF"/>
                   </a:solidFill>
                 </a:uFill>
                 <a:latin typeface="Sky Text Medium"/>
               </a:rPr>
               <a:t>Click to edit Master title style</a:t>
             </a:r>
-            <a:endParaRPr b="0" lang="en-US" sz="2300" spc="-1" strike="noStrike">
+            <a:endParaRPr lang="en-US" sz="2300" b="0" strike="noStrike" spc="-1">
               <a:solidFill>
                 <a:srgbClr val="000000"/>
               </a:solidFill>
               <a:uFill>
                 <a:solidFill>
-                  <a:srgbClr val="ffffff"/>
+                  <a:srgbClr val="FFFFFF"/>
                 </a:solidFill>
               </a:uFill>
               <a:latin typeface="Sky Text"/>
@@ -5375,7 +4270,8 @@
           </a:prstGeom>
         </p:spPr>
         <p:txBody>
-          <a:bodyPr lIns="0" rIns="0" tIns="0" bIns="0"/>
+          <a:bodyPr lIns="0" tIns="0" rIns="0" bIns="0"/>
+          <a:lstStyle/>
           <a:p>
             <a:pPr marL="432000" indent="-324000">
               <a:buClr>
@@ -5386,33 +4282,22 @@
               <a:buChar char=""/>
             </a:pPr>
             <a:r>
-              <a:rPr b="0" lang="en-US" sz="1800" spc="-1" strike="noStrike">
+              <a:rPr lang="en-US" sz="1800" b="0" strike="noStrike" spc="-1">
                 <a:solidFill>
                   <a:srgbClr val="323232"/>
                 </a:solidFill>
                 <a:uFill>
                   <a:solidFill>
-                    <a:srgbClr val="ffffff"/>
+                    <a:srgbClr val="FFFFFF"/>
                   </a:solidFill>
                 </a:uFill>
                 <a:latin typeface="Sky Text"/>
               </a:rPr>
               <a:t>Click to edit the outline text format</a:t>
             </a:r>
-            <a:endParaRPr b="0" lang="en-US" sz="1800" spc="-1" strike="noStrike">
-              <a:solidFill>
-                <a:srgbClr val="323232"/>
-              </a:solidFill>
-              <a:uFill>
-                <a:solidFill>
-                  <a:srgbClr val="ffffff"/>
-                </a:solidFill>
-              </a:uFill>
-              <a:latin typeface="Sky Text"/>
-            </a:endParaRPr>
-          </a:p>
-          <a:p>
-            <a:pPr lvl="1" marL="864000" indent="-324000">
+          </a:p>
+          <a:p>
+            <a:pPr marL="864000" lvl="1" indent="-324000">
               <a:buClr>
                 <a:srgbClr val="000000"/>
               </a:buClr>
@@ -5421,33 +4306,22 @@
               <a:buChar char=""/>
             </a:pPr>
             <a:r>
-              <a:rPr b="0" lang="en-US" sz="1800" spc="-1" strike="noStrike">
+              <a:rPr lang="en-US" sz="1800" b="0" strike="noStrike" spc="-1">
                 <a:solidFill>
                   <a:srgbClr val="323232"/>
                 </a:solidFill>
                 <a:uFill>
                   <a:solidFill>
-                    <a:srgbClr val="ffffff"/>
+                    <a:srgbClr val="FFFFFF"/>
                   </a:solidFill>
                 </a:uFill>
                 <a:latin typeface="Sky Text"/>
               </a:rPr>
               <a:t>Second Outline Level</a:t>
             </a:r>
-            <a:endParaRPr b="0" lang="en-US" sz="1800" spc="-1" strike="noStrike">
-              <a:solidFill>
-                <a:srgbClr val="323232"/>
-              </a:solidFill>
-              <a:uFill>
-                <a:solidFill>
-                  <a:srgbClr val="ffffff"/>
-                </a:solidFill>
-              </a:uFill>
-              <a:latin typeface="Sky Text"/>
-            </a:endParaRPr>
-          </a:p>
-          <a:p>
-            <a:pPr lvl="2" marL="1296000" indent="-288000">
+          </a:p>
+          <a:p>
+            <a:pPr marL="1296000" lvl="2" indent="-288000">
               <a:buClr>
                 <a:srgbClr val="000000"/>
               </a:buClr>
@@ -5456,33 +4330,22 @@
               <a:buChar char=""/>
             </a:pPr>
             <a:r>
-              <a:rPr b="0" lang="en-US" sz="1800" spc="-1" strike="noStrike">
+              <a:rPr lang="en-US" sz="1800" b="0" strike="noStrike" spc="-1">
                 <a:solidFill>
                   <a:srgbClr val="323232"/>
                 </a:solidFill>
                 <a:uFill>
                   <a:solidFill>
-                    <a:srgbClr val="ffffff"/>
+                    <a:srgbClr val="FFFFFF"/>
                   </a:solidFill>
                 </a:uFill>
                 <a:latin typeface="Sky Text"/>
               </a:rPr>
               <a:t>Third Outline Level</a:t>
             </a:r>
-            <a:endParaRPr b="0" lang="en-US" sz="1800" spc="-1" strike="noStrike">
-              <a:solidFill>
-                <a:srgbClr val="323232"/>
-              </a:solidFill>
-              <a:uFill>
-                <a:solidFill>
-                  <a:srgbClr val="ffffff"/>
-                </a:solidFill>
-              </a:uFill>
-              <a:latin typeface="Sky Text"/>
-            </a:endParaRPr>
-          </a:p>
-          <a:p>
-            <a:pPr lvl="3" marL="1728000" indent="-216000">
+          </a:p>
+          <a:p>
+            <a:pPr marL="1728000" lvl="3" indent="-216000">
               <a:buClr>
                 <a:srgbClr val="000000"/>
               </a:buClr>
@@ -5491,33 +4354,33 @@
               <a:buChar char=""/>
             </a:pPr>
             <a:r>
-              <a:rPr b="0" lang="en-US" sz="1800" spc="-1" strike="noStrike">
+              <a:rPr lang="en-US" sz="1800" b="0" strike="noStrike" spc="-1">
                 <a:solidFill>
                   <a:srgbClr val="323232"/>
                 </a:solidFill>
                 <a:uFill>
                   <a:solidFill>
-                    <a:srgbClr val="ffffff"/>
+                    <a:srgbClr val="FFFFFF"/>
                   </a:solidFill>
                 </a:uFill>
                 <a:latin typeface="Sky Text"/>
               </a:rPr>
               <a:t>Fourth Outline Level</a:t>
             </a:r>
-            <a:endParaRPr b="0" lang="en-US" sz="1800" spc="-1" strike="noStrike">
+            <a:endParaRPr lang="en-US" sz="1800" b="0" strike="noStrike" spc="-1">
               <a:solidFill>
                 <a:srgbClr val="000000"/>
               </a:solidFill>
               <a:uFill>
                 <a:solidFill>
-                  <a:srgbClr val="ffffff"/>
+                  <a:srgbClr val="FFFFFF"/>
                 </a:solidFill>
               </a:uFill>
               <a:latin typeface="Sky Text Medium"/>
             </a:endParaRPr>
           </a:p>
           <a:p>
-            <a:pPr lvl="4" marL="2160000" indent="-216000">
+            <a:pPr marL="2160000" lvl="4" indent="-216000">
               <a:buClr>
                 <a:srgbClr val="000000"/>
               </a:buClr>
@@ -5526,33 +4389,33 @@
               <a:buChar char=""/>
             </a:pPr>
             <a:r>
-              <a:rPr b="0" lang="en-US" sz="1800" spc="-1" strike="noStrike">
+              <a:rPr lang="en-US" sz="1800" b="0" strike="noStrike" spc="-1">
                 <a:solidFill>
                   <a:srgbClr val="323232"/>
                 </a:solidFill>
                 <a:uFill>
                   <a:solidFill>
-                    <a:srgbClr val="ffffff"/>
+                    <a:srgbClr val="FFFFFF"/>
                   </a:solidFill>
                 </a:uFill>
                 <a:latin typeface="Sky Text"/>
               </a:rPr>
               <a:t>Fifth Outline Level</a:t>
             </a:r>
-            <a:endParaRPr b="0" lang="en-US" sz="1800" spc="-1" strike="noStrike">
+            <a:endParaRPr lang="en-US" sz="1800" b="0" strike="noStrike" spc="-1">
               <a:solidFill>
                 <a:srgbClr val="000000"/>
               </a:solidFill>
               <a:uFill>
                 <a:solidFill>
-                  <a:srgbClr val="ffffff"/>
+                  <a:srgbClr val="FFFFFF"/>
                 </a:solidFill>
               </a:uFill>
               <a:latin typeface="Sky Text Medium"/>
             </a:endParaRPr>
           </a:p>
           <a:p>
-            <a:pPr lvl="5" marL="2592000" indent="-216000">
+            <a:pPr marL="2592000" lvl="5" indent="-216000">
               <a:buClr>
                 <a:srgbClr val="000000"/>
               </a:buClr>
@@ -5561,26 +4424,26 @@
               <a:buChar char=""/>
             </a:pPr>
             <a:r>
-              <a:rPr b="0" lang="en-US" sz="1800" spc="-1" strike="noStrike">
+              <a:rPr lang="en-US" sz="1800" b="0" strike="noStrike" spc="-1">
                 <a:solidFill>
                   <a:srgbClr val="323232"/>
                 </a:solidFill>
                 <a:uFill>
                   <a:solidFill>
-                    <a:srgbClr val="ffffff"/>
+                    <a:srgbClr val="FFFFFF"/>
                   </a:solidFill>
                 </a:uFill>
                 <a:latin typeface="Sky Text"/>
               </a:rPr>
               <a:t>Sixth Outline Level</a:t>
             </a:r>
-            <a:endParaRPr b="0" lang="en-US" sz="1800" spc="-1" strike="noStrike">
+            <a:endParaRPr lang="en-US" sz="1800" b="0" strike="noStrike" spc="-1">
               <a:solidFill>
                 <a:srgbClr val="000000"/>
               </a:solidFill>
               <a:uFill>
                 <a:solidFill>
-                  <a:srgbClr val="ffffff"/>
+                  <a:srgbClr val="FFFFFF"/>
                 </a:solidFill>
               </a:uFill>
               <a:latin typeface="Sky Text Medium"/>
@@ -5592,143 +4455,132 @@
                 <a:spcPct val="100000"/>
               </a:lnSpc>
               <a:buClr>
-                <a:srgbClr val="009cdd"/>
+                <a:srgbClr val="009CDD"/>
               </a:buClr>
               <a:buFont typeface="Arial"/>
               <a:buChar char="•"/>
             </a:pPr>
             <a:r>
-              <a:rPr b="0" lang="en-US" sz="1800" spc="-1" strike="noStrike">
+              <a:rPr lang="en-US" sz="1800" b="0" strike="noStrike" spc="-1">
                 <a:solidFill>
                   <a:srgbClr val="323232"/>
                 </a:solidFill>
                 <a:uFill>
                   <a:solidFill>
-                    <a:srgbClr val="ffffff"/>
+                    <a:srgbClr val="FFFFFF"/>
                   </a:solidFill>
                 </a:uFill>
                 <a:latin typeface="Sky Text"/>
               </a:rPr>
               <a:t>Seventh Outline LevelClick to edit Master text styles</a:t>
             </a:r>
-            <a:endParaRPr b="0" lang="en-US" sz="1800" spc="-1" strike="noStrike">
-              <a:solidFill>
-                <a:srgbClr val="323232"/>
-              </a:solidFill>
-              <a:uFill>
-                <a:solidFill>
-                  <a:srgbClr val="ffffff"/>
-                </a:solidFill>
-              </a:uFill>
-              <a:latin typeface="Sky Text"/>
-            </a:endParaRPr>
-          </a:p>
-          <a:p>
-            <a:pPr lvl="1" marL="460440" indent="-228240">
+          </a:p>
+          <a:p>
+            <a:pPr marL="460440" lvl="1" indent="-228240">
               <a:lnSpc>
                 <a:spcPct val="100000"/>
               </a:lnSpc>
               <a:buClr>
-                <a:srgbClr val="009cdd"/>
+                <a:srgbClr val="009CDD"/>
               </a:buClr>
               <a:buFont typeface="Arial"/>
               <a:buChar char="–"/>
             </a:pPr>
             <a:r>
-              <a:rPr b="0" lang="en-US" sz="1600" spc="-1" strike="noStrike">
+              <a:rPr lang="en-US" sz="1600" b="0" strike="noStrike" spc="-1">
                 <a:solidFill>
                   <a:srgbClr val="323232"/>
                 </a:solidFill>
                 <a:uFill>
                   <a:solidFill>
-                    <a:srgbClr val="ffffff"/>
+                    <a:srgbClr val="FFFFFF"/>
                   </a:solidFill>
                 </a:uFill>
                 <a:latin typeface="Sky Text"/>
               </a:rPr>
               <a:t>Second level</a:t>
             </a:r>
-            <a:endParaRPr b="0" lang="en-US" sz="1800" spc="-1" strike="noStrike">
+            <a:endParaRPr lang="en-US" sz="1800" b="0" strike="noStrike" spc="-1">
               <a:solidFill>
                 <a:srgbClr val="323232"/>
               </a:solidFill>
               <a:uFill>
                 <a:solidFill>
-                  <a:srgbClr val="ffffff"/>
-                </a:solidFill>
-              </a:uFill>
-              <a:latin typeface="Sky Text"/>
-            </a:endParaRPr>
-          </a:p>
-          <a:p>
-            <a:pPr lvl="2" marL="623880" indent="-161640">
+                  <a:srgbClr val="FFFFFF"/>
+                </a:solidFill>
+              </a:uFill>
+              <a:latin typeface="Sky Text"/>
+            </a:endParaRPr>
+          </a:p>
+          <a:p>
+            <a:pPr marL="623880" lvl="2" indent="-161640">
               <a:lnSpc>
                 <a:spcPct val="100000"/>
               </a:lnSpc>
               <a:buClr>
-                <a:srgbClr val="009cdd"/>
+                <a:srgbClr val="009CDD"/>
               </a:buClr>
               <a:buFont typeface="Lucida Grande"/>
               <a:buChar char="­"/>
             </a:pPr>
             <a:r>
-              <a:rPr b="0" lang="en-US" sz="1400" spc="-1" strike="noStrike">
+              <a:rPr lang="en-US" sz="1400" b="0" strike="noStrike" spc="-1">
                 <a:solidFill>
                   <a:srgbClr val="323232"/>
                 </a:solidFill>
                 <a:uFill>
                   <a:solidFill>
-                    <a:srgbClr val="ffffff"/>
+                    <a:srgbClr val="FFFFFF"/>
                   </a:solidFill>
                 </a:uFill>
                 <a:latin typeface="Sky Text"/>
               </a:rPr>
               <a:t>Third level</a:t>
             </a:r>
-            <a:endParaRPr b="0" lang="en-US" sz="1800" spc="-1" strike="noStrike">
+            <a:endParaRPr lang="en-US" sz="1800" b="0" strike="noStrike" spc="-1">
               <a:solidFill>
                 <a:srgbClr val="323232"/>
               </a:solidFill>
               <a:uFill>
                 <a:solidFill>
-                  <a:srgbClr val="ffffff"/>
-                </a:solidFill>
-              </a:uFill>
-              <a:latin typeface="Sky Text"/>
-            </a:endParaRPr>
-          </a:p>
-          <a:p>
-            <a:pPr lvl="3" marL="893880" indent="-178920">
+                  <a:srgbClr val="FFFFFF"/>
+                </a:solidFill>
+              </a:uFill>
+              <a:latin typeface="Sky Text"/>
+            </a:endParaRPr>
+          </a:p>
+          <a:p>
+            <a:pPr marL="893880" lvl="3" indent="-178920">
               <a:lnSpc>
                 <a:spcPct val="100000"/>
               </a:lnSpc>
               <a:buClr>
-                <a:srgbClr val="009cdd"/>
+                <a:srgbClr val="009CDD"/>
               </a:buClr>
               <a:buFont typeface="Arial"/>
               <a:buChar char="–"/>
             </a:pPr>
             <a:r>
-              <a:rPr b="0" lang="en-US" sz="1200" spc="-1" strike="noStrike">
+              <a:rPr lang="en-US" sz="1200" b="0" strike="noStrike" spc="-1">
                 <a:solidFill>
                   <a:srgbClr val="323232"/>
                 </a:solidFill>
                 <a:uFill>
                   <a:solidFill>
-                    <a:srgbClr val="ffffff"/>
+                    <a:srgbClr val="FFFFFF"/>
                   </a:solidFill>
                 </a:uFill>
                 <a:latin typeface="Sky Text"/>
               </a:rPr>
               <a:t>Fourth level</a:t>
             </a:r>
-            <a:endParaRPr b="0" lang="en-US" sz="1800" spc="-1" strike="noStrike">
+            <a:endParaRPr lang="en-US" sz="1800" b="0" strike="noStrike" spc="-1">
               <a:solidFill>
                 <a:srgbClr val="000000"/>
               </a:solidFill>
               <a:uFill>
                 <a:solidFill>
-                  <a:srgbClr val="ffffff"/>
+                  <a:srgbClr val="FFFFFF"/>
                 </a:solidFill>
               </a:uFill>
               <a:latin typeface="Sky Text Medium"/>
@@ -5756,7 +4608,8 @@
           </a:prstGeom>
         </p:spPr>
         <p:txBody>
-          <a:bodyPr lIns="0" rIns="0" tIns="0" bIns="0" anchor="b"/>
+          <a:bodyPr lIns="0" tIns="0" rIns="0" bIns="0" anchor="b"/>
+          <a:lstStyle/>
           <a:p>
             <a:pPr marL="432000" indent="-324000">
               <a:buClr>
@@ -5767,33 +4620,33 @@
               <a:buChar char=""/>
             </a:pPr>
             <a:r>
-              <a:rPr b="0" lang="en-US" sz="1000" spc="-1" strike="noStrike">
+              <a:rPr lang="en-US" sz="1000" b="0" strike="noStrike" spc="-1">
                 <a:solidFill>
                   <a:srgbClr val="000000"/>
                 </a:solidFill>
                 <a:uFill>
                   <a:solidFill>
-                    <a:srgbClr val="ffffff"/>
+                    <a:srgbClr val="FFFFFF"/>
                   </a:solidFill>
                 </a:uFill>
                 <a:latin typeface="Sky Text"/>
               </a:rPr>
               <a:t>Click to edit the outline text format</a:t>
             </a:r>
-            <a:endParaRPr b="0" lang="en-US" sz="1000" spc="-1" strike="noStrike">
+            <a:endParaRPr lang="en-US" sz="1000" b="0" strike="noStrike" spc="-1">
               <a:solidFill>
                 <a:srgbClr val="323232"/>
               </a:solidFill>
               <a:uFill>
                 <a:solidFill>
-                  <a:srgbClr val="ffffff"/>
-                </a:solidFill>
-              </a:uFill>
-              <a:latin typeface="Sky Text"/>
-            </a:endParaRPr>
-          </a:p>
-          <a:p>
-            <a:pPr lvl="1" marL="864000" indent="-324000">
+                  <a:srgbClr val="FFFFFF"/>
+                </a:solidFill>
+              </a:uFill>
+              <a:latin typeface="Sky Text"/>
+            </a:endParaRPr>
+          </a:p>
+          <a:p>
+            <a:pPr marL="864000" lvl="1" indent="-324000">
               <a:buClr>
                 <a:srgbClr val="000000"/>
               </a:buClr>
@@ -5802,33 +4655,33 @@
               <a:buChar char=""/>
             </a:pPr>
             <a:r>
-              <a:rPr b="0" lang="en-US" sz="1000" spc="-1" strike="noStrike">
+              <a:rPr lang="en-US" sz="1000" b="0" strike="noStrike" spc="-1">
                 <a:solidFill>
                   <a:srgbClr val="000000"/>
                 </a:solidFill>
                 <a:uFill>
                   <a:solidFill>
-                    <a:srgbClr val="ffffff"/>
+                    <a:srgbClr val="FFFFFF"/>
                   </a:solidFill>
                 </a:uFill>
                 <a:latin typeface="Sky Text"/>
               </a:rPr>
               <a:t>Second Outline Level</a:t>
             </a:r>
-            <a:endParaRPr b="0" lang="en-US" sz="1000" spc="-1" strike="noStrike">
+            <a:endParaRPr lang="en-US" sz="1000" b="0" strike="noStrike" spc="-1">
               <a:solidFill>
                 <a:srgbClr val="323232"/>
               </a:solidFill>
               <a:uFill>
                 <a:solidFill>
-                  <a:srgbClr val="ffffff"/>
-                </a:solidFill>
-              </a:uFill>
-              <a:latin typeface="Sky Text"/>
-            </a:endParaRPr>
-          </a:p>
-          <a:p>
-            <a:pPr lvl="2" marL="1296000" indent="-288000">
+                  <a:srgbClr val="FFFFFF"/>
+                </a:solidFill>
+              </a:uFill>
+              <a:latin typeface="Sky Text"/>
+            </a:endParaRPr>
+          </a:p>
+          <a:p>
+            <a:pPr marL="1296000" lvl="2" indent="-288000">
               <a:buClr>
                 <a:srgbClr val="000000"/>
               </a:buClr>
@@ -5837,33 +4690,33 @@
               <a:buChar char=""/>
             </a:pPr>
             <a:r>
-              <a:rPr b="0" lang="en-US" sz="1000" spc="-1" strike="noStrike">
+              <a:rPr lang="en-US" sz="1000" b="0" strike="noStrike" spc="-1">
                 <a:solidFill>
                   <a:srgbClr val="000000"/>
                 </a:solidFill>
                 <a:uFill>
                   <a:solidFill>
-                    <a:srgbClr val="ffffff"/>
+                    <a:srgbClr val="FFFFFF"/>
                   </a:solidFill>
                 </a:uFill>
                 <a:latin typeface="Sky Text"/>
               </a:rPr>
               <a:t>Third Outline Level</a:t>
             </a:r>
-            <a:endParaRPr b="0" lang="en-US" sz="1000" spc="-1" strike="noStrike">
+            <a:endParaRPr lang="en-US" sz="1000" b="0" strike="noStrike" spc="-1">
               <a:solidFill>
                 <a:srgbClr val="323232"/>
               </a:solidFill>
               <a:uFill>
                 <a:solidFill>
-                  <a:srgbClr val="ffffff"/>
-                </a:solidFill>
-              </a:uFill>
-              <a:latin typeface="Sky Text"/>
-            </a:endParaRPr>
-          </a:p>
-          <a:p>
-            <a:pPr lvl="3" marL="1728000" indent="-216000">
+                  <a:srgbClr val="FFFFFF"/>
+                </a:solidFill>
+              </a:uFill>
+              <a:latin typeface="Sky Text"/>
+            </a:endParaRPr>
+          </a:p>
+          <a:p>
+            <a:pPr marL="1728000" lvl="3" indent="-216000">
               <a:buClr>
                 <a:srgbClr val="000000"/>
               </a:buClr>
@@ -5872,33 +4725,33 @@
               <a:buChar char=""/>
             </a:pPr>
             <a:r>
-              <a:rPr b="0" lang="en-US" sz="1000" spc="-1" strike="noStrike">
+              <a:rPr lang="en-US" sz="1000" b="0" strike="noStrike" spc="-1">
                 <a:solidFill>
                   <a:srgbClr val="000000"/>
                 </a:solidFill>
                 <a:uFill>
                   <a:solidFill>
-                    <a:srgbClr val="ffffff"/>
+                    <a:srgbClr val="FFFFFF"/>
                   </a:solidFill>
                 </a:uFill>
                 <a:latin typeface="Sky Text"/>
               </a:rPr>
               <a:t>Fourth Outline Level</a:t>
             </a:r>
-            <a:endParaRPr b="0" lang="en-US" sz="1000" spc="-1" strike="noStrike">
+            <a:endParaRPr lang="en-US" sz="1000" b="0" strike="noStrike" spc="-1">
               <a:solidFill>
                 <a:srgbClr val="000000"/>
               </a:solidFill>
               <a:uFill>
                 <a:solidFill>
-                  <a:srgbClr val="ffffff"/>
+                  <a:srgbClr val="FFFFFF"/>
                 </a:solidFill>
               </a:uFill>
               <a:latin typeface="Sky Text Medium"/>
             </a:endParaRPr>
           </a:p>
           <a:p>
-            <a:pPr lvl="4" marL="2160000" indent="-216000">
+            <a:pPr marL="2160000" lvl="4" indent="-216000">
               <a:buClr>
                 <a:srgbClr val="000000"/>
               </a:buClr>
@@ -5907,33 +4760,33 @@
               <a:buChar char=""/>
             </a:pPr>
             <a:r>
-              <a:rPr b="0" lang="en-US" sz="1000" spc="-1" strike="noStrike">
+              <a:rPr lang="en-US" sz="1000" b="0" strike="noStrike" spc="-1">
                 <a:solidFill>
                   <a:srgbClr val="000000"/>
                 </a:solidFill>
                 <a:uFill>
                   <a:solidFill>
-                    <a:srgbClr val="ffffff"/>
+                    <a:srgbClr val="FFFFFF"/>
                   </a:solidFill>
                 </a:uFill>
                 <a:latin typeface="Sky Text"/>
               </a:rPr>
               <a:t>Fifth Outline Level</a:t>
             </a:r>
-            <a:endParaRPr b="0" lang="en-US" sz="1000" spc="-1" strike="noStrike">
+            <a:endParaRPr lang="en-US" sz="1000" b="0" strike="noStrike" spc="-1">
               <a:solidFill>
                 <a:srgbClr val="000000"/>
               </a:solidFill>
               <a:uFill>
                 <a:solidFill>
-                  <a:srgbClr val="ffffff"/>
+                  <a:srgbClr val="FFFFFF"/>
                 </a:solidFill>
               </a:uFill>
               <a:latin typeface="Sky Text Medium"/>
             </a:endParaRPr>
           </a:p>
           <a:p>
-            <a:pPr lvl="5" marL="2592000" indent="-216000">
+            <a:pPr marL="2592000" lvl="5" indent="-216000">
               <a:buClr>
                 <a:srgbClr val="000000"/>
               </a:buClr>
@@ -5942,26 +4795,26 @@
               <a:buChar char=""/>
             </a:pPr>
             <a:r>
-              <a:rPr b="0" lang="en-US" sz="1000" spc="-1" strike="noStrike">
+              <a:rPr lang="en-US" sz="1000" b="0" strike="noStrike" spc="-1">
                 <a:solidFill>
                   <a:srgbClr val="000000"/>
                 </a:solidFill>
                 <a:uFill>
                   <a:solidFill>
-                    <a:srgbClr val="ffffff"/>
+                    <a:srgbClr val="FFFFFF"/>
                   </a:solidFill>
                 </a:uFill>
                 <a:latin typeface="Sky Text"/>
               </a:rPr>
               <a:t>Sixth Outline Level</a:t>
             </a:r>
-            <a:endParaRPr b="0" lang="en-US" sz="1000" spc="-1" strike="noStrike">
+            <a:endParaRPr lang="en-US" sz="1000" b="0" strike="noStrike" spc="-1">
               <a:solidFill>
                 <a:srgbClr val="000000"/>
               </a:solidFill>
               <a:uFill>
                 <a:solidFill>
-                  <a:srgbClr val="ffffff"/>
+                  <a:srgbClr val="FFFFFF"/>
                 </a:solidFill>
               </a:uFill>
               <a:latin typeface="Sky Text Medium"/>
@@ -5974,26 +4827,26 @@
               </a:lnSpc>
             </a:pPr>
             <a:r>
-              <a:rPr b="0" lang="en-US" sz="1000" spc="-1" strike="noStrike">
+              <a:rPr lang="en-US" sz="1000" b="0" strike="noStrike" spc="-1">
                 <a:solidFill>
                   <a:srgbClr val="000000"/>
                 </a:solidFill>
                 <a:uFill>
                   <a:solidFill>
-                    <a:srgbClr val="ffffff"/>
+                    <a:srgbClr val="FFFFFF"/>
                   </a:solidFill>
                 </a:uFill>
                 <a:latin typeface="Sky Text"/>
               </a:rPr>
               <a:t>Seventh Outline LevelClick to edit Master text styles</a:t>
             </a:r>
-            <a:endParaRPr b="0" lang="en-US" sz="1000" spc="-1" strike="noStrike">
+            <a:endParaRPr lang="en-US" sz="1000" b="0" strike="noStrike" spc="-1">
               <a:solidFill>
                 <a:srgbClr val="323232"/>
               </a:solidFill>
               <a:uFill>
                 <a:solidFill>
-                  <a:srgbClr val="ffffff"/>
+                  <a:srgbClr val="FFFFFF"/>
                 </a:solidFill>
               </a:uFill>
               <a:latin typeface="Sky Text"/>
@@ -6003,386 +4856,31 @@
       </p:sp>
     </p:spTree>
   </p:cSld>
-  <p:clrMap bg1="lt1" bg2="lt2" tx1="dk1" tx2="dk2" accent1="accent1" accent2="accent2" accent3="accent3" accent4="accent4" accent5="accent5" accent6="accent6" hlink="hlink" folHlink="folHlink"/>
+  <p:clrMap bg1="lt1" tx1="dk1" bg2="lt2" tx2="dk2" accent1="accent1" accent2="accent2" accent3="accent3" accent4="accent4" accent5="accent5" accent6="accent6" hlink="hlink" folHlink="folHlink"/>
   <p:sldLayoutIdLst>
-    <p:sldLayoutId id="2147483662" r:id="rId3"/>
-    <p:sldLayoutId id="2147483663" r:id="rId4"/>
-    <p:sldLayoutId id="2147483664" r:id="rId5"/>
-    <p:sldLayoutId id="2147483665" r:id="rId6"/>
-    <p:sldLayoutId id="2147483666" r:id="rId7"/>
-    <p:sldLayoutId id="2147483667" r:id="rId8"/>
-    <p:sldLayoutId id="2147483668" r:id="rId9"/>
-    <p:sldLayoutId id="2147483669" r:id="rId10"/>
-    <p:sldLayoutId id="2147483670" r:id="rId11"/>
-    <p:sldLayoutId id="2147483671" r:id="rId12"/>
-    <p:sldLayoutId id="2147483672" r:id="rId13"/>
-    <p:sldLayoutId id="2147483673" r:id="rId14"/>
+    <p:sldLayoutId id="2147483662" r:id="rId1"/>
+    <p:sldLayoutId id="2147483663" r:id="rId2"/>
+    <p:sldLayoutId id="2147483664" r:id="rId3"/>
+    <p:sldLayoutId id="2147483665" r:id="rId4"/>
+    <p:sldLayoutId id="2147483666" r:id="rId5"/>
+    <p:sldLayoutId id="2147483667" r:id="rId6"/>
+    <p:sldLayoutId id="2147483668" r:id="rId7"/>
+    <p:sldLayoutId id="2147483669" r:id="rId8"/>
+    <p:sldLayoutId id="2147483670" r:id="rId9"/>
+    <p:sldLayoutId id="2147483671" r:id="rId10"/>
+    <p:sldLayoutId id="2147483672" r:id="rId11"/>
+    <p:sldLayoutId id="2147483673" r:id="rId12"/>
   </p:sldLayoutIdLst>
-</p:sldMaster>
-</file>
-
-<file path=ppt/slideMasters/slideMaster3.xml><?xml version="1.0" encoding="utf-8"?>
-<p:sldMaster xmlns:a="http://schemas.openxmlformats.org/drawingml/2006/main" xmlns:p="http://schemas.openxmlformats.org/presentationml/2006/main" xmlns:r="http://schemas.openxmlformats.org/officeDocument/2006/relationships" xmlns:p14="http://schemas.microsoft.com/office/powerpoint/2010/main" xmlns:p15="http://schemas.microsoft.com/office/powerpoint/2012/main" xmlns:mc="http://schemas.openxmlformats.org/markup-compatibility/2006">
-  <p:cSld>
-    <p:spTree>
-      <p:nvGrpSpPr>
-        <p:cNvPr id="1" name=""/>
-        <p:cNvGrpSpPr/>
-        <p:nvPr/>
-      </p:nvGrpSpPr>
-      <p:grpSpPr>
-        <a:xfrm>
-          <a:off x="0" y="0"/>
-          <a:ext cx="0" cy="0"/>
-          <a:chOff x="0" y="0"/>
-          <a:chExt cx="0" cy="0"/>
-        </a:xfrm>
-      </p:grpSpPr>
-      <p:sp>
-        <p:nvSpPr>
-          <p:cNvPr id="76" name="PlaceHolder 1"/>
-          <p:cNvSpPr>
-            <a:spLocks noGrp="1"/>
-          </p:cNvSpPr>
-          <p:nvPr>
-            <p:ph type="title"/>
-          </p:nvPr>
-        </p:nvSpPr>
-        <p:spPr>
-          <a:xfrm>
-            <a:off x="596880" y="2782800"/>
-            <a:ext cx="10510560" cy="1017360"/>
-          </a:xfrm>
-          <a:prstGeom prst="rect">
-            <a:avLst/>
-          </a:prstGeom>
-        </p:spPr>
-        <p:txBody>
-          <a:bodyPr lIns="0" rIns="0" tIns="0" bIns="0"/>
-          <a:p>
-            <a:pPr>
-              <a:lnSpc>
-                <a:spcPct val="100000"/>
-              </a:lnSpc>
-            </a:pPr>
-            <a:r>
-              <a:rPr b="0" lang="en-US" sz="2800" spc="-1" strike="noStrike">
-                <a:solidFill>
-                  <a:srgbClr val="ffffff"/>
-                </a:solidFill>
-                <a:uFill>
-                  <a:solidFill>
-                    <a:srgbClr val="ffffff"/>
-                  </a:solidFill>
-                </a:uFill>
-                <a:latin typeface="Sky Text Medium"/>
-              </a:rPr>
-              <a:t>Click to edit Master title style</a:t>
-            </a:r>
-            <a:endParaRPr b="0" lang="en-US" sz="2300" spc="-1" strike="noStrike">
-              <a:solidFill>
-                <a:srgbClr val="000000"/>
-              </a:solidFill>
-              <a:uFill>
-                <a:solidFill>
-                  <a:srgbClr val="ffffff"/>
-                </a:solidFill>
-              </a:uFill>
-              <a:latin typeface="Sky Text"/>
-            </a:endParaRPr>
-          </a:p>
-        </p:txBody>
-      </p:sp>
-      <p:sp>
-        <p:nvSpPr>
-          <p:cNvPr id="77" name="PlaceHolder 2"/>
-          <p:cNvSpPr>
-            <a:spLocks noGrp="1"/>
-          </p:cNvSpPr>
-          <p:nvPr>
-            <p:ph type="body"/>
-          </p:nvPr>
-        </p:nvSpPr>
-        <p:spPr>
-          <a:xfrm>
-            <a:off x="585000" y="1540440"/>
-            <a:ext cx="10533600" cy="3817800"/>
-          </a:xfrm>
-          <a:prstGeom prst="rect">
-            <a:avLst/>
-          </a:prstGeom>
-        </p:spPr>
-        <p:txBody>
-          <a:bodyPr lIns="0" rIns="0" tIns="0" bIns="0"/>
-          <a:p>
-            <a:pPr marL="432000" indent="-324000">
-              <a:buClr>
-                <a:srgbClr val="000000"/>
-              </a:buClr>
-              <a:buSzPct val="45000"/>
-              <a:buFont typeface="Wingdings" charset="2"/>
-              <a:buChar char=""/>
-            </a:pPr>
-            <a:r>
-              <a:rPr b="0" lang="en-US" sz="1800" spc="-1" strike="noStrike">
-                <a:solidFill>
-                  <a:srgbClr val="323232"/>
-                </a:solidFill>
-                <a:uFill>
-                  <a:solidFill>
-                    <a:srgbClr val="ffffff"/>
-                  </a:solidFill>
-                </a:uFill>
-                <a:latin typeface="Sky Text"/>
-              </a:rPr>
-              <a:t>Click to edit the outline text format</a:t>
-            </a:r>
-            <a:endParaRPr b="0" lang="en-US" sz="1800" spc="-1" strike="noStrike">
-              <a:solidFill>
-                <a:srgbClr val="323232"/>
-              </a:solidFill>
-              <a:uFill>
-                <a:solidFill>
-                  <a:srgbClr val="ffffff"/>
-                </a:solidFill>
-              </a:uFill>
-              <a:latin typeface="Sky Text"/>
-            </a:endParaRPr>
-          </a:p>
-          <a:p>
-            <a:pPr lvl="1" marL="864000" indent="-324000">
-              <a:buClr>
-                <a:srgbClr val="000000"/>
-              </a:buClr>
-              <a:buSzPct val="75000"/>
-              <a:buFont typeface="Symbol" charset="2"/>
-              <a:buChar char=""/>
-            </a:pPr>
-            <a:r>
-              <a:rPr b="0" lang="en-US" sz="1400" spc="-1" strike="noStrike">
-                <a:solidFill>
-                  <a:srgbClr val="323232"/>
-                </a:solidFill>
-                <a:uFill>
-                  <a:solidFill>
-                    <a:srgbClr val="ffffff"/>
-                  </a:solidFill>
-                </a:uFill>
-                <a:latin typeface="Sky Text"/>
-              </a:rPr>
-              <a:t>Second Outline Level</a:t>
-            </a:r>
-            <a:endParaRPr b="0" lang="en-US" sz="1400" spc="-1" strike="noStrike">
-              <a:solidFill>
-                <a:srgbClr val="323232"/>
-              </a:solidFill>
-              <a:uFill>
-                <a:solidFill>
-                  <a:srgbClr val="ffffff"/>
-                </a:solidFill>
-              </a:uFill>
-              <a:latin typeface="Sky Text"/>
-            </a:endParaRPr>
-          </a:p>
-          <a:p>
-            <a:pPr lvl="2" marL="1296000" indent="-288000">
-              <a:buClr>
-                <a:srgbClr val="000000"/>
-              </a:buClr>
-              <a:buSzPct val="45000"/>
-              <a:buFont typeface="Wingdings" charset="2"/>
-              <a:buChar char=""/>
-            </a:pPr>
-            <a:r>
-              <a:rPr b="0" lang="en-US" sz="1200" spc="-1" strike="noStrike">
-                <a:solidFill>
-                  <a:srgbClr val="323232"/>
-                </a:solidFill>
-                <a:uFill>
-                  <a:solidFill>
-                    <a:srgbClr val="ffffff"/>
-                  </a:solidFill>
-                </a:uFill>
-                <a:latin typeface="Sky Text"/>
-              </a:rPr>
-              <a:t>Third Outline Level</a:t>
-            </a:r>
-            <a:endParaRPr b="0" lang="en-US" sz="1200" spc="-1" strike="noStrike">
-              <a:solidFill>
-                <a:srgbClr val="323232"/>
-              </a:solidFill>
-              <a:uFill>
-                <a:solidFill>
-                  <a:srgbClr val="ffffff"/>
-                </a:solidFill>
-              </a:uFill>
-              <a:latin typeface="Sky Text"/>
-            </a:endParaRPr>
-          </a:p>
-          <a:p>
-            <a:pPr lvl="3" marL="1728000" indent="-216000">
-              <a:buClr>
-                <a:srgbClr val="000000"/>
-              </a:buClr>
-              <a:buSzPct val="75000"/>
-              <a:buFont typeface="Symbol" charset="2"/>
-              <a:buChar char=""/>
-            </a:pPr>
-            <a:r>
-              <a:rPr b="0" lang="en-US" sz="2000" spc="-1" strike="noStrike">
-                <a:solidFill>
-                  <a:srgbClr val="000000"/>
-                </a:solidFill>
-                <a:uFill>
-                  <a:solidFill>
-                    <a:srgbClr val="ffffff"/>
-                  </a:solidFill>
-                </a:uFill>
-                <a:latin typeface="Sky Text Medium"/>
-              </a:rPr>
-              <a:t>Fourth Outline Level</a:t>
-            </a:r>
-            <a:endParaRPr b="0" lang="en-US" sz="2000" spc="-1" strike="noStrike">
-              <a:solidFill>
-                <a:srgbClr val="000000"/>
-              </a:solidFill>
-              <a:uFill>
-                <a:solidFill>
-                  <a:srgbClr val="ffffff"/>
-                </a:solidFill>
-              </a:uFill>
-              <a:latin typeface="Sky Text Medium"/>
-            </a:endParaRPr>
-          </a:p>
-          <a:p>
-            <a:pPr lvl="4" marL="2160000" indent="-216000">
-              <a:buClr>
-                <a:srgbClr val="000000"/>
-              </a:buClr>
-              <a:buSzPct val="45000"/>
-              <a:buFont typeface="Wingdings" charset="2"/>
-              <a:buChar char=""/>
-            </a:pPr>
-            <a:r>
-              <a:rPr b="0" lang="en-US" sz="2000" spc="-1" strike="noStrike">
-                <a:solidFill>
-                  <a:srgbClr val="000000"/>
-                </a:solidFill>
-                <a:uFill>
-                  <a:solidFill>
-                    <a:srgbClr val="ffffff"/>
-                  </a:solidFill>
-                </a:uFill>
-                <a:latin typeface="Sky Text Medium"/>
-              </a:rPr>
-              <a:t>Fifth Outline Level</a:t>
-            </a:r>
-            <a:endParaRPr b="0" lang="en-US" sz="2000" spc="-1" strike="noStrike">
-              <a:solidFill>
-                <a:srgbClr val="000000"/>
-              </a:solidFill>
-              <a:uFill>
-                <a:solidFill>
-                  <a:srgbClr val="ffffff"/>
-                </a:solidFill>
-              </a:uFill>
-              <a:latin typeface="Sky Text Medium"/>
-            </a:endParaRPr>
-          </a:p>
-          <a:p>
-            <a:pPr lvl="5" marL="2592000" indent="-216000">
-              <a:buClr>
-                <a:srgbClr val="000000"/>
-              </a:buClr>
-              <a:buSzPct val="45000"/>
-              <a:buFont typeface="Wingdings" charset="2"/>
-              <a:buChar char=""/>
-            </a:pPr>
-            <a:r>
-              <a:rPr b="0" lang="en-US" sz="2000" spc="-1" strike="noStrike">
-                <a:solidFill>
-                  <a:srgbClr val="000000"/>
-                </a:solidFill>
-                <a:uFill>
-                  <a:solidFill>
-                    <a:srgbClr val="ffffff"/>
-                  </a:solidFill>
-                </a:uFill>
-                <a:latin typeface="Sky Text Medium"/>
-              </a:rPr>
-              <a:t>Sixth Outline Level</a:t>
-            </a:r>
-            <a:endParaRPr b="0" lang="en-US" sz="2000" spc="-1" strike="noStrike">
-              <a:solidFill>
-                <a:srgbClr val="000000"/>
-              </a:solidFill>
-              <a:uFill>
-                <a:solidFill>
-                  <a:srgbClr val="ffffff"/>
-                </a:solidFill>
-              </a:uFill>
-              <a:latin typeface="Sky Text Medium"/>
-            </a:endParaRPr>
-          </a:p>
-          <a:p>
-            <a:pPr lvl="6" marL="3024000" indent="-216000">
-              <a:buClr>
-                <a:srgbClr val="000000"/>
-              </a:buClr>
-              <a:buSzPct val="45000"/>
-              <a:buFont typeface="Wingdings" charset="2"/>
-              <a:buChar char=""/>
-            </a:pPr>
-            <a:r>
-              <a:rPr b="0" lang="en-US" sz="2000" spc="-1" strike="noStrike">
-                <a:solidFill>
-                  <a:srgbClr val="000000"/>
-                </a:solidFill>
-                <a:uFill>
-                  <a:solidFill>
-                    <a:srgbClr val="ffffff"/>
-                  </a:solidFill>
-                </a:uFill>
-                <a:latin typeface="Sky Text Medium"/>
-              </a:rPr>
-              <a:t>Seventh Outline Level</a:t>
-            </a:r>
-            <a:endParaRPr b="0" lang="en-US" sz="2000" spc="-1" strike="noStrike">
-              <a:solidFill>
-                <a:srgbClr val="000000"/>
-              </a:solidFill>
-              <a:uFill>
-                <a:solidFill>
-                  <a:srgbClr val="ffffff"/>
-                </a:solidFill>
-              </a:uFill>
-              <a:latin typeface="Sky Text Medium"/>
-            </a:endParaRPr>
-          </a:p>
-        </p:txBody>
-      </p:sp>
-    </p:spTree>
-  </p:cSld>
-  <p:clrMap bg1="lt1" bg2="lt2" tx1="dk1" tx2="dk2" accent1="accent1" accent2="accent2" accent3="accent3" accent4="accent4" accent5="accent5" accent6="accent6" hlink="hlink" folHlink="folHlink"/>
-  <p:sldLayoutIdLst>
-    <p:sldLayoutId id="2147483675" r:id="rId2"/>
-    <p:sldLayoutId id="2147483676" r:id="rId3"/>
-    <p:sldLayoutId id="2147483677" r:id="rId4"/>
-    <p:sldLayoutId id="2147483678" r:id="rId5"/>
-    <p:sldLayoutId id="2147483679" r:id="rId6"/>
-    <p:sldLayoutId id="2147483680" r:id="rId7"/>
-    <p:sldLayoutId id="2147483681" r:id="rId8"/>
-    <p:sldLayoutId id="2147483682" r:id="rId9"/>
-    <p:sldLayoutId id="2147483683" r:id="rId10"/>
-    <p:sldLayoutId id="2147483684" r:id="rId11"/>
-    <p:sldLayoutId id="2147483685" r:id="rId12"/>
-    <p:sldLayoutId id="2147483686" r:id="rId13"/>
-  </p:sldLayoutIdLst>
+  <p:txStyles>
+    <p:titleStyle/>
+    <p:bodyStyle/>
+    <p:otherStyle/>
+  </p:txStyles>
 </p:sldMaster>
 </file>
 
 <file path=ppt/slides/slide1.xml><?xml version="1.0" encoding="utf-8"?>
-<p:sld xmlns:a="http://schemas.openxmlformats.org/drawingml/2006/main" xmlns:p="http://schemas.openxmlformats.org/presentationml/2006/main" xmlns:r="http://schemas.openxmlformats.org/officeDocument/2006/relationships" xmlns:p14="http://schemas.microsoft.com/office/powerpoint/2010/main" xmlns:p15="http://schemas.microsoft.com/office/powerpoint/2012/main" xmlns:mc="http://schemas.openxmlformats.org/markup-compatibility/2006">
+<p:sld xmlns:a="http://schemas.openxmlformats.org/drawingml/2006/main" xmlns:r="http://schemas.openxmlformats.org/officeDocument/2006/relationships" xmlns:p="http://schemas.openxmlformats.org/presentationml/2006/main">
   <p:cSld>
     <p:spTree>
       <p:nvGrpSpPr>
@@ -6400,13 +4898,13 @@
       </p:grpSpPr>
       <p:pic>
         <p:nvPicPr>
-          <p:cNvPr id="117" name="Picture 17" descr=""/>
+          <p:cNvPr id="117" name="Picture 17"/>
           <p:cNvPicPr/>
           <p:nvPr/>
         </p:nvPicPr>
         <p:blipFill>
-          <a:blip r:embed="rId1"/>
-          <a:srcRect l="0" t="0" r="0" b="33196"/>
+          <a:blip r:embed="rId3"/>
+          <a:srcRect b="33196"/>
           <a:stretch/>
         </p:blipFill>
         <p:spPr>
@@ -6442,9 +4940,15 @@
           </a:ln>
         </p:spPr>
         <p:style>
-          <a:lnRef idx="0"/>
-          <a:fillRef idx="0"/>
-          <a:effectRef idx="0"/>
+          <a:lnRef idx="0">
+            <a:scrgbClr r="0" g="0" b="0"/>
+          </a:lnRef>
+          <a:fillRef idx="0">
+            <a:scrgbClr r="0" g="0" b="0"/>
+          </a:fillRef>
+          <a:effectRef idx="0">
+            <a:scrgbClr r="0" g="0" b="0"/>
+          </a:effectRef>
           <a:fontRef idx="minor"/>
         </p:style>
       </p:sp>
@@ -6468,13 +4972,20 @@
           </a:ln>
         </p:spPr>
         <p:style>
-          <a:lnRef idx="0"/>
-          <a:fillRef idx="0"/>
-          <a:effectRef idx="0"/>
+          <a:lnRef idx="0">
+            <a:scrgbClr r="0" g="0" b="0"/>
+          </a:lnRef>
+          <a:fillRef idx="0">
+            <a:scrgbClr r="0" g="0" b="0"/>
+          </a:fillRef>
+          <a:effectRef idx="0">
+            <a:scrgbClr r="0" g="0" b="0"/>
+          </a:effectRef>
           <a:fontRef idx="minor"/>
         </p:style>
         <p:txBody>
-          <a:bodyPr lIns="0" rIns="0" tIns="0" bIns="0" anchor="b" anchorCtr="1"/>
+          <a:bodyPr lIns="0" tIns="0" rIns="0" bIns="0" anchor="b" anchorCtr="1"/>
+          <a:lstStyle/>
           <a:p>
             <a:pPr algn="ctr">
               <a:lnSpc>
@@ -6482,26 +4993,26 @@
               </a:lnSpc>
             </a:pPr>
             <a:r>
-              <a:rPr b="0" lang="pt-PT" sz="6000" spc="-1" strike="noStrike">
-                <a:solidFill>
-                  <a:srgbClr val="ffffff"/>
+              <a:rPr lang="pt-PT" sz="6000" b="0" strike="noStrike" spc="-1">
+                <a:solidFill>
+                  <a:srgbClr val="FFFFFF"/>
                 </a:solidFill>
                 <a:uFill>
                   <a:solidFill>
-                    <a:srgbClr val="ffffff"/>
+                    <a:srgbClr val="FFFFFF"/>
                   </a:solidFill>
                 </a:uFill>
                 <a:latin typeface="Sky Text Medium"/>
               </a:rPr>
               <a:t>Hackaton - Quizzes</a:t>
             </a:r>
-            <a:endParaRPr b="0" lang="pt-PT" sz="2400" spc="-1" strike="noStrike">
+            <a:endParaRPr lang="pt-PT" sz="2400" b="0" strike="noStrike" spc="-1">
               <a:solidFill>
                 <a:srgbClr val="000000"/>
               </a:solidFill>
               <a:uFill>
                 <a:solidFill>
-                  <a:srgbClr val="ffffff"/>
+                  <a:srgbClr val="FFFFFF"/>
                 </a:solidFill>
               </a:uFill>
               <a:latin typeface="Arial"/>
@@ -6511,6 +5022,9 @@
       </p:sp>
     </p:spTree>
   </p:cSld>
+  <p:clrMapOvr>
+    <a:masterClrMapping/>
+  </p:clrMapOvr>
   <p:timing>
     <p:tnLst>
       <p:par>
@@ -6519,14 +5033,14 @@
             <p:seq>
               <p:cTn id="2" nodeType="mainSeq"/>
               <p:prevCondLst>
-                <p:cond delay="0" evt="onPrev">
+                <p:cond evt="onPrev" delay="0">
                   <p:tgtEl>
                     <p:sldTgt/>
                   </p:tgtEl>
                 </p:cond>
               </p:prevCondLst>
               <p:nextCondLst>
-                <p:cond delay="0" evt="onNext">
+                <p:cond evt="onNext" delay="0">
                   <p:tgtEl>
                     <p:sldTgt/>
                   </p:tgtEl>
@@ -6542,7 +5056,7 @@
 </file>
 
 <file path=ppt/slides/slide2.xml><?xml version="1.0" encoding="utf-8"?>
-<p:sld xmlns:a="http://schemas.openxmlformats.org/drawingml/2006/main" xmlns:p="http://schemas.openxmlformats.org/presentationml/2006/main" xmlns:r="http://schemas.openxmlformats.org/officeDocument/2006/relationships" xmlns:p14="http://schemas.microsoft.com/office/powerpoint/2010/main" xmlns:p15="http://schemas.microsoft.com/office/powerpoint/2012/main" xmlns:mc="http://schemas.openxmlformats.org/markup-compatibility/2006">
+<p:sld xmlns:a="http://schemas.openxmlformats.org/drawingml/2006/main" xmlns:r="http://schemas.openxmlformats.org/officeDocument/2006/relationships" xmlns:p="http://schemas.openxmlformats.org/presentationml/2006/main">
   <p:cSld>
     <p:spTree>
       <p:nvGrpSpPr>
@@ -6560,7 +5074,7 @@
       </p:grpSpPr>
       <p:sp>
         <p:nvSpPr>
-          <p:cNvPr id="120" name="TextShape 1"/>
+          <p:cNvPr id="4" name="TextShape 1"/>
           <p:cNvSpPr txBox="1"/>
           <p:nvPr/>
         </p:nvSpPr>
@@ -6578,7 +5092,8 @@
           </a:ln>
         </p:spPr>
         <p:txBody>
-          <a:bodyPr lIns="0" rIns="0" tIns="0" bIns="0"/>
+          <a:bodyPr lIns="0" tIns="0" rIns="0" bIns="0"/>
+          <a:lstStyle/>
           <a:p>
             <a:pPr>
               <a:lnSpc>
@@ -6586,36 +5101,36 @@
               </a:lnSpc>
             </a:pPr>
             <a:r>
-              <a:rPr b="0" lang="en-US" sz="2800" spc="-1" strike="noStrike">
-                <a:solidFill>
-                  <a:srgbClr val="009cdd"/>
+              <a:rPr lang="en-US" sz="2800" b="0" strike="noStrike" spc="-1">
+                <a:solidFill>
+                  <a:srgbClr val="009CDD"/>
                 </a:solidFill>
                 <a:uFill>
                   <a:solidFill>
-                    <a:srgbClr val="ffffff"/>
+                    <a:srgbClr val="FFFFFF"/>
                   </a:solidFill>
                 </a:uFill>
                 <a:latin typeface="Sky Text Medium"/>
               </a:rPr>
               <a:t>Our Goal</a:t>
             </a:r>
-            <a:endParaRPr b="0" lang="en-US" sz="2300" spc="-1" strike="noStrike">
+            <a:endParaRPr lang="en-US" sz="2300" b="0" strike="noStrike" spc="-1">
               <a:solidFill>
                 <a:srgbClr val="000000"/>
               </a:solidFill>
               <a:uFill>
                 <a:solidFill>
-                  <a:srgbClr val="ffffff"/>
-                </a:solidFill>
-              </a:uFill>
-              <a:latin typeface="Sky Text"/>
-            </a:endParaRPr>
-          </a:p>
-        </p:txBody>
-      </p:sp>
-      <p:sp>
-        <p:nvSpPr>
-          <p:cNvPr id="121" name="TextShape 2"/>
+                  <a:srgbClr val="FFFFFF"/>
+                </a:solidFill>
+              </a:uFill>
+              <a:latin typeface="Sky Text"/>
+            </a:endParaRPr>
+          </a:p>
+        </p:txBody>
+      </p:sp>
+      <p:sp>
+        <p:nvSpPr>
+          <p:cNvPr id="5" name="TextShape 2"/>
           <p:cNvSpPr txBox="1"/>
           <p:nvPr/>
         </p:nvSpPr>
@@ -6633,228 +5148,33 @@
           </a:ln>
         </p:spPr>
         <p:txBody>
-          <a:bodyPr lIns="0" rIns="0" tIns="0" bIns="0"/>
+          <a:bodyPr lIns="0" tIns="0" rIns="0" bIns="0"/>
+          <a:lstStyle/>
           <a:p>
             <a:pPr marL="229680" indent="-229320">
               <a:lnSpc>
                 <a:spcPct val="100000"/>
               </a:lnSpc>
               <a:buClr>
-                <a:srgbClr val="009cdd"/>
+                <a:srgbClr val="009CDD"/>
               </a:buClr>
               <a:buFont typeface="Arial"/>
               <a:buChar char="•"/>
             </a:pPr>
             <a:r>
-              <a:rPr b="0" lang="en-US" sz="2400" spc="-1" strike="noStrike">
+              <a:rPr lang="en-US" sz="2400" spc="-1" dirty="0" smtClean="0">
                 <a:solidFill>
                   <a:srgbClr val="323232"/>
                 </a:solidFill>
                 <a:uFill>
                   <a:solidFill>
-                    <a:srgbClr val="ffffff"/>
+                    <a:srgbClr val="FFFFFF"/>
                   </a:solidFill>
                 </a:uFill>
                 <a:latin typeface="Sky Text"/>
               </a:rPr>
-              <a:t>Quiz app integrated into Sky products</a:t>
+              <a:t>Live interactive quiz about series or movies</a:t>
             </a:r>
-            <a:endParaRPr b="0" lang="en-US" sz="1800" spc="-1" strike="noStrike">
-              <a:solidFill>
-                <a:srgbClr val="323232"/>
-              </a:solidFill>
-              <a:uFill>
-                <a:solidFill>
-                  <a:srgbClr val="ffffff"/>
-                </a:solidFill>
-              </a:uFill>
-              <a:latin typeface="Sky Text"/>
-            </a:endParaRPr>
-          </a:p>
-          <a:p>
-            <a:pPr lvl="1" marL="460440" indent="-228240">
-              <a:lnSpc>
-                <a:spcPct val="100000"/>
-              </a:lnSpc>
-              <a:buClr>
-                <a:srgbClr val="009cdd"/>
-              </a:buClr>
-              <a:buFont typeface="Arial"/>
-              <a:buChar char="–"/>
-            </a:pPr>
-            <a:r>
-              <a:rPr b="0" lang="en-US" sz="2400" spc="-1" strike="noStrike">
-                <a:solidFill>
-                  <a:srgbClr val="323232"/>
-                </a:solidFill>
-                <a:uFill>
-                  <a:solidFill>
-                    <a:srgbClr val="ffffff"/>
-                  </a:solidFill>
-                </a:uFill>
-                <a:latin typeface="Sky Text"/>
-              </a:rPr>
-              <a:t>Create API to manage:</a:t>
-            </a:r>
-            <a:endParaRPr b="0" lang="en-US" sz="1400" spc="-1" strike="noStrike">
-              <a:solidFill>
-                <a:srgbClr val="323232"/>
-              </a:solidFill>
-              <a:uFill>
-                <a:solidFill>
-                  <a:srgbClr val="ffffff"/>
-                </a:solidFill>
-              </a:uFill>
-              <a:latin typeface="Sky Text"/>
-            </a:endParaRPr>
-          </a:p>
-          <a:p>
-            <a:pPr lvl="2" marL="623880" indent="-161640">
-              <a:lnSpc>
-                <a:spcPct val="100000"/>
-              </a:lnSpc>
-              <a:buClr>
-                <a:srgbClr val="009cdd"/>
-              </a:buClr>
-              <a:buFont typeface="Lucida Grande"/>
-              <a:buChar char="­"/>
-            </a:pPr>
-            <a:r>
-              <a:rPr b="0" lang="en-US" sz="2200" spc="-1" strike="noStrike">
-                <a:solidFill>
-                  <a:srgbClr val="323232"/>
-                </a:solidFill>
-                <a:uFill>
-                  <a:solidFill>
-                    <a:srgbClr val="ffffff"/>
-                  </a:solidFill>
-                </a:uFill>
-                <a:latin typeface="Sky Text"/>
-              </a:rPr>
-              <a:t>Quizzes</a:t>
-            </a:r>
-            <a:endParaRPr b="0" lang="en-US" sz="1200" spc="-1" strike="noStrike">
-              <a:solidFill>
-                <a:srgbClr val="323232"/>
-              </a:solidFill>
-              <a:uFill>
-                <a:solidFill>
-                  <a:srgbClr val="ffffff"/>
-                </a:solidFill>
-              </a:uFill>
-              <a:latin typeface="Sky Text"/>
-            </a:endParaRPr>
-          </a:p>
-          <a:p>
-            <a:pPr lvl="2" marL="623880" indent="-161640">
-              <a:lnSpc>
-                <a:spcPct val="100000"/>
-              </a:lnSpc>
-              <a:buClr>
-                <a:srgbClr val="009cdd"/>
-              </a:buClr>
-              <a:buFont typeface="Lucida Grande"/>
-              <a:buChar char="­"/>
-            </a:pPr>
-            <a:r>
-              <a:rPr b="0" lang="en-US" sz="2200" spc="-1" strike="noStrike">
-                <a:solidFill>
-                  <a:srgbClr val="323232"/>
-                </a:solidFill>
-                <a:uFill>
-                  <a:solidFill>
-                    <a:srgbClr val="ffffff"/>
-                  </a:solidFill>
-                </a:uFill>
-                <a:latin typeface="Sky Text"/>
-              </a:rPr>
-              <a:t>Questions</a:t>
-            </a:r>
-            <a:endParaRPr b="0" lang="en-US" sz="1200" spc="-1" strike="noStrike">
-              <a:solidFill>
-                <a:srgbClr val="323232"/>
-              </a:solidFill>
-              <a:uFill>
-                <a:solidFill>
-                  <a:srgbClr val="ffffff"/>
-                </a:solidFill>
-              </a:uFill>
-              <a:latin typeface="Sky Text"/>
-            </a:endParaRPr>
-          </a:p>
-          <a:p>
-            <a:pPr lvl="2" marL="623880" indent="-161640">
-              <a:lnSpc>
-                <a:spcPct val="100000"/>
-              </a:lnSpc>
-              <a:buClr>
-                <a:srgbClr val="009cdd"/>
-              </a:buClr>
-              <a:buFont typeface="Lucida Grande"/>
-              <a:buChar char="­"/>
-            </a:pPr>
-            <a:r>
-              <a:rPr b="0" lang="en-US" sz="2200" spc="-1" strike="noStrike">
-                <a:solidFill>
-                  <a:srgbClr val="323232"/>
-                </a:solidFill>
-                <a:uFill>
-                  <a:solidFill>
-                    <a:srgbClr val="ffffff"/>
-                  </a:solidFill>
-                </a:uFill>
-                <a:latin typeface="Sky Text"/>
-              </a:rPr>
-              <a:t>Answers</a:t>
-            </a:r>
-            <a:endParaRPr b="0" lang="en-US" sz="1200" spc="-1" strike="noStrike">
-              <a:solidFill>
-                <a:srgbClr val="323232"/>
-              </a:solidFill>
-              <a:uFill>
-                <a:solidFill>
-                  <a:srgbClr val="ffffff"/>
-                </a:solidFill>
-              </a:uFill>
-              <a:latin typeface="Sky Text"/>
-            </a:endParaRPr>
-          </a:p>
-          <a:p>
-            <a:pPr lvl="2" marL="623880" indent="-161640">
-              <a:lnSpc>
-                <a:spcPct val="100000"/>
-              </a:lnSpc>
-              <a:buClr>
-                <a:srgbClr val="009cdd"/>
-              </a:buClr>
-              <a:buFont typeface="Lucida Grande"/>
-              <a:buChar char="­"/>
-            </a:pPr>
-            <a:r>
-              <a:rPr b="0" lang="en-US" sz="2200" spc="-1" strike="noStrike">
-                <a:solidFill>
-                  <a:srgbClr val="323232"/>
-                </a:solidFill>
-                <a:uFill>
-                  <a:solidFill>
-                    <a:srgbClr val="ffffff"/>
-                  </a:solidFill>
-                </a:uFill>
-                <a:latin typeface="Sky Text"/>
-              </a:rPr>
-              <a:t>Per TV show</a:t>
-            </a:r>
-            <a:endParaRPr b="0" lang="en-US" sz="1200" spc="-1" strike="noStrike">
-              <a:solidFill>
-                <a:srgbClr val="323232"/>
-              </a:solidFill>
-              <a:uFill>
-                <a:solidFill>
-                  <a:srgbClr val="ffffff"/>
-                </a:solidFill>
-              </a:uFill>
-              <a:latin typeface="Sky Text"/>
-            </a:endParaRPr>
           </a:p>
           <a:p>
             <a:pPr marL="229680" indent="-229320">
@@ -6862,36 +5182,48 @@
                 <a:spcPct val="100000"/>
               </a:lnSpc>
               <a:buClr>
-                <a:srgbClr val="009cdd"/>
+                <a:srgbClr val="009CDD"/>
+              </a:buClr>
+              <a:buFont typeface="Arial"/>
+              <a:buChar char="•"/>
+            </a:pPr>
+            <a:endParaRPr lang="en-US" sz="2400" spc="-1" dirty="0" smtClean="0">
+              <a:solidFill>
+                <a:srgbClr val="323232"/>
+              </a:solidFill>
+              <a:uFill>
+                <a:solidFill>
+                  <a:srgbClr val="FFFFFF"/>
+                </a:solidFill>
+              </a:uFill>
+              <a:latin typeface="Sky Text"/>
+            </a:endParaRPr>
+          </a:p>
+          <a:p>
+            <a:pPr marL="229680" indent="-229320">
+              <a:lnSpc>
+                <a:spcPct val="100000"/>
+              </a:lnSpc>
+              <a:buClr>
+                <a:srgbClr val="009CDD"/>
               </a:buClr>
               <a:buFont typeface="Arial"/>
               <a:buChar char="•"/>
             </a:pPr>
             <a:r>
-              <a:rPr b="0" lang="en-US" sz="2300" spc="-1" strike="noStrike">
+              <a:rPr lang="en-US" sz="2400" spc="-1" dirty="0" smtClean="0">
                 <a:solidFill>
                   <a:srgbClr val="323232"/>
                 </a:solidFill>
                 <a:uFill>
                   <a:solidFill>
-                    <a:srgbClr val="ffffff"/>
+                    <a:srgbClr val="FFFFFF"/>
                   </a:solidFill>
                 </a:uFill>
                 <a:latin typeface="Sky Text"/>
               </a:rPr>
-              <a:t>Overlay on top of TV show broadcast with the Quiz related to it</a:t>
+              <a:t>Time limit to answer the quiz. Typically during the time frame of the show.</a:t>
             </a:r>
-            <a:endParaRPr b="0" lang="en-US" sz="1800" spc="-1" strike="noStrike">
-              <a:solidFill>
-                <a:srgbClr val="323232"/>
-              </a:solidFill>
-              <a:uFill>
-                <a:solidFill>
-                  <a:srgbClr val="ffffff"/>
-                </a:solidFill>
-              </a:uFill>
-              <a:latin typeface="Sky Text"/>
-            </a:endParaRPr>
           </a:p>
           <a:p>
             <a:pPr marL="229680" indent="-229320">
@@ -6899,36 +5231,48 @@
                 <a:spcPct val="100000"/>
               </a:lnSpc>
               <a:buClr>
-                <a:srgbClr val="009cdd"/>
+                <a:srgbClr val="009CDD"/>
+              </a:buClr>
+              <a:buFont typeface="Arial"/>
+              <a:buChar char="•"/>
+            </a:pPr>
+            <a:endParaRPr lang="en-US" sz="2400" spc="-1" dirty="0" smtClean="0">
+              <a:solidFill>
+                <a:srgbClr val="323232"/>
+              </a:solidFill>
+              <a:uFill>
+                <a:solidFill>
+                  <a:srgbClr val="FFFFFF"/>
+                </a:solidFill>
+              </a:uFill>
+              <a:latin typeface="Sky Text"/>
+            </a:endParaRPr>
+          </a:p>
+          <a:p>
+            <a:pPr marL="229680" indent="-229320">
+              <a:lnSpc>
+                <a:spcPct val="100000"/>
+              </a:lnSpc>
+              <a:buClr>
+                <a:srgbClr val="009CDD"/>
               </a:buClr>
               <a:buFont typeface="Arial"/>
               <a:buChar char="•"/>
             </a:pPr>
             <a:r>
-              <a:rPr b="0" lang="en-US" sz="2300" spc="-1" strike="noStrike">
+              <a:rPr lang="en-US" sz="2400" b="0" strike="noStrike" spc="-1" dirty="0" smtClean="0">
                 <a:solidFill>
                   <a:srgbClr val="323232"/>
                 </a:solidFill>
                 <a:uFill>
                   <a:solidFill>
-                    <a:srgbClr val="ffffff"/>
+                    <a:srgbClr val="FFFFFF"/>
                   </a:solidFill>
                 </a:uFill>
                 <a:latin typeface="Sky Text"/>
               </a:rPr>
-              <a:t>Score board with the best players</a:t>
+              <a:t>Questions appear on specific time frames about the previous scenes.</a:t>
             </a:r>
-            <a:endParaRPr b="0" lang="en-US" sz="1800" spc="-1" strike="noStrike">
-              <a:solidFill>
-                <a:srgbClr val="323232"/>
-              </a:solidFill>
-              <a:uFill>
-                <a:solidFill>
-                  <a:srgbClr val="ffffff"/>
-                </a:solidFill>
-              </a:uFill>
-              <a:latin typeface="Sky Text"/>
-            </a:endParaRPr>
           </a:p>
           <a:p>
             <a:pPr marL="229680" indent="-229320">
@@ -6936,106 +5280,204 @@
                 <a:spcPct val="100000"/>
               </a:lnSpc>
               <a:buClr>
-                <a:srgbClr val="009cdd"/>
+                <a:srgbClr val="009CDD"/>
+              </a:buClr>
+              <a:buFont typeface="Arial"/>
+              <a:buChar char="•"/>
+            </a:pPr>
+            <a:endParaRPr lang="en-US" sz="2400" b="0" strike="noStrike" spc="-1" dirty="0" smtClean="0">
+              <a:solidFill>
+                <a:srgbClr val="323232"/>
+              </a:solidFill>
+              <a:uFill>
+                <a:solidFill>
+                  <a:srgbClr val="FFFFFF"/>
+                </a:solidFill>
+              </a:uFill>
+              <a:latin typeface="Sky Text"/>
+            </a:endParaRPr>
+          </a:p>
+          <a:p>
+            <a:pPr marL="229680" indent="-229320">
+              <a:lnSpc>
+                <a:spcPct val="100000"/>
+              </a:lnSpc>
+              <a:buClr>
+                <a:srgbClr val="009CDD"/>
               </a:buClr>
               <a:buFont typeface="Arial"/>
               <a:buChar char="•"/>
             </a:pPr>
             <a:r>
-              <a:rPr b="0" lang="en-US" sz="2300" spc="-1" strike="noStrike">
+              <a:rPr lang="en-US" sz="2400" spc="-1" dirty="0" smtClean="0">
                 <a:solidFill>
                   <a:srgbClr val="323232"/>
                 </a:solidFill>
                 <a:uFill>
                   <a:solidFill>
-                    <a:srgbClr val="ffffff"/>
+                    <a:srgbClr val="FFFFFF"/>
                   </a:solidFill>
                 </a:uFill>
                 <a:latin typeface="Sky Text"/>
               </a:rPr>
-              <a:t>Technologies used:</a:t>
+              <a:t>Customers engage to win the quiz and appear on top of the </a:t>
             </a:r>
-            <a:endParaRPr b="0" lang="en-US" sz="1800" spc="-1" strike="noStrike">
-              <a:solidFill>
-                <a:srgbClr val="323232"/>
-              </a:solidFill>
-              <a:uFill>
-                <a:solidFill>
-                  <a:srgbClr val="ffffff"/>
-                </a:solidFill>
-              </a:uFill>
-              <a:latin typeface="Sky Text"/>
-            </a:endParaRPr>
-          </a:p>
-          <a:p>
-            <a:pPr lvl="1" marL="460440" indent="-228240">
+            <a:r>
+              <a:rPr lang="en-US" sz="2400" spc="-1" dirty="0" err="1" smtClean="0">
+                <a:solidFill>
+                  <a:srgbClr val="323232"/>
+                </a:solidFill>
+                <a:uFill>
+                  <a:solidFill>
+                    <a:srgbClr val="FFFFFF"/>
+                  </a:solidFill>
+                </a:uFill>
+                <a:latin typeface="Sky Text"/>
+              </a:rPr>
+              <a:t>LeaderBoard</a:t>
+            </a:r>
+            <a:r>
+              <a:rPr lang="en-US" sz="2400" spc="-1" dirty="0" smtClean="0">
+                <a:solidFill>
+                  <a:srgbClr val="323232"/>
+                </a:solidFill>
+                <a:uFill>
+                  <a:solidFill>
+                    <a:srgbClr val="FFFFFF"/>
+                  </a:solidFill>
+                </a:uFill>
+                <a:latin typeface="Sky Text"/>
+              </a:rPr>
+              <a:t>.</a:t>
+            </a:r>
+          </a:p>
+          <a:p>
+            <a:pPr marL="229680" indent="-229320">
               <a:lnSpc>
                 <a:spcPct val="100000"/>
               </a:lnSpc>
               <a:buClr>
-                <a:srgbClr val="009cdd"/>
+                <a:srgbClr val="009CDD"/>
               </a:buClr>
               <a:buFont typeface="Arial"/>
-              <a:buChar char="–"/>
+              <a:buChar char="•"/>
+            </a:pPr>
+            <a:endParaRPr lang="en-US" sz="2400" b="0" strike="noStrike" spc="-1" dirty="0">
+              <a:solidFill>
+                <a:srgbClr val="323232"/>
+              </a:solidFill>
+              <a:uFill>
+                <a:solidFill>
+                  <a:srgbClr val="FFFFFF"/>
+                </a:solidFill>
+              </a:uFill>
+              <a:latin typeface="Sky Text"/>
+            </a:endParaRPr>
+          </a:p>
+          <a:p>
+            <a:pPr marL="229680" indent="-229320">
+              <a:lnSpc>
+                <a:spcPct val="100000"/>
+              </a:lnSpc>
+              <a:buClr>
+                <a:srgbClr val="009CDD"/>
+              </a:buClr>
+              <a:buFont typeface="Arial"/>
+              <a:buChar char="•"/>
             </a:pPr>
             <a:r>
-              <a:rPr b="0" lang="en-US" sz="2100" spc="-1" strike="noStrike">
+              <a:rPr lang="en-US" sz="2400" spc="-1" dirty="0" smtClean="0">
                 <a:solidFill>
                   <a:srgbClr val="323232"/>
                 </a:solidFill>
                 <a:uFill>
                   <a:solidFill>
-                    <a:srgbClr val="ffffff"/>
+                    <a:srgbClr val="FFFFFF"/>
                   </a:solidFill>
                 </a:uFill>
                 <a:latin typeface="Sky Text"/>
               </a:rPr>
-              <a:t>Java – Spring Boot</a:t>
+              <a:t>Profits with advertises?</a:t>
             </a:r>
-            <a:endParaRPr b="0" lang="en-US" sz="1400" spc="-1" strike="noStrike">
-              <a:solidFill>
-                <a:srgbClr val="323232"/>
-              </a:solidFill>
-              <a:uFill>
-                <a:solidFill>
-                  <a:srgbClr val="ffffff"/>
-                </a:solidFill>
-              </a:uFill>
-              <a:latin typeface="Sky Text"/>
-            </a:endParaRPr>
-          </a:p>
-          <a:p>
-            <a:pPr lvl="1" marL="460440" indent="-228240">
+          </a:p>
+          <a:p>
+            <a:pPr marL="229680" indent="-229320">
               <a:lnSpc>
                 <a:spcPct val="100000"/>
               </a:lnSpc>
               <a:buClr>
-                <a:srgbClr val="009cdd"/>
+                <a:srgbClr val="009CDD"/>
               </a:buClr>
               <a:buFont typeface="Arial"/>
-              <a:buChar char="–"/>
+              <a:buChar char="•"/>
+            </a:pPr>
+            <a:endParaRPr lang="en-US" sz="2400" b="0" strike="noStrike" spc="-1" dirty="0">
+              <a:solidFill>
+                <a:srgbClr val="323232"/>
+              </a:solidFill>
+              <a:uFill>
+                <a:solidFill>
+                  <a:srgbClr val="FFFFFF"/>
+                </a:solidFill>
+              </a:uFill>
+              <a:latin typeface="Sky Text"/>
+            </a:endParaRPr>
+          </a:p>
+          <a:p>
+            <a:pPr marL="229680" indent="-229320">
+              <a:lnSpc>
+                <a:spcPct val="100000"/>
+              </a:lnSpc>
+              <a:buClr>
+                <a:srgbClr val="009CDD"/>
+              </a:buClr>
+              <a:buFont typeface="Arial"/>
+              <a:buChar char="•"/>
             </a:pPr>
             <a:r>
-              <a:rPr b="0" lang="en-US" sz="2100" spc="-1" strike="noStrike">
+              <a:rPr lang="en-US" sz="2400" b="0" strike="noStrike" spc="-1" dirty="0" smtClean="0">
                 <a:solidFill>
                   <a:srgbClr val="323232"/>
                 </a:solidFill>
                 <a:uFill>
                   <a:solidFill>
-                    <a:srgbClr val="ffffff"/>
+                    <a:srgbClr val="FFFFFF"/>
                   </a:solidFill>
                 </a:uFill>
                 <a:latin typeface="Sky Text"/>
               </a:rPr>
-              <a:t>Javascript - React</a:t>
+              <a:t>Prizes for the first places.</a:t>
             </a:r>
-            <a:endParaRPr b="0" lang="en-US" sz="1400" spc="-1" strike="noStrike">
+            <a:endParaRPr lang="en-US" sz="2400" b="0" strike="noStrike" spc="-1" dirty="0">
               <a:solidFill>
                 <a:srgbClr val="323232"/>
               </a:solidFill>
               <a:uFill>
                 <a:solidFill>
-                  <a:srgbClr val="ffffff"/>
+                  <a:srgbClr val="FFFFFF"/>
+                </a:solidFill>
+              </a:uFill>
+              <a:latin typeface="Sky Text"/>
+            </a:endParaRPr>
+          </a:p>
+          <a:p>
+            <a:pPr marL="229680" indent="-229320">
+              <a:lnSpc>
+                <a:spcPct val="100000"/>
+              </a:lnSpc>
+              <a:buClr>
+                <a:srgbClr val="009CDD"/>
+              </a:buClr>
+              <a:buFont typeface="Arial"/>
+              <a:buChar char="•"/>
+            </a:pPr>
+            <a:endParaRPr lang="en-US" sz="2400" b="0" strike="noStrike" spc="-1" dirty="0" smtClean="0">
+              <a:solidFill>
+                <a:srgbClr val="323232"/>
+              </a:solidFill>
+              <a:uFill>
+                <a:solidFill>
+                  <a:srgbClr val="FFFFFF"/>
                 </a:solidFill>
               </a:uFill>
               <a:latin typeface="Sky Text"/>
@@ -7047,13 +5489,13 @@
                 <a:spcPct val="100000"/>
               </a:lnSpc>
             </a:pPr>
-            <a:endParaRPr b="0" lang="en-US" sz="1800" spc="-1" strike="noStrike">
+            <a:endParaRPr lang="en-US" sz="1800" b="0" strike="noStrike" spc="-1" dirty="0">
               <a:solidFill>
                 <a:srgbClr val="323232"/>
               </a:solidFill>
               <a:uFill>
                 <a:solidFill>
-                  <a:srgbClr val="ffffff"/>
+                  <a:srgbClr val="FFFFFF"/>
                 </a:solidFill>
               </a:uFill>
               <a:latin typeface="Sky Text"/>
@@ -7062,39 +5504,20 @@
         </p:txBody>
       </p:sp>
     </p:spTree>
+    <p:extLst>
+      <p:ext uri="{BB962C8B-B14F-4D97-AF65-F5344CB8AC3E}">
+        <p14:creationId xmlns:p14="http://schemas.microsoft.com/office/powerpoint/2010/main" val="442431648"/>
+      </p:ext>
+    </p:extLst>
   </p:cSld>
-  <p:timing>
-    <p:tnLst>
-      <p:par>
-        <p:cTn id="3" dur="indefinite" restart="never" nodeType="tmRoot">
-          <p:childTnLst>
-            <p:seq>
-              <p:cTn id="4" nodeType="mainSeq"/>
-              <p:prevCondLst>
-                <p:cond delay="0" evt="onPrev">
-                  <p:tgtEl>
-                    <p:sldTgt/>
-                  </p:tgtEl>
-                </p:cond>
-              </p:prevCondLst>
-              <p:nextCondLst>
-                <p:cond delay="0" evt="onNext">
-                  <p:tgtEl>
-                    <p:sldTgt/>
-                  </p:tgtEl>
-                </p:cond>
-              </p:nextCondLst>
-            </p:seq>
-          </p:childTnLst>
-        </p:cTn>
-      </p:par>
-    </p:tnLst>
-  </p:timing>
+  <p:clrMapOvr>
+    <a:masterClrMapping/>
+  </p:clrMapOvr>
 </p:sld>
 </file>
 
 <file path=ppt/slides/slide3.xml><?xml version="1.0" encoding="utf-8"?>
-<p:sld xmlns:a="http://schemas.openxmlformats.org/drawingml/2006/main" xmlns:p="http://schemas.openxmlformats.org/presentationml/2006/main" xmlns:r="http://schemas.openxmlformats.org/officeDocument/2006/relationships" xmlns:p14="http://schemas.microsoft.com/office/powerpoint/2010/main" xmlns:p15="http://schemas.microsoft.com/office/powerpoint/2012/main" xmlns:mc="http://schemas.openxmlformats.org/markup-compatibility/2006">
+<p:sld xmlns:a="http://schemas.openxmlformats.org/drawingml/2006/main" xmlns:r="http://schemas.openxmlformats.org/officeDocument/2006/relationships" xmlns:p="http://schemas.openxmlformats.org/presentationml/2006/main">
   <p:cSld>
     <p:spTree>
       <p:nvGrpSpPr>
@@ -7112,14 +5535,14 @@
       </p:grpSpPr>
       <p:sp>
         <p:nvSpPr>
-          <p:cNvPr id="122" name="TextShape 1"/>
+          <p:cNvPr id="120" name="TextShape 1"/>
           <p:cNvSpPr txBox="1"/>
           <p:nvPr/>
         </p:nvSpPr>
         <p:spPr>
           <a:xfrm>
-            <a:off x="596880" y="584280"/>
-            <a:ext cx="10510560" cy="1017360"/>
+            <a:off x="604800" y="268920"/>
+            <a:ext cx="10510560" cy="527040"/>
           </a:xfrm>
           <a:prstGeom prst="rect">
             <a:avLst/>
@@ -7130,7 +5553,8 @@
           </a:ln>
         </p:spPr>
         <p:txBody>
-          <a:bodyPr lIns="0" rIns="0" tIns="0" bIns="0"/>
+          <a:bodyPr lIns="0" tIns="0" rIns="0" bIns="0"/>
+          <a:lstStyle/>
           <a:p>
             <a:pPr>
               <a:lnSpc>
@@ -7138,43 +5562,43 @@
               </a:lnSpc>
             </a:pPr>
             <a:r>
-              <a:rPr b="0" lang="en-US" sz="2800" spc="-1" strike="noStrike">
-                <a:solidFill>
-                  <a:srgbClr val="009cdd"/>
+              <a:rPr lang="en-US" sz="2800" b="0" strike="noStrike" spc="-1" dirty="0" smtClean="0">
+                <a:solidFill>
+                  <a:srgbClr val="009CDD"/>
                 </a:solidFill>
                 <a:uFill>
                   <a:solidFill>
-                    <a:srgbClr val="ffffff"/>
+                    <a:srgbClr val="FFFFFF"/>
                   </a:solidFill>
                 </a:uFill>
                 <a:latin typeface="Sky Text Medium"/>
               </a:rPr>
-              <a:t>Added value to Sky</a:t>
+              <a:t>Technical Requirements</a:t>
             </a:r>
-            <a:endParaRPr b="0" lang="en-US" sz="2300" spc="-1" strike="noStrike">
+            <a:endParaRPr lang="en-US" sz="2300" b="0" strike="noStrike" spc="-1" dirty="0">
               <a:solidFill>
                 <a:srgbClr val="000000"/>
               </a:solidFill>
               <a:uFill>
                 <a:solidFill>
-                  <a:srgbClr val="ffffff"/>
-                </a:solidFill>
-              </a:uFill>
-              <a:latin typeface="Sky Text"/>
-            </a:endParaRPr>
-          </a:p>
-        </p:txBody>
-      </p:sp>
-      <p:sp>
-        <p:nvSpPr>
-          <p:cNvPr id="123" name="TextShape 2"/>
+                  <a:srgbClr val="FFFFFF"/>
+                </a:solidFill>
+              </a:uFill>
+              <a:latin typeface="Sky Text"/>
+            </a:endParaRPr>
+          </a:p>
+        </p:txBody>
+      </p:sp>
+      <p:sp>
+        <p:nvSpPr>
+          <p:cNvPr id="121" name="TextShape 2"/>
           <p:cNvSpPr txBox="1"/>
           <p:nvPr/>
         </p:nvSpPr>
         <p:spPr>
           <a:xfrm>
-            <a:off x="596880" y="1601640"/>
-            <a:ext cx="10510560" cy="4053960"/>
+            <a:off x="596880" y="1258560"/>
+            <a:ext cx="10510560" cy="4689360"/>
           </a:xfrm>
           <a:prstGeom prst="rect">
             <a:avLst/>
@@ -7185,39 +5609,253 @@
           </a:ln>
         </p:spPr>
         <p:txBody>
-          <a:bodyPr lIns="0" rIns="0" tIns="0" bIns="0"/>
+          <a:bodyPr lIns="0" tIns="0" rIns="0" bIns="0"/>
+          <a:lstStyle/>
           <a:p>
             <a:pPr marL="229680" indent="-229320">
               <a:lnSpc>
                 <a:spcPct val="100000"/>
               </a:lnSpc>
               <a:buClr>
-                <a:srgbClr val="009cdd"/>
+                <a:srgbClr val="009CDD"/>
               </a:buClr>
               <a:buFont typeface="Arial"/>
               <a:buChar char="•"/>
             </a:pPr>
             <a:r>
-              <a:rPr b="0" lang="en-US" sz="2400" spc="-1" strike="noStrike">
+              <a:rPr lang="en-US" sz="2400" b="0" strike="noStrike" spc="-1" dirty="0" smtClean="0">
                 <a:solidFill>
                   <a:srgbClr val="323232"/>
                 </a:solidFill>
                 <a:uFill>
                   <a:solidFill>
-                    <a:srgbClr val="ffffff"/>
+                    <a:srgbClr val="FFFFFF"/>
                   </a:solidFill>
                 </a:uFill>
                 <a:latin typeface="Sky Text"/>
               </a:rPr>
-              <a:t>Easier advertisement during quiz</a:t>
+              <a:t>Quiz </a:t>
             </a:r>
-            <a:endParaRPr b="0" lang="en-US" sz="1800" spc="-1" strike="noStrike">
+            <a:r>
+              <a:rPr lang="en-US" sz="2400" b="0" strike="noStrike" spc="-1" dirty="0">
+                <a:solidFill>
+                  <a:srgbClr val="323232"/>
+                </a:solidFill>
+                <a:uFill>
+                  <a:solidFill>
+                    <a:srgbClr val="FFFFFF"/>
+                  </a:solidFill>
+                </a:uFill>
+                <a:latin typeface="Sky Text"/>
+              </a:rPr>
+              <a:t>app integrated into Sky products</a:t>
+            </a:r>
+            <a:endParaRPr lang="en-US" sz="1800" b="0" strike="noStrike" spc="-1" dirty="0">
               <a:solidFill>
                 <a:srgbClr val="323232"/>
               </a:solidFill>
               <a:uFill>
                 <a:solidFill>
-                  <a:srgbClr val="ffffff"/>
+                  <a:srgbClr val="FFFFFF"/>
+                </a:solidFill>
+              </a:uFill>
+              <a:latin typeface="Sky Text"/>
+            </a:endParaRPr>
+          </a:p>
+          <a:p>
+            <a:pPr marL="460440" lvl="1" indent="-228240">
+              <a:lnSpc>
+                <a:spcPct val="100000"/>
+              </a:lnSpc>
+              <a:buClr>
+                <a:srgbClr val="009CDD"/>
+              </a:buClr>
+              <a:buFont typeface="Arial"/>
+              <a:buChar char="–"/>
+            </a:pPr>
+            <a:r>
+              <a:rPr lang="en-US" sz="2400" b="0" strike="noStrike" spc="-1" dirty="0" smtClean="0">
+                <a:solidFill>
+                  <a:srgbClr val="323232"/>
+                </a:solidFill>
+                <a:uFill>
+                  <a:solidFill>
+                    <a:srgbClr val="FFFFFF"/>
+                  </a:solidFill>
+                </a:uFill>
+                <a:latin typeface="Sky Text"/>
+              </a:rPr>
+              <a:t>HTTP REST API </a:t>
+            </a:r>
+            <a:r>
+              <a:rPr lang="en-US" sz="2400" b="0" strike="noStrike" spc="-1" dirty="0">
+                <a:solidFill>
+                  <a:srgbClr val="323232"/>
+                </a:solidFill>
+                <a:uFill>
+                  <a:solidFill>
+                    <a:srgbClr val="FFFFFF"/>
+                  </a:solidFill>
+                </a:uFill>
+                <a:latin typeface="Sky Text"/>
+              </a:rPr>
+              <a:t>to manage:</a:t>
+            </a:r>
+            <a:endParaRPr lang="en-US" sz="1400" b="0" strike="noStrike" spc="-1" dirty="0">
+              <a:solidFill>
+                <a:srgbClr val="323232"/>
+              </a:solidFill>
+              <a:uFill>
+                <a:solidFill>
+                  <a:srgbClr val="FFFFFF"/>
+                </a:solidFill>
+              </a:uFill>
+              <a:latin typeface="Sky Text"/>
+            </a:endParaRPr>
+          </a:p>
+          <a:p>
+            <a:pPr marL="623880" lvl="2" indent="-161640">
+              <a:lnSpc>
+                <a:spcPct val="100000"/>
+              </a:lnSpc>
+              <a:buClr>
+                <a:srgbClr val="009CDD"/>
+              </a:buClr>
+              <a:buFont typeface="Lucida Grande"/>
+              <a:buChar char="­"/>
+            </a:pPr>
+            <a:r>
+              <a:rPr lang="en-US" sz="2200" b="0" strike="noStrike" spc="-1" dirty="0">
+                <a:solidFill>
+                  <a:srgbClr val="323232"/>
+                </a:solidFill>
+                <a:uFill>
+                  <a:solidFill>
+                    <a:srgbClr val="FFFFFF"/>
+                  </a:solidFill>
+                </a:uFill>
+                <a:latin typeface="Sky Text"/>
+              </a:rPr>
+              <a:t>Quizzes</a:t>
+            </a:r>
+            <a:endParaRPr lang="en-US" sz="1200" b="0" strike="noStrike" spc="-1" dirty="0">
+              <a:solidFill>
+                <a:srgbClr val="323232"/>
+              </a:solidFill>
+              <a:uFill>
+                <a:solidFill>
+                  <a:srgbClr val="FFFFFF"/>
+                </a:solidFill>
+              </a:uFill>
+              <a:latin typeface="Sky Text"/>
+            </a:endParaRPr>
+          </a:p>
+          <a:p>
+            <a:pPr marL="623880" lvl="2" indent="-161640">
+              <a:lnSpc>
+                <a:spcPct val="100000"/>
+              </a:lnSpc>
+              <a:buClr>
+                <a:srgbClr val="009CDD"/>
+              </a:buClr>
+              <a:buFont typeface="Lucida Grande"/>
+              <a:buChar char="­"/>
+            </a:pPr>
+            <a:r>
+              <a:rPr lang="en-US" sz="2200" b="0" strike="noStrike" spc="-1" dirty="0">
+                <a:solidFill>
+                  <a:srgbClr val="323232"/>
+                </a:solidFill>
+                <a:uFill>
+                  <a:solidFill>
+                    <a:srgbClr val="FFFFFF"/>
+                  </a:solidFill>
+                </a:uFill>
+                <a:latin typeface="Sky Text"/>
+              </a:rPr>
+              <a:t>Questions</a:t>
+            </a:r>
+            <a:endParaRPr lang="en-US" sz="1200" b="0" strike="noStrike" spc="-1" dirty="0">
+              <a:solidFill>
+                <a:srgbClr val="323232"/>
+              </a:solidFill>
+              <a:uFill>
+                <a:solidFill>
+                  <a:srgbClr val="FFFFFF"/>
+                </a:solidFill>
+              </a:uFill>
+              <a:latin typeface="Sky Text"/>
+            </a:endParaRPr>
+          </a:p>
+          <a:p>
+            <a:pPr marL="623880" lvl="2" indent="-161640">
+              <a:lnSpc>
+                <a:spcPct val="100000"/>
+              </a:lnSpc>
+              <a:buClr>
+                <a:srgbClr val="009CDD"/>
+              </a:buClr>
+              <a:buFont typeface="Lucida Grande"/>
+              <a:buChar char="­"/>
+            </a:pPr>
+            <a:r>
+              <a:rPr lang="en-US" sz="2200" b="0" strike="noStrike" spc="-1" dirty="0">
+                <a:solidFill>
+                  <a:srgbClr val="323232"/>
+                </a:solidFill>
+                <a:uFill>
+                  <a:solidFill>
+                    <a:srgbClr val="FFFFFF"/>
+                  </a:solidFill>
+                </a:uFill>
+                <a:latin typeface="Sky Text"/>
+              </a:rPr>
+              <a:t>Answers</a:t>
+            </a:r>
+            <a:endParaRPr lang="en-US" sz="1200" b="0" strike="noStrike" spc="-1" dirty="0">
+              <a:solidFill>
+                <a:srgbClr val="323232"/>
+              </a:solidFill>
+              <a:uFill>
+                <a:solidFill>
+                  <a:srgbClr val="FFFFFF"/>
+                </a:solidFill>
+              </a:uFill>
+              <a:latin typeface="Sky Text"/>
+            </a:endParaRPr>
+          </a:p>
+          <a:p>
+            <a:pPr marL="623880" lvl="2" indent="-161640">
+              <a:lnSpc>
+                <a:spcPct val="100000"/>
+              </a:lnSpc>
+              <a:buClr>
+                <a:srgbClr val="009CDD"/>
+              </a:buClr>
+              <a:buFont typeface="Lucida Grande"/>
+              <a:buChar char="­"/>
+            </a:pPr>
+            <a:r>
+              <a:rPr lang="en-US" sz="2200" b="0" strike="noStrike" spc="-1" dirty="0" smtClean="0">
+                <a:solidFill>
+                  <a:srgbClr val="323232"/>
+                </a:solidFill>
+                <a:uFill>
+                  <a:solidFill>
+                    <a:srgbClr val="FFFFFF"/>
+                  </a:solidFill>
+                </a:uFill>
+                <a:latin typeface="Sky Text"/>
+              </a:rPr>
+              <a:t>Associations of Quizzes to TV Shows</a:t>
+            </a:r>
+            <a:endParaRPr lang="en-US" sz="1200" b="0" strike="noStrike" spc="-1" dirty="0">
+              <a:solidFill>
+                <a:srgbClr val="323232"/>
+              </a:solidFill>
+              <a:uFill>
+                <a:solidFill>
+                  <a:srgbClr val="FFFFFF"/>
                 </a:solidFill>
               </a:uFill>
               <a:latin typeface="Sky Text"/>
@@ -7229,32 +5867,32 @@
                 <a:spcPct val="100000"/>
               </a:lnSpc>
               <a:buClr>
-                <a:srgbClr val="009cdd"/>
+                <a:srgbClr val="009CDD"/>
               </a:buClr>
               <a:buFont typeface="Arial"/>
               <a:buChar char="•"/>
             </a:pPr>
             <a:r>
-              <a:rPr b="0" lang="en-US" sz="2400" spc="-1" strike="noStrike">
+              <a:rPr lang="en-US" sz="2300" b="0" strike="noStrike" spc="-1" dirty="0">
                 <a:solidFill>
                   <a:srgbClr val="323232"/>
                 </a:solidFill>
                 <a:uFill>
                   <a:solidFill>
-                    <a:srgbClr val="ffffff"/>
+                    <a:srgbClr val="FFFFFF"/>
                   </a:solidFill>
                 </a:uFill>
                 <a:latin typeface="Sky Text"/>
               </a:rPr>
-              <a:t>Customer engagement</a:t>
+              <a:t>Overlay on top of TV show broadcast with the Quiz related to it</a:t>
             </a:r>
-            <a:endParaRPr b="0" lang="en-US" sz="1800" spc="-1" strike="noStrike">
+            <a:endParaRPr lang="en-US" sz="1800" b="0" strike="noStrike" spc="-1" dirty="0">
               <a:solidFill>
                 <a:srgbClr val="323232"/>
               </a:solidFill>
               <a:uFill>
                 <a:solidFill>
-                  <a:srgbClr val="ffffff"/>
+                  <a:srgbClr val="FFFFFF"/>
                 </a:solidFill>
               </a:uFill>
               <a:latin typeface="Sky Text"/>
@@ -7266,32 +5904,211 @@
                 <a:spcPct val="100000"/>
               </a:lnSpc>
               <a:buClr>
-                <a:srgbClr val="009cdd"/>
+                <a:srgbClr val="009CDD"/>
               </a:buClr>
               <a:buFont typeface="Arial"/>
               <a:buChar char="•"/>
             </a:pPr>
             <a:r>
-              <a:rPr b="0" lang="en-US" sz="2400" spc="-1" strike="noStrike">
+              <a:rPr lang="en-US" sz="2300" b="0" strike="noStrike" spc="-1" dirty="0">
                 <a:solidFill>
                   <a:srgbClr val="323232"/>
                 </a:solidFill>
                 <a:uFill>
                   <a:solidFill>
-                    <a:srgbClr val="ffffff"/>
+                    <a:srgbClr val="FFFFFF"/>
                   </a:solidFill>
                 </a:uFill>
                 <a:latin typeface="Sky Text"/>
               </a:rPr>
-              <a:t>Broadcast gamification</a:t>
+              <a:t>Score board with the best </a:t>
             </a:r>
-            <a:endParaRPr b="0" lang="en-US" sz="1800" spc="-1" strike="noStrike">
+            <a:r>
+              <a:rPr lang="en-US" sz="2300" b="0" strike="noStrike" spc="-1" dirty="0" smtClean="0">
+                <a:solidFill>
+                  <a:srgbClr val="323232"/>
+                </a:solidFill>
+                <a:uFill>
+                  <a:solidFill>
+                    <a:srgbClr val="FFFFFF"/>
+                  </a:solidFill>
+                </a:uFill>
+                <a:latin typeface="Sky Text"/>
+              </a:rPr>
+              <a:t>players</a:t>
+            </a:r>
+          </a:p>
+          <a:p>
+            <a:pPr marL="229680" indent="-229320">
+              <a:lnSpc>
+                <a:spcPct val="100000"/>
+              </a:lnSpc>
+              <a:buClr>
+                <a:srgbClr val="009CDD"/>
+              </a:buClr>
+              <a:buFont typeface="Arial"/>
+              <a:buChar char="•"/>
+            </a:pPr>
+            <a:r>
+              <a:rPr lang="en-US" sz="2300" spc="-1" dirty="0" smtClean="0">
+                <a:solidFill>
+                  <a:srgbClr val="323232"/>
+                </a:solidFill>
+                <a:uFill>
+                  <a:solidFill>
+                    <a:srgbClr val="FFFFFF"/>
+                  </a:solidFill>
+                </a:uFill>
+                <a:latin typeface="Sky Text"/>
+              </a:rPr>
+              <a:t>Low Risk Project (Quick and easy to implement with possible good results)</a:t>
+            </a:r>
+            <a:endParaRPr lang="en-US" sz="1800" b="0" strike="noStrike" spc="-1" dirty="0">
               <a:solidFill>
                 <a:srgbClr val="323232"/>
               </a:solidFill>
               <a:uFill>
                 <a:solidFill>
-                  <a:srgbClr val="ffffff"/>
+                  <a:srgbClr val="FFFFFF"/>
+                </a:solidFill>
+              </a:uFill>
+              <a:latin typeface="Sky Text"/>
+            </a:endParaRPr>
+          </a:p>
+          <a:p>
+            <a:pPr marL="229680" indent="-229320">
+              <a:lnSpc>
+                <a:spcPct val="100000"/>
+              </a:lnSpc>
+              <a:buClr>
+                <a:srgbClr val="009CDD"/>
+              </a:buClr>
+              <a:buFont typeface="Arial"/>
+              <a:buChar char="•"/>
+            </a:pPr>
+            <a:r>
+              <a:rPr lang="en-US" sz="2300" b="0" strike="noStrike" spc="-1" dirty="0">
+                <a:solidFill>
+                  <a:srgbClr val="323232"/>
+                </a:solidFill>
+                <a:uFill>
+                  <a:solidFill>
+                    <a:srgbClr val="FFFFFF"/>
+                  </a:solidFill>
+                </a:uFill>
+                <a:latin typeface="Sky Text"/>
+              </a:rPr>
+              <a:t>Technologies used:</a:t>
+            </a:r>
+            <a:endParaRPr lang="en-US" sz="1800" b="0" strike="noStrike" spc="-1" dirty="0">
+              <a:solidFill>
+                <a:srgbClr val="323232"/>
+              </a:solidFill>
+              <a:uFill>
+                <a:solidFill>
+                  <a:srgbClr val="FFFFFF"/>
+                </a:solidFill>
+              </a:uFill>
+              <a:latin typeface="Sky Text"/>
+            </a:endParaRPr>
+          </a:p>
+          <a:p>
+            <a:pPr marL="460440" lvl="1" indent="-228240">
+              <a:lnSpc>
+                <a:spcPct val="100000"/>
+              </a:lnSpc>
+              <a:buClr>
+                <a:srgbClr val="009CDD"/>
+              </a:buClr>
+              <a:buFont typeface="Arial"/>
+              <a:buChar char="–"/>
+            </a:pPr>
+            <a:r>
+              <a:rPr lang="en-US" sz="2100" b="0" strike="noStrike" spc="-1" dirty="0">
+                <a:solidFill>
+                  <a:srgbClr val="323232"/>
+                </a:solidFill>
+                <a:uFill>
+                  <a:solidFill>
+                    <a:srgbClr val="FFFFFF"/>
+                  </a:solidFill>
+                </a:uFill>
+                <a:latin typeface="Sky Text"/>
+              </a:rPr>
+              <a:t>Java – Spring Boot</a:t>
+            </a:r>
+            <a:endParaRPr lang="en-US" sz="1400" b="0" strike="noStrike" spc="-1" dirty="0">
+              <a:solidFill>
+                <a:srgbClr val="323232"/>
+              </a:solidFill>
+              <a:uFill>
+                <a:solidFill>
+                  <a:srgbClr val="FFFFFF"/>
+                </a:solidFill>
+              </a:uFill>
+              <a:latin typeface="Sky Text"/>
+            </a:endParaRPr>
+          </a:p>
+          <a:p>
+            <a:pPr marL="460440" lvl="1" indent="-228240">
+              <a:lnSpc>
+                <a:spcPct val="100000"/>
+              </a:lnSpc>
+              <a:buClr>
+                <a:srgbClr val="009CDD"/>
+              </a:buClr>
+              <a:buFont typeface="Arial"/>
+              <a:buChar char="–"/>
+            </a:pPr>
+            <a:r>
+              <a:rPr lang="en-US" sz="2100" b="0" strike="noStrike" spc="-1" dirty="0" err="1">
+                <a:solidFill>
+                  <a:srgbClr val="323232"/>
+                </a:solidFill>
+                <a:uFill>
+                  <a:solidFill>
+                    <a:srgbClr val="FFFFFF"/>
+                  </a:solidFill>
+                </a:uFill>
+                <a:latin typeface="Sky Text"/>
+              </a:rPr>
+              <a:t>Javascript</a:t>
+            </a:r>
+            <a:r>
+              <a:rPr lang="en-US" sz="2100" b="0" strike="noStrike" spc="-1" dirty="0">
+                <a:solidFill>
+                  <a:srgbClr val="323232"/>
+                </a:solidFill>
+                <a:uFill>
+                  <a:solidFill>
+                    <a:srgbClr val="FFFFFF"/>
+                  </a:solidFill>
+                </a:uFill>
+                <a:latin typeface="Sky Text"/>
+              </a:rPr>
+              <a:t> </a:t>
+            </a:r>
+            <a:r>
+              <a:rPr lang="en-US" sz="2100" b="0" strike="noStrike" spc="-1" dirty="0" smtClean="0">
+                <a:solidFill>
+                  <a:srgbClr val="323232"/>
+                </a:solidFill>
+                <a:uFill>
+                  <a:solidFill>
+                    <a:srgbClr val="FFFFFF"/>
+                  </a:solidFill>
+                </a:uFill>
+                <a:latin typeface="Sky Text"/>
+              </a:rPr>
+              <a:t>– React</a:t>
+            </a:r>
+            <a:endParaRPr lang="en-US" sz="1400" b="0" strike="noStrike" spc="-1" dirty="0">
+              <a:solidFill>
+                <a:srgbClr val="323232"/>
+              </a:solidFill>
+              <a:uFill>
+                <a:solidFill>
+                  <a:srgbClr val="FFFFFF"/>
                 </a:solidFill>
               </a:uFill>
               <a:latin typeface="Sky Text"/>
@@ -7303,49 +6120,13 @@
                 <a:spcPct val="100000"/>
               </a:lnSpc>
             </a:pPr>
-            <a:endParaRPr b="0" lang="en-US" sz="1800" spc="-1" strike="noStrike">
+            <a:endParaRPr lang="en-US" sz="1800" b="0" strike="noStrike" spc="-1" dirty="0">
               <a:solidFill>
                 <a:srgbClr val="323232"/>
               </a:solidFill>
               <a:uFill>
                 <a:solidFill>
-                  <a:srgbClr val="ffffff"/>
-                </a:solidFill>
-              </a:uFill>
-              <a:latin typeface="Sky Text"/>
-            </a:endParaRPr>
-          </a:p>
-        </p:txBody>
-      </p:sp>
-      <p:sp>
-        <p:nvSpPr>
-          <p:cNvPr id="124" name="TextShape 3"/>
-          <p:cNvSpPr txBox="1"/>
-          <p:nvPr/>
-        </p:nvSpPr>
-        <p:spPr>
-          <a:xfrm>
-            <a:off x="585720" y="5656320"/>
-            <a:ext cx="4677480" cy="333000"/>
-          </a:xfrm>
-          <a:prstGeom prst="rect">
-            <a:avLst/>
-          </a:prstGeom>
-          <a:noFill/>
-          <a:ln>
-            <a:noFill/>
-          </a:ln>
-        </p:spPr>
-        <p:txBody>
-          <a:bodyPr lIns="0" rIns="0" tIns="0" bIns="0" anchor="b"/>
-          <a:p>
-            <a:endParaRPr b="0" lang="en-US" sz="1800" spc="-1" strike="noStrike">
-              <a:solidFill>
-                <a:srgbClr val="323232"/>
-              </a:solidFill>
-              <a:uFill>
-                <a:solidFill>
-                  <a:srgbClr val="ffffff"/>
+                  <a:srgbClr val="FFFFFF"/>
                 </a:solidFill>
               </a:uFill>
               <a:latin typeface="Sky Text"/>
@@ -7355,22 +6136,25 @@
       </p:sp>
     </p:spTree>
   </p:cSld>
+  <p:clrMapOvr>
+    <a:masterClrMapping/>
+  </p:clrMapOvr>
   <p:timing>
     <p:tnLst>
       <p:par>
-        <p:cTn id="5" dur="indefinite" restart="never" nodeType="tmRoot">
+        <p:cTn id="1" dur="indefinite" restart="never" nodeType="tmRoot">
           <p:childTnLst>
             <p:seq>
-              <p:cTn id="6" nodeType="mainSeq"/>
+              <p:cTn id="2" nodeType="mainSeq"/>
               <p:prevCondLst>
-                <p:cond delay="0" evt="onPrev">
+                <p:cond evt="onPrev" delay="0">
                   <p:tgtEl>
                     <p:sldTgt/>
                   </p:tgtEl>
                 </p:cond>
               </p:prevCondLst>
               <p:nextCondLst>
-                <p:cond delay="0" evt="onNext">
+                <p:cond evt="onNext" delay="0">
                   <p:tgtEl>
                     <p:sldTgt/>
                   </p:tgtEl>
@@ -7386,7 +6170,7 @@
 </file>
 
 <file path=ppt/slides/slide4.xml><?xml version="1.0" encoding="utf-8"?>
-<p:sld xmlns:a="http://schemas.openxmlformats.org/drawingml/2006/main" xmlns:p="http://schemas.openxmlformats.org/presentationml/2006/main" xmlns:r="http://schemas.openxmlformats.org/officeDocument/2006/relationships" xmlns:p14="http://schemas.microsoft.com/office/powerpoint/2010/main" xmlns:p15="http://schemas.microsoft.com/office/powerpoint/2012/main" xmlns:mc="http://schemas.openxmlformats.org/markup-compatibility/2006">
+<p:sld xmlns:a="http://schemas.openxmlformats.org/drawingml/2006/main" xmlns:r="http://schemas.openxmlformats.org/officeDocument/2006/relationships" xmlns:p="http://schemas.openxmlformats.org/presentationml/2006/main">
   <p:cSld>
     <p:spTree>
       <p:nvGrpSpPr>
@@ -7404,14 +6188,14 @@
       </p:grpSpPr>
       <p:sp>
         <p:nvSpPr>
-          <p:cNvPr id="125" name="TextShape 1"/>
+          <p:cNvPr id="4" name="TextShape 1"/>
           <p:cNvSpPr txBox="1"/>
           <p:nvPr/>
         </p:nvSpPr>
         <p:spPr>
           <a:xfrm>
-            <a:off x="596880" y="2782800"/>
-            <a:ext cx="10510560" cy="1017360"/>
+            <a:off x="604800" y="268920"/>
+            <a:ext cx="10510560" cy="527040"/>
           </a:xfrm>
           <a:prstGeom prst="rect">
             <a:avLst/>
@@ -7422,7 +6206,627 @@
           </a:ln>
         </p:spPr>
         <p:txBody>
-          <a:bodyPr lIns="0" rIns="0" tIns="0" bIns="0"/>
+          <a:bodyPr lIns="0" tIns="0" rIns="0" bIns="0"/>
+          <a:lstStyle/>
+          <a:p>
+            <a:pPr>
+              <a:lnSpc>
+                <a:spcPct val="100000"/>
+              </a:lnSpc>
+            </a:pPr>
+            <a:r>
+              <a:rPr lang="en-US" sz="2800" b="0" strike="noStrike" spc="-1" dirty="0" smtClean="0">
+                <a:solidFill>
+                  <a:srgbClr val="009CDD"/>
+                </a:solidFill>
+                <a:uFill>
+                  <a:solidFill>
+                    <a:srgbClr val="FFFFFF"/>
+                  </a:solidFill>
+                </a:uFill>
+                <a:latin typeface="Sky Text Medium"/>
+              </a:rPr>
+              <a:t>Demo</a:t>
+            </a:r>
+            <a:endParaRPr lang="en-US" sz="2300" b="0" strike="noStrike" spc="-1" dirty="0">
+              <a:solidFill>
+                <a:srgbClr val="000000"/>
+              </a:solidFill>
+              <a:uFill>
+                <a:solidFill>
+                  <a:srgbClr val="FFFFFF"/>
+                </a:solidFill>
+              </a:uFill>
+              <a:latin typeface="Sky Text"/>
+            </a:endParaRPr>
+          </a:p>
+        </p:txBody>
+      </p:sp>
+      <p:pic>
+        <p:nvPicPr>
+          <p:cNvPr id="6" name="Picture 5"/>
+          <p:cNvPicPr>
+            <a:picLocks noChangeAspect="1"/>
+          </p:cNvPicPr>
+          <p:nvPr/>
+        </p:nvPicPr>
+        <p:blipFill>
+          <a:blip r:embed="rId2">
+            <a:extLst>
+              <a:ext uri="{28A0092B-C50C-407E-A947-70E740481C1C}">
+                <a14:useLocalDpi xmlns:a14="http://schemas.microsoft.com/office/drawing/2010/main" val="0"/>
+              </a:ext>
+            </a:extLst>
+          </a:blip>
+          <a:stretch>
+            <a:fillRect/>
+          </a:stretch>
+        </p:blipFill>
+        <p:spPr>
+          <a:xfrm>
+            <a:off x="3566319" y="699393"/>
+            <a:ext cx="4572000" cy="4572000"/>
+          </a:xfrm>
+          <a:prstGeom prst="rect">
+            <a:avLst/>
+          </a:prstGeom>
+        </p:spPr>
+      </p:pic>
+    </p:spTree>
+    <p:extLst>
+      <p:ext uri="{BB962C8B-B14F-4D97-AF65-F5344CB8AC3E}">
+        <p14:creationId xmlns:p14="http://schemas.microsoft.com/office/powerpoint/2010/main" val="3496016293"/>
+      </p:ext>
+    </p:extLst>
+  </p:cSld>
+  <p:clrMapOvr>
+    <a:masterClrMapping/>
+  </p:clrMapOvr>
+</p:sld>
+</file>
+
+<file path=ppt/slides/slide5.xml><?xml version="1.0" encoding="utf-8"?>
+<p:sld xmlns:a="http://schemas.openxmlformats.org/drawingml/2006/main" xmlns:r="http://schemas.openxmlformats.org/officeDocument/2006/relationships" xmlns:p="http://schemas.openxmlformats.org/presentationml/2006/main">
+  <p:cSld>
+    <p:spTree>
+      <p:nvGrpSpPr>
+        <p:cNvPr id="1" name=""/>
+        <p:cNvGrpSpPr/>
+        <p:nvPr/>
+      </p:nvGrpSpPr>
+      <p:grpSpPr>
+        <a:xfrm>
+          <a:off x="0" y="0"/>
+          <a:ext cx="0" cy="0"/>
+          <a:chOff x="0" y="0"/>
+          <a:chExt cx="0" cy="0"/>
+        </a:xfrm>
+      </p:grpSpPr>
+      <p:sp>
+        <p:nvSpPr>
+          <p:cNvPr id="122" name="TextShape 1"/>
+          <p:cNvSpPr txBox="1"/>
+          <p:nvPr/>
+        </p:nvSpPr>
+        <p:spPr>
+          <a:xfrm>
+            <a:off x="596880" y="584280"/>
+            <a:ext cx="10510560" cy="1017360"/>
+          </a:xfrm>
+          <a:prstGeom prst="rect">
+            <a:avLst/>
+          </a:prstGeom>
+          <a:noFill/>
+          <a:ln>
+            <a:noFill/>
+          </a:ln>
+        </p:spPr>
+        <p:txBody>
+          <a:bodyPr lIns="0" tIns="0" rIns="0" bIns="0"/>
+          <a:lstStyle/>
+          <a:p>
+            <a:pPr>
+              <a:lnSpc>
+                <a:spcPct val="100000"/>
+              </a:lnSpc>
+            </a:pPr>
+            <a:r>
+              <a:rPr lang="en-US" sz="2800" b="0" strike="noStrike" spc="-1">
+                <a:solidFill>
+                  <a:srgbClr val="009CDD"/>
+                </a:solidFill>
+                <a:uFill>
+                  <a:solidFill>
+                    <a:srgbClr val="FFFFFF"/>
+                  </a:solidFill>
+                </a:uFill>
+                <a:latin typeface="Sky Text Medium"/>
+              </a:rPr>
+              <a:t>Added value to Sky</a:t>
+            </a:r>
+            <a:endParaRPr lang="en-US" sz="2300" b="0" strike="noStrike" spc="-1">
+              <a:solidFill>
+                <a:srgbClr val="000000"/>
+              </a:solidFill>
+              <a:uFill>
+                <a:solidFill>
+                  <a:srgbClr val="FFFFFF"/>
+                </a:solidFill>
+              </a:uFill>
+              <a:latin typeface="Sky Text"/>
+            </a:endParaRPr>
+          </a:p>
+        </p:txBody>
+      </p:sp>
+      <p:sp>
+        <p:nvSpPr>
+          <p:cNvPr id="123" name="TextShape 2"/>
+          <p:cNvSpPr txBox="1"/>
+          <p:nvPr/>
+        </p:nvSpPr>
+        <p:spPr>
+          <a:xfrm>
+            <a:off x="596880" y="1601640"/>
+            <a:ext cx="10510560" cy="4053960"/>
+          </a:xfrm>
+          <a:prstGeom prst="rect">
+            <a:avLst/>
+          </a:prstGeom>
+          <a:noFill/>
+          <a:ln>
+            <a:noFill/>
+          </a:ln>
+        </p:spPr>
+        <p:txBody>
+          <a:bodyPr lIns="0" tIns="0" rIns="0" bIns="0"/>
+          <a:lstStyle/>
+          <a:p>
+            <a:pPr marL="229680" indent="-229320">
+              <a:lnSpc>
+                <a:spcPct val="100000"/>
+              </a:lnSpc>
+              <a:buClr>
+                <a:srgbClr val="009CDD"/>
+              </a:buClr>
+              <a:buFont typeface="Arial"/>
+              <a:buChar char="•"/>
+            </a:pPr>
+            <a:r>
+              <a:rPr lang="en-US" sz="2400" b="0" strike="noStrike" spc="-1" dirty="0">
+                <a:solidFill>
+                  <a:srgbClr val="323232"/>
+                </a:solidFill>
+                <a:uFill>
+                  <a:solidFill>
+                    <a:srgbClr val="FFFFFF"/>
+                  </a:solidFill>
+                </a:uFill>
+                <a:latin typeface="Sky Text"/>
+              </a:rPr>
+              <a:t>Easier advertisement during quiz</a:t>
+            </a:r>
+            <a:endParaRPr lang="en-US" sz="1800" b="0" strike="noStrike" spc="-1" dirty="0">
+              <a:solidFill>
+                <a:srgbClr val="323232"/>
+              </a:solidFill>
+              <a:uFill>
+                <a:solidFill>
+                  <a:srgbClr val="FFFFFF"/>
+                </a:solidFill>
+              </a:uFill>
+              <a:latin typeface="Sky Text"/>
+            </a:endParaRPr>
+          </a:p>
+          <a:p>
+            <a:pPr marL="229680" indent="-229320">
+              <a:lnSpc>
+                <a:spcPct val="100000"/>
+              </a:lnSpc>
+              <a:buClr>
+                <a:srgbClr val="009CDD"/>
+              </a:buClr>
+              <a:buFont typeface="Arial"/>
+              <a:buChar char="•"/>
+            </a:pPr>
+            <a:endParaRPr lang="en-US" sz="2400" b="0" strike="noStrike" spc="-1" dirty="0" smtClean="0">
+              <a:solidFill>
+                <a:srgbClr val="323232"/>
+              </a:solidFill>
+              <a:uFill>
+                <a:solidFill>
+                  <a:srgbClr val="FFFFFF"/>
+                </a:solidFill>
+              </a:uFill>
+              <a:latin typeface="Sky Text"/>
+            </a:endParaRPr>
+          </a:p>
+          <a:p>
+            <a:pPr marL="229680" indent="-229320">
+              <a:lnSpc>
+                <a:spcPct val="100000"/>
+              </a:lnSpc>
+              <a:buClr>
+                <a:srgbClr val="009CDD"/>
+              </a:buClr>
+              <a:buFont typeface="Arial"/>
+              <a:buChar char="•"/>
+            </a:pPr>
+            <a:r>
+              <a:rPr lang="en-US" sz="2400" b="0" strike="noStrike" spc="-1" dirty="0" smtClean="0">
+                <a:solidFill>
+                  <a:srgbClr val="323232"/>
+                </a:solidFill>
+                <a:uFill>
+                  <a:solidFill>
+                    <a:srgbClr val="FFFFFF"/>
+                  </a:solidFill>
+                </a:uFill>
+                <a:latin typeface="Sky Text"/>
+              </a:rPr>
+              <a:t>Customer </a:t>
+            </a:r>
+            <a:r>
+              <a:rPr lang="en-US" sz="2400" b="0" strike="noStrike" spc="-1" dirty="0">
+                <a:solidFill>
+                  <a:srgbClr val="323232"/>
+                </a:solidFill>
+                <a:uFill>
+                  <a:solidFill>
+                    <a:srgbClr val="FFFFFF"/>
+                  </a:solidFill>
+                </a:uFill>
+                <a:latin typeface="Sky Text"/>
+              </a:rPr>
+              <a:t>engagement</a:t>
+            </a:r>
+            <a:endParaRPr lang="en-US" sz="1800" b="0" strike="noStrike" spc="-1" dirty="0">
+              <a:solidFill>
+                <a:srgbClr val="323232"/>
+              </a:solidFill>
+              <a:uFill>
+                <a:solidFill>
+                  <a:srgbClr val="FFFFFF"/>
+                </a:solidFill>
+              </a:uFill>
+              <a:latin typeface="Sky Text"/>
+            </a:endParaRPr>
+          </a:p>
+          <a:p>
+            <a:pPr marL="229680" indent="-229320">
+              <a:lnSpc>
+                <a:spcPct val="100000"/>
+              </a:lnSpc>
+              <a:buClr>
+                <a:srgbClr val="009CDD"/>
+              </a:buClr>
+              <a:buFont typeface="Arial"/>
+              <a:buChar char="•"/>
+            </a:pPr>
+            <a:endParaRPr lang="en-US" sz="2400" b="0" strike="noStrike" spc="-1" dirty="0" smtClean="0">
+              <a:solidFill>
+                <a:srgbClr val="323232"/>
+              </a:solidFill>
+              <a:uFill>
+                <a:solidFill>
+                  <a:srgbClr val="FFFFFF"/>
+                </a:solidFill>
+              </a:uFill>
+              <a:latin typeface="Sky Text"/>
+            </a:endParaRPr>
+          </a:p>
+          <a:p>
+            <a:pPr marL="229680" indent="-229320">
+              <a:lnSpc>
+                <a:spcPct val="100000"/>
+              </a:lnSpc>
+              <a:buClr>
+                <a:srgbClr val="009CDD"/>
+              </a:buClr>
+              <a:buFont typeface="Arial"/>
+              <a:buChar char="•"/>
+            </a:pPr>
+            <a:r>
+              <a:rPr lang="en-US" sz="2400" b="0" strike="noStrike" spc="-1" dirty="0" smtClean="0">
+                <a:solidFill>
+                  <a:srgbClr val="323232"/>
+                </a:solidFill>
+                <a:uFill>
+                  <a:solidFill>
+                    <a:srgbClr val="FFFFFF"/>
+                  </a:solidFill>
+                </a:uFill>
+                <a:latin typeface="Sky Text"/>
+              </a:rPr>
+              <a:t>Broadcast gamification</a:t>
+            </a:r>
+          </a:p>
+          <a:p>
+            <a:pPr marL="229680" indent="-229320">
+              <a:lnSpc>
+                <a:spcPct val="100000"/>
+              </a:lnSpc>
+              <a:buClr>
+                <a:srgbClr val="009CDD"/>
+              </a:buClr>
+              <a:buFont typeface="Arial"/>
+              <a:buChar char="•"/>
+            </a:pPr>
+            <a:endParaRPr lang="en-US" sz="2400" spc="-1" dirty="0">
+              <a:solidFill>
+                <a:srgbClr val="323232"/>
+              </a:solidFill>
+              <a:uFill>
+                <a:solidFill>
+                  <a:srgbClr val="FFFFFF"/>
+                </a:solidFill>
+              </a:uFill>
+              <a:latin typeface="Sky Text"/>
+            </a:endParaRPr>
+          </a:p>
+          <a:p>
+            <a:pPr marL="229680" indent="-229320">
+              <a:lnSpc>
+                <a:spcPct val="100000"/>
+              </a:lnSpc>
+              <a:buClr>
+                <a:srgbClr val="009CDD"/>
+              </a:buClr>
+              <a:buFont typeface="Arial"/>
+              <a:buChar char="•"/>
+            </a:pPr>
+            <a:r>
+              <a:rPr lang="en-US" sz="2400" b="0" strike="noStrike" spc="-1" dirty="0" smtClean="0">
+                <a:solidFill>
+                  <a:srgbClr val="323232"/>
+                </a:solidFill>
+                <a:uFill>
+                  <a:solidFill>
+                    <a:srgbClr val="FFFFFF"/>
+                  </a:solidFill>
+                </a:uFill>
+                <a:latin typeface="Sky Text"/>
+              </a:rPr>
+              <a:t>New customers to </a:t>
+            </a:r>
+            <a:r>
+              <a:rPr lang="en-US" sz="2400" b="0" strike="noStrike" spc="-1" smtClean="0">
+                <a:solidFill>
+                  <a:srgbClr val="323232"/>
+                </a:solidFill>
+                <a:uFill>
+                  <a:solidFill>
+                    <a:srgbClr val="FFFFFF"/>
+                  </a:solidFill>
+                </a:uFill>
+                <a:latin typeface="Sky Text"/>
+              </a:rPr>
+              <a:t>the </a:t>
+            </a:r>
+            <a:r>
+              <a:rPr lang="en-US" sz="2400" b="0" strike="noStrike" spc="-1" smtClean="0">
+                <a:solidFill>
+                  <a:srgbClr val="323232"/>
+                </a:solidFill>
+                <a:uFill>
+                  <a:solidFill>
+                    <a:srgbClr val="FFFFFF"/>
+                  </a:solidFill>
+                </a:uFill>
+                <a:latin typeface="Sky Text"/>
+              </a:rPr>
+              <a:t>platform</a:t>
+            </a:r>
+            <a:endParaRPr lang="en-US" sz="2400" spc="-1" dirty="0">
+              <a:solidFill>
+                <a:srgbClr val="323232"/>
+              </a:solidFill>
+              <a:uFill>
+                <a:solidFill>
+                  <a:srgbClr val="FFFFFF"/>
+                </a:solidFill>
+              </a:uFill>
+              <a:latin typeface="Sky Text"/>
+            </a:endParaRPr>
+          </a:p>
+          <a:p>
+            <a:pPr>
+              <a:lnSpc>
+                <a:spcPct val="100000"/>
+              </a:lnSpc>
+            </a:pPr>
+            <a:endParaRPr lang="en-US" sz="1800" b="0" strike="noStrike" spc="-1" dirty="0">
+              <a:solidFill>
+                <a:srgbClr val="323232"/>
+              </a:solidFill>
+              <a:uFill>
+                <a:solidFill>
+                  <a:srgbClr val="FFFFFF"/>
+                </a:solidFill>
+              </a:uFill>
+              <a:latin typeface="Sky Text"/>
+            </a:endParaRPr>
+          </a:p>
+        </p:txBody>
+      </p:sp>
+      <p:sp>
+        <p:nvSpPr>
+          <p:cNvPr id="124" name="TextShape 3"/>
+          <p:cNvSpPr txBox="1"/>
+          <p:nvPr/>
+        </p:nvSpPr>
+        <p:spPr>
+          <a:xfrm>
+            <a:off x="585720" y="5656320"/>
+            <a:ext cx="4677480" cy="333000"/>
+          </a:xfrm>
+          <a:prstGeom prst="rect">
+            <a:avLst/>
+          </a:prstGeom>
+          <a:noFill/>
+          <a:ln>
+            <a:noFill/>
+          </a:ln>
+        </p:spPr>
+        <p:txBody>
+          <a:bodyPr lIns="0" tIns="0" rIns="0" bIns="0" anchor="b"/>
+          <a:lstStyle/>
+          <a:p>
+            <a:endParaRPr lang="en-US" sz="1800" b="0" strike="noStrike" spc="-1">
+              <a:solidFill>
+                <a:srgbClr val="323232"/>
+              </a:solidFill>
+              <a:uFill>
+                <a:solidFill>
+                  <a:srgbClr val="FFFFFF"/>
+                </a:solidFill>
+              </a:uFill>
+              <a:latin typeface="Sky Text"/>
+            </a:endParaRPr>
+          </a:p>
+        </p:txBody>
+      </p:sp>
+    </p:spTree>
+  </p:cSld>
+  <p:clrMapOvr>
+    <a:masterClrMapping/>
+  </p:clrMapOvr>
+  <p:timing>
+    <p:tnLst>
+      <p:par>
+        <p:cTn id="1" dur="indefinite" restart="never" nodeType="tmRoot">
+          <p:childTnLst>
+            <p:seq>
+              <p:cTn id="2" nodeType="mainSeq"/>
+              <p:prevCondLst>
+                <p:cond evt="onPrev" delay="0">
+                  <p:tgtEl>
+                    <p:sldTgt/>
+                  </p:tgtEl>
+                </p:cond>
+              </p:prevCondLst>
+              <p:nextCondLst>
+                <p:cond evt="onNext" delay="0">
+                  <p:tgtEl>
+                    <p:sldTgt/>
+                  </p:tgtEl>
+                </p:cond>
+              </p:nextCondLst>
+            </p:seq>
+          </p:childTnLst>
+        </p:cTn>
+      </p:par>
+    </p:tnLst>
+  </p:timing>
+</p:sld>
+</file>
+
+<file path=ppt/slides/slide6.xml><?xml version="1.0" encoding="utf-8"?>
+<p:sld xmlns:a="http://schemas.openxmlformats.org/drawingml/2006/main" xmlns:r="http://schemas.openxmlformats.org/officeDocument/2006/relationships" xmlns:p="http://schemas.openxmlformats.org/presentationml/2006/main">
+  <p:cSld>
+    <p:spTree>
+      <p:nvGrpSpPr>
+        <p:cNvPr id="1" name=""/>
+        <p:cNvGrpSpPr/>
+        <p:nvPr/>
+      </p:nvGrpSpPr>
+      <p:grpSpPr>
+        <a:xfrm>
+          <a:off x="0" y="0"/>
+          <a:ext cx="0" cy="0"/>
+          <a:chOff x="0" y="0"/>
+          <a:chExt cx="0" cy="0"/>
+        </a:xfrm>
+      </p:grpSpPr>
+      <p:pic>
+        <p:nvPicPr>
+          <p:cNvPr id="117" name="Picture 17"/>
+          <p:cNvPicPr/>
+          <p:nvPr/>
+        </p:nvPicPr>
+        <p:blipFill>
+          <a:blip r:embed="rId3"/>
+          <a:srcRect b="33196"/>
+          <a:stretch/>
+        </p:blipFill>
+        <p:spPr>
+          <a:xfrm>
+            <a:off x="0" y="3873600"/>
+            <a:ext cx="11703240" cy="2709360"/>
+          </a:xfrm>
+          <a:prstGeom prst="rect">
+            <a:avLst/>
+          </a:prstGeom>
+          <a:ln>
+            <a:noFill/>
+          </a:ln>
+        </p:spPr>
+      </p:pic>
+      <p:sp>
+        <p:nvSpPr>
+          <p:cNvPr id="118" name="CustomShape 1"/>
+          <p:cNvSpPr/>
+          <p:nvPr/>
+        </p:nvSpPr>
+        <p:spPr>
+          <a:xfrm>
+            <a:off x="749160" y="5467320"/>
+            <a:ext cx="10510560" cy="674280"/>
+          </a:xfrm>
+          <a:prstGeom prst="rect">
+            <a:avLst/>
+          </a:prstGeom>
+          <a:noFill/>
+          <a:ln>
+            <a:noFill/>
+          </a:ln>
+        </p:spPr>
+        <p:style>
+          <a:lnRef idx="0">
+            <a:scrgbClr r="0" g="0" b="0"/>
+          </a:lnRef>
+          <a:fillRef idx="0">
+            <a:scrgbClr r="0" g="0" b="0"/>
+          </a:fillRef>
+          <a:effectRef idx="0">
+            <a:scrgbClr r="0" g="0" b="0"/>
+          </a:effectRef>
+          <a:fontRef idx="minor"/>
+        </p:style>
+      </p:sp>
+      <p:sp>
+        <p:nvSpPr>
+          <p:cNvPr id="119" name="CustomShape 2"/>
+          <p:cNvSpPr/>
+          <p:nvPr/>
+        </p:nvSpPr>
+        <p:spPr>
+          <a:xfrm>
+            <a:off x="749160" y="5704920"/>
+            <a:ext cx="10510560" cy="677520"/>
+          </a:xfrm>
+          <a:prstGeom prst="rect">
+            <a:avLst/>
+          </a:prstGeom>
+          <a:noFill/>
+          <a:ln>
+            <a:noFill/>
+          </a:ln>
+        </p:spPr>
+        <p:style>
+          <a:lnRef idx="0">
+            <a:scrgbClr r="0" g="0" b="0"/>
+          </a:lnRef>
+          <a:fillRef idx="0">
+            <a:scrgbClr r="0" g="0" b="0"/>
+          </a:fillRef>
+          <a:effectRef idx="0">
+            <a:scrgbClr r="0" g="0" b="0"/>
+          </a:effectRef>
+          <a:fontRef idx="minor"/>
+        </p:style>
+        <p:txBody>
+          <a:bodyPr lIns="0" tIns="0" rIns="0" bIns="0" anchor="b" anchorCtr="1"/>
+          <a:lstStyle/>
           <a:p>
             <a:pPr algn="ctr">
               <a:lnSpc>
@@ -7430,51 +6834,59 @@
               </a:lnSpc>
             </a:pPr>
             <a:r>
-              <a:rPr b="0" lang="en-US" sz="16600" spc="-1" strike="noStrike">
-                <a:solidFill>
-                  <a:srgbClr val="ffffff"/>
+              <a:rPr lang="en-US" sz="9600" b="0" strike="noStrike" spc="-1" dirty="0" smtClean="0">
+                <a:solidFill>
+                  <a:srgbClr val="FFFFFF"/>
                 </a:solidFill>
                 <a:uFill>
                   <a:solidFill>
-                    <a:srgbClr val="ffffff"/>
+                    <a:srgbClr val="FFFFFF"/>
                   </a:solidFill>
                 </a:uFill>
                 <a:latin typeface="Sky Text Medium"/>
               </a:rPr>
               <a:t>Thank you!</a:t>
             </a:r>
-            <a:endParaRPr b="0" lang="en-US" sz="2300" spc="-1" strike="noStrike">
+            <a:endParaRPr lang="pt-PT" sz="2400" b="0" strike="noStrike" spc="-1" dirty="0">
               <a:solidFill>
                 <a:srgbClr val="000000"/>
               </a:solidFill>
               <a:uFill>
                 <a:solidFill>
-                  <a:srgbClr val="ffffff"/>
-                </a:solidFill>
-              </a:uFill>
-              <a:latin typeface="Sky Text"/>
+                  <a:srgbClr val="FFFFFF"/>
+                </a:solidFill>
+              </a:uFill>
+              <a:latin typeface="Arial"/>
             </a:endParaRPr>
           </a:p>
         </p:txBody>
       </p:sp>
     </p:spTree>
+    <p:extLst>
+      <p:ext uri="{BB962C8B-B14F-4D97-AF65-F5344CB8AC3E}">
+        <p14:creationId xmlns:p14="http://schemas.microsoft.com/office/powerpoint/2010/main" val="3262991227"/>
+      </p:ext>
+    </p:extLst>
   </p:cSld>
+  <p:clrMapOvr>
+    <a:masterClrMapping/>
+  </p:clrMapOvr>
   <p:timing>
     <p:tnLst>
       <p:par>
-        <p:cTn id="7" dur="indefinite" restart="never" nodeType="tmRoot">
+        <p:cTn id="1" dur="indefinite" restart="never" nodeType="tmRoot">
           <p:childTnLst>
             <p:seq>
-              <p:cTn id="8" nodeType="mainSeq"/>
+              <p:cTn id="2" nodeType="mainSeq"/>
               <p:prevCondLst>
-                <p:cond delay="0" evt="onPrev">
+                <p:cond evt="onPrev" delay="0">
                   <p:tgtEl>
                     <p:sldTgt/>
                   </p:tgtEl>
                 </p:cond>
               </p:prevCondLst>
               <p:nextCondLst>
-                <p:cond delay="0" evt="onNext">
+                <p:cond evt="onNext" delay="0">
                   <p:tgtEl>
                     <p:sldTgt/>
                   </p:tgtEl>
@@ -7709,6 +7121,8 @@
       </a:bgFillStyleLst>
     </a:fmtScheme>
   </a:themeElements>
+  <a:objectDefaults/>
+  <a:extraClrSchemeLst/>
 </a:theme>
 </file>
 
@@ -7932,6 +7346,8 @@
       </a:bgFillStyleLst>
     </a:fmtScheme>
   </a:themeElements>
+  <a:objectDefaults/>
+  <a:extraClrSchemeLst/>
 </a:theme>
 </file>
 
@@ -8155,228 +7571,7 @@
       </a:bgFillStyleLst>
     </a:fmtScheme>
   </a:themeElements>
-</a:theme>
-</file>
-
-<file path=ppt/theme/theme4.xml><?xml version="1.0" encoding="utf-8"?>
-<a:theme xmlns:a="http://schemas.openxmlformats.org/drawingml/2006/main" name="Office Theme">
-  <a:themeElements>
-    <a:clrScheme name="Office">
-      <a:dk1>
-        <a:sysClr val="windowText" lastClr="000000"/>
-      </a:dk1>
-      <a:lt1>
-        <a:sysClr val="window" lastClr="FFFFFF"/>
-      </a:lt1>
-      <a:dk2>
-        <a:srgbClr val="1F497D"/>
-      </a:dk2>
-      <a:lt2>
-        <a:srgbClr val="EEECE1"/>
-      </a:lt2>
-      <a:accent1>
-        <a:srgbClr val="4F81BD"/>
-      </a:accent1>
-      <a:accent2>
-        <a:srgbClr val="C0504D"/>
-      </a:accent2>
-      <a:accent3>
-        <a:srgbClr val="9BBB59"/>
-      </a:accent3>
-      <a:accent4>
-        <a:srgbClr val="8064A2"/>
-      </a:accent4>
-      <a:accent5>
-        <a:srgbClr val="4BACC6"/>
-      </a:accent5>
-      <a:accent6>
-        <a:srgbClr val="F79646"/>
-      </a:accent6>
-      <a:hlink>
-        <a:srgbClr val="0000FF"/>
-      </a:hlink>
-      <a:folHlink>
-        <a:srgbClr val="800080"/>
-      </a:folHlink>
-    </a:clrScheme>
-    <a:fontScheme name="Office">
-      <a:majorFont>
-        <a:latin typeface="Arial"/>
-        <a:ea typeface="DejaVu Sans"/>
-        <a:cs typeface="DejaVu Sans"/>
-      </a:majorFont>
-      <a:minorFont>
-        <a:latin typeface="Arial"/>
-        <a:ea typeface="DejaVu Sans"/>
-        <a:cs typeface="DejaVu Sans"/>
-      </a:minorFont>
-    </a:fontScheme>
-    <a:fmtScheme name="Office">
-      <a:fillStyleLst>
-        <a:solidFill>
-          <a:schemeClr val="phClr"/>
-        </a:solidFill>
-        <a:gradFill rotWithShape="1">
-          <a:gsLst>
-            <a:gs pos="0">
-              <a:schemeClr val="phClr">
-                <a:tint val="50000"/>
-                <a:satMod val="300000"/>
-              </a:schemeClr>
-            </a:gs>
-            <a:gs pos="35000">
-              <a:schemeClr val="phClr">
-                <a:tint val="37000"/>
-                <a:satMod val="300000"/>
-              </a:schemeClr>
-            </a:gs>
-            <a:gs pos="100000">
-              <a:schemeClr val="phClr">
-                <a:tint val="15000"/>
-                <a:satMod val="350000"/>
-              </a:schemeClr>
-            </a:gs>
-          </a:gsLst>
-          <a:lin ang="16200000" scaled="1"/>
-        </a:gradFill>
-        <a:gradFill rotWithShape="1">
-          <a:gsLst>
-            <a:gs pos="0">
-              <a:schemeClr val="phClr">
-                <a:shade val="51000"/>
-                <a:satMod val="130000"/>
-              </a:schemeClr>
-            </a:gs>
-            <a:gs pos="80000">
-              <a:schemeClr val="phClr">
-                <a:shade val="93000"/>
-                <a:satMod val="130000"/>
-              </a:schemeClr>
-            </a:gs>
-            <a:gs pos="100000">
-              <a:schemeClr val="phClr">
-                <a:shade val="94000"/>
-                <a:satMod val="135000"/>
-              </a:schemeClr>
-            </a:gs>
-          </a:gsLst>
-          <a:lin ang="16200000" scaled="0"/>
-        </a:gradFill>
-      </a:fillStyleLst>
-      <a:lnStyleLst>
-        <a:ln w="9525" cap="flat" cmpd="sng" algn="ctr">
-          <a:solidFill>
-            <a:schemeClr val="phClr">
-              <a:shade val="95000"/>
-              <a:satMod val="105000"/>
-            </a:schemeClr>
-          </a:solidFill>
-          <a:prstDash val="solid"/>
-        </a:ln>
-        <a:ln w="25400" cap="flat" cmpd="sng" algn="ctr">
-          <a:solidFill>
-            <a:schemeClr val="phClr"/>
-          </a:solidFill>
-          <a:prstDash val="solid"/>
-        </a:ln>
-        <a:ln w="38100" cap="flat" cmpd="sng" algn="ctr">
-          <a:solidFill>
-            <a:schemeClr val="phClr"/>
-          </a:solidFill>
-          <a:prstDash val="solid"/>
-        </a:ln>
-      </a:lnStyleLst>
-      <a:effectStyleLst>
-        <a:effectStyle>
-          <a:effectLst>
-            <a:outerShdw blurRad="40000" dist="20000" dir="5400000" rotWithShape="0">
-              <a:srgbClr val="000000">
-                <a:alpha val="38000"/>
-              </a:srgbClr>
-            </a:outerShdw>
-          </a:effectLst>
-        </a:effectStyle>
-        <a:effectStyle>
-          <a:effectLst>
-            <a:outerShdw blurRad="40000" dist="23000" dir="5400000" rotWithShape="0">
-              <a:srgbClr val="000000">
-                <a:alpha val="35000"/>
-              </a:srgbClr>
-            </a:outerShdw>
-          </a:effectLst>
-        </a:effectStyle>
-        <a:effectStyle>
-          <a:effectLst>
-            <a:outerShdw blurRad="40000" dist="23000" dir="5400000" rotWithShape="0">
-              <a:srgbClr val="000000">
-                <a:alpha val="35000"/>
-              </a:srgbClr>
-            </a:outerShdw>
-          </a:effectLst>
-          <a:scene3d>
-            <a:camera prst="orthographicFront">
-              <a:rot lat="0" lon="0" rev="0"/>
-            </a:camera>
-            <a:lightRig rig="threePt" dir="t">
-              <a:rot lat="0" lon="0" rev="1200000"/>
-            </a:lightRig>
-          </a:scene3d>
-          <a:sp3d>
-            <a:bevelT w="63500" h="25400"/>
-          </a:sp3d>
-        </a:effectStyle>
-      </a:effectStyleLst>
-      <a:bgFillStyleLst>
-        <a:solidFill>
-          <a:schemeClr val="phClr"/>
-        </a:solidFill>
-        <a:gradFill rotWithShape="1">
-          <a:gsLst>
-            <a:gs pos="0">
-              <a:schemeClr val="phClr">
-                <a:tint val="40000"/>
-                <a:satMod val="350000"/>
-              </a:schemeClr>
-            </a:gs>
-            <a:gs pos="40000">
-              <a:schemeClr val="phClr">
-                <a:tint val="45000"/>
-                <a:shade val="99000"/>
-                <a:satMod val="350000"/>
-              </a:schemeClr>
-            </a:gs>
-            <a:gs pos="100000">
-              <a:schemeClr val="phClr">
-                <a:shade val="20000"/>
-                <a:satMod val="255000"/>
-              </a:schemeClr>
-            </a:gs>
-          </a:gsLst>
-          <a:path path="circle">
-            <a:fillToRect l="50000" t="-80000" r="50000" b="180000"/>
-          </a:path>
-        </a:gradFill>
-        <a:gradFill rotWithShape="1">
-          <a:gsLst>
-            <a:gs pos="0">
-              <a:schemeClr val="phClr">
-                <a:tint val="80000"/>
-                <a:satMod val="300000"/>
-              </a:schemeClr>
-            </a:gs>
-            <a:gs pos="100000">
-              <a:schemeClr val="phClr">
-                <a:shade val="30000"/>
-                <a:satMod val="200000"/>
-              </a:schemeClr>
-            </a:gs>
-          </a:gsLst>
-          <a:path path="circle">
-            <a:fillToRect l="50000" t="50000" r="50000" b="50000"/>
-          </a:path>
-        </a:gradFill>
-      </a:bgFillStyleLst>
-    </a:fmtScheme>
-  </a:themeElements>
+  <a:objectDefaults/>
+  <a:extraClrSchemeLst/>
 </a:theme>
 </file>